--- a/Documents/biops_presentation.pptx
+++ b/Documents/biops_presentation.pptx
@@ -208,7 +208,7 @@
           <a:p>
             <a:fld id="{31F76FB3-C109-4703-AC04-1583329D09BA}" type="datetimeFigureOut">
               <a:rPr lang="en-ZA" smtClean="0"/>
-              <a:t>2024/08/06</a:t>
+              <a:t>2024/08/07</a:t>
             </a:fld>
             <a:endParaRPr lang="en-ZA"/>
           </a:p>
@@ -972,7 +972,7 @@
           <a:p>
             <a:fld id="{84F8C164-7322-41C8-A0FF-4AA5F8F33C6D}" type="datetime1">
               <a:rPr lang="en-US" smtClean="0"/>
-              <a:t>8/6/2024</a:t>
+              <a:t>8/7/2024</a:t>
             </a:fld>
             <a:endParaRPr lang="en-GB" dirty="0"/>
           </a:p>
@@ -1657,7 +1657,7 @@
           <a:p>
             <a:fld id="{84F8C164-7322-41C8-A0FF-4AA5F8F33C6D}" type="datetime1">
               <a:rPr lang="en-US" smtClean="0"/>
-              <a:t>8/6/2024</a:t>
+              <a:t>8/7/2024</a:t>
             </a:fld>
             <a:endParaRPr lang="en-GB" dirty="0"/>
           </a:p>
@@ -2342,7 +2342,7 @@
           <a:p>
             <a:fld id="{84F8C164-7322-41C8-A0FF-4AA5F8F33C6D}" type="datetime1">
               <a:rPr lang="en-US" smtClean="0"/>
-              <a:t>8/6/2024</a:t>
+              <a:t>8/7/2024</a:t>
             </a:fld>
             <a:endParaRPr lang="en-GB" dirty="0"/>
           </a:p>
@@ -3027,7 +3027,7 @@
           <a:p>
             <a:fld id="{84F8C164-7322-41C8-A0FF-4AA5F8F33C6D}" type="datetime1">
               <a:rPr lang="en-US" smtClean="0"/>
-              <a:t>8/6/2024</a:t>
+              <a:t>8/7/2024</a:t>
             </a:fld>
             <a:endParaRPr lang="en-GB" dirty="0"/>
           </a:p>
@@ -3953,7 +3953,7 @@
           <a:p>
             <a:fld id="{84F8C164-7322-41C8-A0FF-4AA5F8F33C6D}" type="datetime1">
               <a:rPr lang="en-US" smtClean="0"/>
-              <a:t>8/6/2024</a:t>
+              <a:t>8/7/2024</a:t>
             </a:fld>
             <a:endParaRPr lang="en-GB" dirty="0"/>
           </a:p>
@@ -4867,7 +4867,7 @@
           <a:p>
             <a:fld id="{D030E0CB-5F0D-4F26-BC2F-033B07AFC4C7}" type="datetime1">
               <a:rPr lang="en-US" smtClean="0"/>
-              <a:t>8/6/2024</a:t>
+              <a:t>8/7/2024</a:t>
             </a:fld>
             <a:endParaRPr lang="en-GB" dirty="0"/>
           </a:p>
@@ -5091,7 +5091,7 @@
           <a:p>
             <a:fld id="{8EF10DD7-2389-4DF9-BFC9-46E5AD07346D}" type="datetime1">
               <a:rPr lang="en-US" smtClean="0"/>
-              <a:t>8/6/2024</a:t>
+              <a:t>8/7/2024</a:t>
             </a:fld>
             <a:endParaRPr lang="en-GB" dirty="0"/>
           </a:p>
@@ -7070,63 +7070,6 @@
           </a:p>
         </p:txBody>
       </p:sp>
-      <p:sp>
-        <p:nvSpPr>
-          <p:cNvPr id="7" name="Title 1">
-            <a:extLst>
-              <a:ext uri="{FF2B5EF4-FFF2-40B4-BE49-F238E27FC236}">
-                <a16:creationId xmlns:a16="http://schemas.microsoft.com/office/drawing/2014/main" id="{8825D293-2320-DF93-A0FB-CE8B5FB3EBD1}"/>
-              </a:ext>
-            </a:extLst>
-          </p:cNvPr>
-          <p:cNvSpPr txBox="1">
-            <a:spLocks/>
-          </p:cNvSpPr>
-          <p:nvPr/>
-        </p:nvSpPr>
-        <p:spPr>
-          <a:xfrm>
-            <a:off x="95199" y="1923481"/>
-            <a:ext cx="11879756" cy="4934519"/>
-          </a:xfrm>
-          <a:prstGeom prst="rect">
-            <a:avLst/>
-          </a:prstGeom>
-        </p:spPr>
-        <p:txBody>
-          <a:bodyPr vert="horz" lIns="0" tIns="0" rIns="0" bIns="0" rtlCol="0" anchor="t" anchorCtr="0">
-            <a:noAutofit/>
-          </a:bodyPr>
-          <a:lstStyle>
-            <a:lvl1pPr algn="l" defTabSz="914400" rtl="0" eaLnBrk="1" latinLnBrk="0" hangingPunct="1">
-              <a:lnSpc>
-                <a:spcPct val="90000"/>
-              </a:lnSpc>
-              <a:spcBef>
-                <a:spcPct val="0"/>
-              </a:spcBef>
-              <a:buNone/>
-              <a:defRPr sz="3200" b="0" kern="1200">
-                <a:solidFill>
-                  <a:schemeClr val="accent1"/>
-                </a:solidFill>
-                <a:latin typeface="+mj-lt"/>
-                <a:ea typeface="+mj-ea"/>
-                <a:cs typeface="+mj-cs"/>
-              </a:defRPr>
-            </a:lvl1pPr>
-          </a:lstStyle>
-          <a:p>
-            <a:endParaRPr lang="en-US" sz="1000" dirty="0">
-              <a:solidFill>
-                <a:schemeClr val="tx1"/>
-              </a:solidFill>
-              <a:latin typeface="+mn-lt"/>
-              <a:cs typeface="Helvetica" panose="020B0604020202020204" pitchFamily="34" charset="0"/>
-            </a:endParaRPr>
-          </a:p>
-        </p:txBody>
-      </p:sp>
     </p:spTree>
     <p:extLst>
       <p:ext uri="{BB962C8B-B14F-4D97-AF65-F5344CB8AC3E}">
@@ -10868,7 +10811,7 @@
                   <a:schemeClr val="bg1"/>
                 </a:solidFill>
               </a:rPr>
-              <a:t>GitHub Workflow Environment</a:t>
+              <a:t>GitHub Environment Workflow</a:t>
             </a:r>
             <a:endParaRPr lang="en-ZA" sz="3600" dirty="0">
               <a:solidFill>
@@ -10994,6 +10937,65 @@
       </p:grpSpPr>
       <p:sp>
         <p:nvSpPr>
+          <p:cNvPr id="3" name="Rectangle: Rounded Corners 2">
+            <a:extLst>
+              <a:ext uri="{FF2B5EF4-FFF2-40B4-BE49-F238E27FC236}">
+                <a16:creationId xmlns:a16="http://schemas.microsoft.com/office/drawing/2014/main" id="{D104E8D9-D97A-86D8-D3B5-44AD81A827D3}"/>
+              </a:ext>
+            </a:extLst>
+          </p:cNvPr>
+          <p:cNvSpPr/>
+          <p:nvPr/>
+        </p:nvSpPr>
+        <p:spPr>
+          <a:xfrm>
+            <a:off x="285307" y="1010092"/>
+            <a:ext cx="11621386" cy="5656521"/>
+          </a:xfrm>
+          <a:prstGeom prst="roundRect">
+            <a:avLst>
+              <a:gd name="adj" fmla="val 8584"/>
+            </a:avLst>
+          </a:prstGeom>
+          <a:solidFill>
+            <a:schemeClr val="tx1">
+              <a:lumMod val="85000"/>
+              <a:lumOff val="15000"/>
+            </a:schemeClr>
+          </a:solidFill>
+          <a:ln>
+            <a:solidFill>
+              <a:schemeClr val="accent1"/>
+            </a:solidFill>
+          </a:ln>
+        </p:spPr>
+        <p:style>
+          <a:lnRef idx="2">
+            <a:schemeClr val="accent1">
+              <a:shade val="50000"/>
+            </a:schemeClr>
+          </a:lnRef>
+          <a:fillRef idx="1">
+            <a:schemeClr val="accent1"/>
+          </a:fillRef>
+          <a:effectRef idx="0">
+            <a:schemeClr val="accent1"/>
+          </a:effectRef>
+          <a:fontRef idx="minor">
+            <a:schemeClr val="lt1"/>
+          </a:fontRef>
+        </p:style>
+        <p:txBody>
+          <a:bodyPr lIns="72000" tIns="36000" rIns="72000" bIns="36000" rtlCol="0" anchor="ctr"/>
+          <a:lstStyle/>
+          <a:p>
+            <a:pPr algn="ctr"/>
+            <a:endParaRPr lang="en-ZA" sz="1400" noProof="0" dirty="0" err="1"/>
+          </a:p>
+        </p:txBody>
+      </p:sp>
+      <p:sp>
+        <p:nvSpPr>
           <p:cNvPr id="2" name="Title 1">
             <a:extLst>
               <a:ext uri="{FF2B5EF4-FFF2-40B4-BE49-F238E27FC236}">
@@ -11029,8 +11031,1889 @@
                 <a:latin typeface="Helvetica" panose="020B0604020202020204" pitchFamily="34" charset="0"/>
                 <a:cs typeface="Helvetica" panose="020B0604020202020204" pitchFamily="34" charset="0"/>
               </a:rPr>
-              <a:t>GitHub Workflow Environment</a:t>
+              <a:t>GitHub Environment Workflow</a:t>
             </a:r>
+          </a:p>
+        </p:txBody>
+      </p:sp>
+      <p:sp>
+        <p:nvSpPr>
+          <p:cNvPr id="11" name="Circle: Hollow 10">
+            <a:extLst>
+              <a:ext uri="{FF2B5EF4-FFF2-40B4-BE49-F238E27FC236}">
+                <a16:creationId xmlns:a16="http://schemas.microsoft.com/office/drawing/2014/main" id="{7C5B87E0-BBD0-6142-D32A-FD5EE22F6E5F}"/>
+              </a:ext>
+            </a:extLst>
+          </p:cNvPr>
+          <p:cNvSpPr/>
+          <p:nvPr/>
+        </p:nvSpPr>
+        <p:spPr>
+          <a:xfrm>
+            <a:off x="1834558" y="2923952"/>
+            <a:ext cx="914400" cy="914400"/>
+          </a:xfrm>
+          <a:prstGeom prst="donut">
+            <a:avLst/>
+          </a:prstGeom>
+          <a:solidFill>
+            <a:srgbClr val="5988FD"/>
+          </a:solidFill>
+          <a:ln>
+            <a:noFill/>
+          </a:ln>
+        </p:spPr>
+        <p:style>
+          <a:lnRef idx="2">
+            <a:schemeClr val="accent1">
+              <a:shade val="50000"/>
+            </a:schemeClr>
+          </a:lnRef>
+          <a:fillRef idx="1">
+            <a:schemeClr val="accent1"/>
+          </a:fillRef>
+          <a:effectRef idx="0">
+            <a:schemeClr val="accent1"/>
+          </a:effectRef>
+          <a:fontRef idx="minor">
+            <a:schemeClr val="lt1"/>
+          </a:fontRef>
+        </p:style>
+        <p:txBody>
+          <a:bodyPr lIns="72000" tIns="36000" rIns="72000" bIns="36000" rtlCol="0" anchor="ctr"/>
+          <a:lstStyle/>
+          <a:p>
+            <a:pPr algn="ctr"/>
+            <a:endParaRPr lang="en-ZA" sz="1400" noProof="0" dirty="0" err="1">
+              <a:solidFill>
+                <a:schemeClr val="tx1"/>
+              </a:solidFill>
+            </a:endParaRPr>
+          </a:p>
+        </p:txBody>
+      </p:sp>
+      <p:pic>
+        <p:nvPicPr>
+          <p:cNvPr id="17" name="Picture 16" descr="A purple circle with a white cat face&#10;&#10;Description automatically generated">
+            <a:extLst>
+              <a:ext uri="{FF2B5EF4-FFF2-40B4-BE49-F238E27FC236}">
+                <a16:creationId xmlns:a16="http://schemas.microsoft.com/office/drawing/2014/main" id="{F0B838F8-1DA4-0F64-5DE0-DED5B52D4A27}"/>
+              </a:ext>
+            </a:extLst>
+          </p:cNvPr>
+          <p:cNvPicPr>
+            <a:picLocks noChangeAspect="1"/>
+          </p:cNvPicPr>
+          <p:nvPr/>
+        </p:nvPicPr>
+        <p:blipFill>
+          <a:blip r:embed="rId3">
+            <a:extLst>
+              <a:ext uri="{28A0092B-C50C-407E-A947-70E740481C1C}">
+                <a14:useLocalDpi xmlns:a14="http://schemas.microsoft.com/office/drawing/2010/main" val="0"/>
+              </a:ext>
+            </a:extLst>
+          </a:blip>
+          <a:stretch>
+            <a:fillRect/>
+          </a:stretch>
+        </p:blipFill>
+        <p:spPr>
+          <a:xfrm>
+            <a:off x="402911" y="1145053"/>
+            <a:ext cx="851732" cy="851732"/>
+          </a:xfrm>
+          <a:prstGeom prst="rect">
+            <a:avLst/>
+          </a:prstGeom>
+        </p:spPr>
+      </p:pic>
+      <p:sp>
+        <p:nvSpPr>
+          <p:cNvPr id="20" name="TextBox 19">
+            <a:extLst>
+              <a:ext uri="{FF2B5EF4-FFF2-40B4-BE49-F238E27FC236}">
+                <a16:creationId xmlns:a16="http://schemas.microsoft.com/office/drawing/2014/main" id="{0A7B983C-66DC-E035-F85F-D891BF3D8D27}"/>
+              </a:ext>
+            </a:extLst>
+          </p:cNvPr>
+          <p:cNvSpPr txBox="1"/>
+          <p:nvPr/>
+        </p:nvSpPr>
+        <p:spPr>
+          <a:xfrm>
+            <a:off x="710603" y="3165708"/>
+            <a:ext cx="1765004" cy="430887"/>
+          </a:xfrm>
+          <a:prstGeom prst="rect">
+            <a:avLst/>
+          </a:prstGeom>
+          <a:noFill/>
+        </p:spPr>
+        <p:txBody>
+          <a:bodyPr wrap="square" lIns="0" tIns="0" rIns="0" bIns="0" rtlCol="0">
+            <a:spAutoFit/>
+          </a:bodyPr>
+          <a:lstStyle/>
+          <a:p>
+            <a:pPr algn="l">
+              <a:spcAft>
+                <a:spcPts val="600"/>
+              </a:spcAft>
+            </a:pPr>
+            <a:r>
+              <a:rPr lang="en-US" sz="2800" b="1" dirty="0">
+                <a:solidFill>
+                  <a:schemeClr val="bg1"/>
+                </a:solidFill>
+              </a:rPr>
+              <a:t>Main</a:t>
+            </a:r>
+            <a:endParaRPr lang="en-ZA" sz="2800" b="1" dirty="0" err="1">
+              <a:solidFill>
+                <a:schemeClr val="bg1"/>
+              </a:solidFill>
+            </a:endParaRPr>
+          </a:p>
+        </p:txBody>
+      </p:sp>
+      <p:sp>
+        <p:nvSpPr>
+          <p:cNvPr id="21" name="TextBox 20">
+            <a:extLst>
+              <a:ext uri="{FF2B5EF4-FFF2-40B4-BE49-F238E27FC236}">
+                <a16:creationId xmlns:a16="http://schemas.microsoft.com/office/drawing/2014/main" id="{6DB8E59C-937A-11C8-CBA4-6B119E1F77B2}"/>
+              </a:ext>
+            </a:extLst>
+          </p:cNvPr>
+          <p:cNvSpPr txBox="1"/>
+          <p:nvPr/>
+        </p:nvSpPr>
+        <p:spPr>
+          <a:xfrm>
+            <a:off x="710603" y="4861081"/>
+            <a:ext cx="1313119" cy="430887"/>
+          </a:xfrm>
+          <a:prstGeom prst="rect">
+            <a:avLst/>
+          </a:prstGeom>
+          <a:noFill/>
+        </p:spPr>
+        <p:txBody>
+          <a:bodyPr wrap="square" lIns="0" tIns="0" rIns="0" bIns="0" rtlCol="0">
+            <a:spAutoFit/>
+          </a:bodyPr>
+          <a:lstStyle/>
+          <a:p>
+            <a:pPr algn="l">
+              <a:spcAft>
+                <a:spcPts val="600"/>
+              </a:spcAft>
+            </a:pPr>
+            <a:r>
+              <a:rPr lang="en-US" sz="2800" b="1" dirty="0">
+                <a:solidFill>
+                  <a:schemeClr val="bg1"/>
+                </a:solidFill>
+              </a:rPr>
+              <a:t>Dev</a:t>
+            </a:r>
+            <a:endParaRPr lang="en-ZA" sz="2800" b="1" dirty="0" err="1">
+              <a:solidFill>
+                <a:schemeClr val="bg1"/>
+              </a:solidFill>
+            </a:endParaRPr>
+          </a:p>
+        </p:txBody>
+      </p:sp>
+      <p:grpSp>
+        <p:nvGrpSpPr>
+          <p:cNvPr id="23" name="Group 22">
+            <a:extLst>
+              <a:ext uri="{FF2B5EF4-FFF2-40B4-BE49-F238E27FC236}">
+                <a16:creationId xmlns:a16="http://schemas.microsoft.com/office/drawing/2014/main" id="{6F6E7DA3-069B-6DD3-B502-CDF847761F67}"/>
+              </a:ext>
+            </a:extLst>
+          </p:cNvPr>
+          <p:cNvGrpSpPr/>
+          <p:nvPr/>
+        </p:nvGrpSpPr>
+        <p:grpSpPr>
+          <a:xfrm>
+            <a:off x="1797345" y="4670350"/>
+            <a:ext cx="988827" cy="935666"/>
+            <a:chOff x="1797345" y="4670350"/>
+            <a:chExt cx="988827" cy="935666"/>
+          </a:xfrm>
+        </p:grpSpPr>
+        <p:sp>
+          <p:nvSpPr>
+            <p:cNvPr id="7" name="Oval 6">
+              <a:extLst>
+                <a:ext uri="{FF2B5EF4-FFF2-40B4-BE49-F238E27FC236}">
+                  <a16:creationId xmlns:a16="http://schemas.microsoft.com/office/drawing/2014/main" id="{D396D8FC-852A-8EDF-C23F-AAE16AB1BDB3}"/>
+                </a:ext>
+              </a:extLst>
+            </p:cNvPr>
+            <p:cNvSpPr/>
+            <p:nvPr/>
+          </p:nvSpPr>
+          <p:spPr>
+            <a:xfrm>
+              <a:off x="1797345" y="4670350"/>
+              <a:ext cx="988827" cy="935666"/>
+            </a:xfrm>
+            <a:prstGeom prst="ellipse">
+              <a:avLst/>
+            </a:prstGeom>
+            <a:solidFill>
+              <a:srgbClr val="27B357"/>
+            </a:solidFill>
+            <a:ln>
+              <a:noFill/>
+            </a:ln>
+          </p:spPr>
+          <p:style>
+            <a:lnRef idx="2">
+              <a:schemeClr val="accent1">
+                <a:shade val="50000"/>
+              </a:schemeClr>
+            </a:lnRef>
+            <a:fillRef idx="1">
+              <a:schemeClr val="accent1"/>
+            </a:fillRef>
+            <a:effectRef idx="0">
+              <a:schemeClr val="accent1"/>
+            </a:effectRef>
+            <a:fontRef idx="minor">
+              <a:schemeClr val="lt1"/>
+            </a:fontRef>
+          </p:style>
+          <p:txBody>
+            <a:bodyPr lIns="72000" tIns="36000" rIns="72000" bIns="36000" rtlCol="0" anchor="ctr"/>
+            <a:lstStyle/>
+            <a:p>
+              <a:pPr algn="ctr"/>
+              <a:endParaRPr lang="en-ZA" sz="1400" noProof="0" dirty="0" err="1"/>
+            </a:p>
+          </p:txBody>
+        </p:sp>
+        <p:pic>
+          <p:nvPicPr>
+            <p:cNvPr id="22" name="Picture 21" descr="A yellow rectangular objects on a black background&#10;&#10;Description automatically generated">
+              <a:extLst>
+                <a:ext uri="{FF2B5EF4-FFF2-40B4-BE49-F238E27FC236}">
+                  <a16:creationId xmlns:a16="http://schemas.microsoft.com/office/drawing/2014/main" id="{C253F3BA-5B17-0436-68D0-8134EDB428B1}"/>
+                </a:ext>
+              </a:extLst>
+            </p:cNvPr>
+            <p:cNvPicPr>
+              <a:picLocks noChangeAspect="1"/>
+            </p:cNvPicPr>
+            <p:nvPr/>
+          </p:nvPicPr>
+          <p:blipFill>
+            <a:blip r:embed="rId4">
+              <a:extLst>
+                <a:ext uri="{28A0092B-C50C-407E-A947-70E740481C1C}">
+                  <a14:useLocalDpi xmlns:a14="http://schemas.microsoft.com/office/drawing/2010/main" val="0"/>
+                </a:ext>
+              </a:extLst>
+            </a:blip>
+            <a:stretch>
+              <a:fillRect/>
+            </a:stretch>
+          </p:blipFill>
+          <p:spPr>
+            <a:xfrm>
+              <a:off x="1967611" y="4801852"/>
+              <a:ext cx="587597" cy="587597"/>
+            </a:xfrm>
+            <a:prstGeom prst="rect">
+              <a:avLst/>
+            </a:prstGeom>
+          </p:spPr>
+        </p:pic>
+      </p:grpSp>
+      <p:grpSp>
+        <p:nvGrpSpPr>
+          <p:cNvPr id="24" name="Group 23">
+            <a:extLst>
+              <a:ext uri="{FF2B5EF4-FFF2-40B4-BE49-F238E27FC236}">
+                <a16:creationId xmlns:a16="http://schemas.microsoft.com/office/drawing/2014/main" id="{6BEF18F4-68B6-975E-43BF-CB880B25015A}"/>
+              </a:ext>
+            </a:extLst>
+          </p:cNvPr>
+          <p:cNvGrpSpPr/>
+          <p:nvPr/>
+        </p:nvGrpSpPr>
+        <p:grpSpPr>
+          <a:xfrm>
+            <a:off x="3502098" y="4662518"/>
+            <a:ext cx="988827" cy="935666"/>
+            <a:chOff x="1797345" y="4670350"/>
+            <a:chExt cx="988827" cy="935666"/>
+          </a:xfrm>
+        </p:grpSpPr>
+        <p:sp>
+          <p:nvSpPr>
+            <p:cNvPr id="25" name="Oval 24">
+              <a:extLst>
+                <a:ext uri="{FF2B5EF4-FFF2-40B4-BE49-F238E27FC236}">
+                  <a16:creationId xmlns:a16="http://schemas.microsoft.com/office/drawing/2014/main" id="{D6943BCC-D3FA-3665-ED0F-BE1FB0785F91}"/>
+                </a:ext>
+              </a:extLst>
+            </p:cNvPr>
+            <p:cNvSpPr/>
+            <p:nvPr/>
+          </p:nvSpPr>
+          <p:spPr>
+            <a:xfrm>
+              <a:off x="1797345" y="4670350"/>
+              <a:ext cx="988827" cy="935666"/>
+            </a:xfrm>
+            <a:prstGeom prst="ellipse">
+              <a:avLst/>
+            </a:prstGeom>
+            <a:solidFill>
+              <a:srgbClr val="27B357"/>
+            </a:solidFill>
+            <a:ln>
+              <a:noFill/>
+            </a:ln>
+          </p:spPr>
+          <p:style>
+            <a:lnRef idx="2">
+              <a:schemeClr val="accent1">
+                <a:shade val="50000"/>
+              </a:schemeClr>
+            </a:lnRef>
+            <a:fillRef idx="1">
+              <a:schemeClr val="accent1"/>
+            </a:fillRef>
+            <a:effectRef idx="0">
+              <a:schemeClr val="accent1"/>
+            </a:effectRef>
+            <a:fontRef idx="minor">
+              <a:schemeClr val="lt1"/>
+            </a:fontRef>
+          </p:style>
+          <p:txBody>
+            <a:bodyPr lIns="72000" tIns="36000" rIns="72000" bIns="36000" rtlCol="0" anchor="ctr"/>
+            <a:lstStyle/>
+            <a:p>
+              <a:pPr algn="ctr"/>
+              <a:endParaRPr lang="en-ZA" sz="1400" noProof="0" dirty="0" err="1"/>
+            </a:p>
+          </p:txBody>
+        </p:sp>
+        <p:pic>
+          <p:nvPicPr>
+            <p:cNvPr id="26" name="Picture 25" descr="A yellow rectangular objects on a black background&#10;&#10;Description automatically generated">
+              <a:extLst>
+                <a:ext uri="{FF2B5EF4-FFF2-40B4-BE49-F238E27FC236}">
+                  <a16:creationId xmlns:a16="http://schemas.microsoft.com/office/drawing/2014/main" id="{327C64B2-6A19-2BA6-7096-D4131A8129C4}"/>
+                </a:ext>
+              </a:extLst>
+            </p:cNvPr>
+            <p:cNvPicPr>
+              <a:picLocks noChangeAspect="1"/>
+            </p:cNvPicPr>
+            <p:nvPr/>
+          </p:nvPicPr>
+          <p:blipFill>
+            <a:blip r:embed="rId4">
+              <a:extLst>
+                <a:ext uri="{28A0092B-C50C-407E-A947-70E740481C1C}">
+                  <a14:useLocalDpi xmlns:a14="http://schemas.microsoft.com/office/drawing/2010/main" val="0"/>
+                </a:ext>
+              </a:extLst>
+            </a:blip>
+            <a:stretch>
+              <a:fillRect/>
+            </a:stretch>
+          </p:blipFill>
+          <p:spPr>
+            <a:xfrm>
+              <a:off x="1967611" y="4801852"/>
+              <a:ext cx="587597" cy="587597"/>
+            </a:xfrm>
+            <a:prstGeom prst="rect">
+              <a:avLst/>
+            </a:prstGeom>
+          </p:spPr>
+        </p:pic>
+      </p:grpSp>
+      <p:grpSp>
+        <p:nvGrpSpPr>
+          <p:cNvPr id="28" name="Group 27">
+            <a:extLst>
+              <a:ext uri="{FF2B5EF4-FFF2-40B4-BE49-F238E27FC236}">
+                <a16:creationId xmlns:a16="http://schemas.microsoft.com/office/drawing/2014/main" id="{9F81F7C6-694D-6F99-E180-51D99D3312CD}"/>
+              </a:ext>
+            </a:extLst>
+          </p:cNvPr>
+          <p:cNvGrpSpPr/>
+          <p:nvPr/>
+        </p:nvGrpSpPr>
+        <p:grpSpPr>
+          <a:xfrm>
+            <a:off x="5206851" y="4670350"/>
+            <a:ext cx="988827" cy="935666"/>
+            <a:chOff x="1797345" y="4670350"/>
+            <a:chExt cx="988827" cy="935666"/>
+          </a:xfrm>
+        </p:grpSpPr>
+        <p:sp>
+          <p:nvSpPr>
+            <p:cNvPr id="29" name="Oval 28">
+              <a:extLst>
+                <a:ext uri="{FF2B5EF4-FFF2-40B4-BE49-F238E27FC236}">
+                  <a16:creationId xmlns:a16="http://schemas.microsoft.com/office/drawing/2014/main" id="{56B47D5C-F6AB-8C91-4B09-49EFB83F6313}"/>
+                </a:ext>
+              </a:extLst>
+            </p:cNvPr>
+            <p:cNvSpPr/>
+            <p:nvPr/>
+          </p:nvSpPr>
+          <p:spPr>
+            <a:xfrm>
+              <a:off x="1797345" y="4670350"/>
+              <a:ext cx="988827" cy="935666"/>
+            </a:xfrm>
+            <a:prstGeom prst="ellipse">
+              <a:avLst/>
+            </a:prstGeom>
+            <a:solidFill>
+              <a:srgbClr val="27B357"/>
+            </a:solidFill>
+            <a:ln>
+              <a:noFill/>
+            </a:ln>
+          </p:spPr>
+          <p:style>
+            <a:lnRef idx="2">
+              <a:schemeClr val="accent1">
+                <a:shade val="50000"/>
+              </a:schemeClr>
+            </a:lnRef>
+            <a:fillRef idx="1">
+              <a:schemeClr val="accent1"/>
+            </a:fillRef>
+            <a:effectRef idx="0">
+              <a:schemeClr val="accent1"/>
+            </a:effectRef>
+            <a:fontRef idx="minor">
+              <a:schemeClr val="lt1"/>
+            </a:fontRef>
+          </p:style>
+          <p:txBody>
+            <a:bodyPr lIns="72000" tIns="36000" rIns="72000" bIns="36000" rtlCol="0" anchor="ctr"/>
+            <a:lstStyle/>
+            <a:p>
+              <a:pPr algn="ctr"/>
+              <a:endParaRPr lang="en-ZA" sz="1400" noProof="0" dirty="0" err="1"/>
+            </a:p>
+          </p:txBody>
+        </p:sp>
+        <p:pic>
+          <p:nvPicPr>
+            <p:cNvPr id="30" name="Picture 29" descr="A yellow rectangular objects on a black background&#10;&#10;Description automatically generated">
+              <a:extLst>
+                <a:ext uri="{FF2B5EF4-FFF2-40B4-BE49-F238E27FC236}">
+                  <a16:creationId xmlns:a16="http://schemas.microsoft.com/office/drawing/2014/main" id="{6589CE33-410C-E51E-73DA-7FD45616AD7B}"/>
+                </a:ext>
+              </a:extLst>
+            </p:cNvPr>
+            <p:cNvPicPr>
+              <a:picLocks noChangeAspect="1"/>
+            </p:cNvPicPr>
+            <p:nvPr/>
+          </p:nvPicPr>
+          <p:blipFill>
+            <a:blip r:embed="rId4">
+              <a:extLst>
+                <a:ext uri="{28A0092B-C50C-407E-A947-70E740481C1C}">
+                  <a14:useLocalDpi xmlns:a14="http://schemas.microsoft.com/office/drawing/2010/main" val="0"/>
+                </a:ext>
+              </a:extLst>
+            </a:blip>
+            <a:stretch>
+              <a:fillRect/>
+            </a:stretch>
+          </p:blipFill>
+          <p:spPr>
+            <a:xfrm>
+              <a:off x="1967611" y="4801852"/>
+              <a:ext cx="587597" cy="587597"/>
+            </a:xfrm>
+            <a:prstGeom prst="rect">
+              <a:avLst/>
+            </a:prstGeom>
+          </p:spPr>
+        </p:pic>
+      </p:grpSp>
+      <p:sp>
+        <p:nvSpPr>
+          <p:cNvPr id="34" name="Rectangle: Rounded Corners 33">
+            <a:extLst>
+              <a:ext uri="{FF2B5EF4-FFF2-40B4-BE49-F238E27FC236}">
+                <a16:creationId xmlns:a16="http://schemas.microsoft.com/office/drawing/2014/main" id="{BBA472DE-295B-5672-A103-A2B8625C66E1}"/>
+              </a:ext>
+            </a:extLst>
+          </p:cNvPr>
+          <p:cNvSpPr/>
+          <p:nvPr/>
+        </p:nvSpPr>
+        <p:spPr>
+          <a:xfrm>
+            <a:off x="2562995" y="5076524"/>
+            <a:ext cx="972000" cy="159488"/>
+          </a:xfrm>
+          <a:prstGeom prst="roundRect">
+            <a:avLst/>
+          </a:prstGeom>
+          <a:solidFill>
+            <a:srgbClr val="27B357"/>
+          </a:solidFill>
+          <a:ln>
+            <a:noFill/>
+          </a:ln>
+        </p:spPr>
+        <p:style>
+          <a:lnRef idx="2">
+            <a:schemeClr val="accent1">
+              <a:shade val="50000"/>
+            </a:schemeClr>
+          </a:lnRef>
+          <a:fillRef idx="1">
+            <a:schemeClr val="accent1"/>
+          </a:fillRef>
+          <a:effectRef idx="0">
+            <a:schemeClr val="accent1"/>
+          </a:effectRef>
+          <a:fontRef idx="minor">
+            <a:schemeClr val="lt1"/>
+          </a:fontRef>
+        </p:style>
+        <p:txBody>
+          <a:bodyPr lIns="72000" tIns="36000" rIns="72000" bIns="36000" rtlCol="0" anchor="ctr"/>
+          <a:lstStyle/>
+          <a:p>
+            <a:pPr algn="ctr"/>
+            <a:endParaRPr lang="en-ZA" sz="1400" noProof="0" dirty="0" err="1"/>
+          </a:p>
+        </p:txBody>
+      </p:sp>
+      <p:sp>
+        <p:nvSpPr>
+          <p:cNvPr id="37" name="Rectangle: Rounded Corners 36">
+            <a:extLst>
+              <a:ext uri="{FF2B5EF4-FFF2-40B4-BE49-F238E27FC236}">
+                <a16:creationId xmlns:a16="http://schemas.microsoft.com/office/drawing/2014/main" id="{F6ECB99A-551B-DBCE-7109-4ED9E0DDE5BD}"/>
+              </a:ext>
+            </a:extLst>
+          </p:cNvPr>
+          <p:cNvSpPr/>
+          <p:nvPr/>
+        </p:nvSpPr>
+        <p:spPr>
+          <a:xfrm>
+            <a:off x="4286921" y="5058439"/>
+            <a:ext cx="972000" cy="159488"/>
+          </a:xfrm>
+          <a:prstGeom prst="roundRect">
+            <a:avLst/>
+          </a:prstGeom>
+          <a:solidFill>
+            <a:srgbClr val="27B357"/>
+          </a:solidFill>
+          <a:ln>
+            <a:noFill/>
+          </a:ln>
+        </p:spPr>
+        <p:style>
+          <a:lnRef idx="2">
+            <a:schemeClr val="accent1">
+              <a:shade val="50000"/>
+            </a:schemeClr>
+          </a:lnRef>
+          <a:fillRef idx="1">
+            <a:schemeClr val="accent1"/>
+          </a:fillRef>
+          <a:effectRef idx="0">
+            <a:schemeClr val="accent1"/>
+          </a:effectRef>
+          <a:fontRef idx="minor">
+            <a:schemeClr val="lt1"/>
+          </a:fontRef>
+        </p:style>
+        <p:txBody>
+          <a:bodyPr lIns="72000" tIns="36000" rIns="72000" bIns="36000" rtlCol="0" anchor="ctr"/>
+          <a:lstStyle/>
+          <a:p>
+            <a:pPr algn="ctr"/>
+            <a:endParaRPr lang="en-ZA" sz="1400" noProof="0" dirty="0" err="1"/>
+          </a:p>
+        </p:txBody>
+      </p:sp>
+      <p:sp>
+        <p:nvSpPr>
+          <p:cNvPr id="39" name="Rectangle: Rounded Corners 38">
+            <a:extLst>
+              <a:ext uri="{FF2B5EF4-FFF2-40B4-BE49-F238E27FC236}">
+                <a16:creationId xmlns:a16="http://schemas.microsoft.com/office/drawing/2014/main" id="{15813401-7EC8-4411-8B25-6C9D00AA43D2}"/>
+              </a:ext>
+            </a:extLst>
+          </p:cNvPr>
+          <p:cNvSpPr/>
+          <p:nvPr/>
+        </p:nvSpPr>
+        <p:spPr>
+          <a:xfrm rot="5400000">
+            <a:off x="5215264" y="4228276"/>
+            <a:ext cx="972000" cy="159488"/>
+          </a:xfrm>
+          <a:prstGeom prst="roundRect">
+            <a:avLst/>
+          </a:prstGeom>
+          <a:gradFill>
+            <a:gsLst>
+              <a:gs pos="0">
+                <a:srgbClr val="5988FD"/>
+              </a:gs>
+              <a:gs pos="100000">
+                <a:srgbClr val="27B357"/>
+              </a:gs>
+            </a:gsLst>
+            <a:lin ang="0" scaled="0"/>
+          </a:gradFill>
+          <a:ln>
+            <a:noFill/>
+          </a:ln>
+        </p:spPr>
+        <p:style>
+          <a:lnRef idx="2">
+            <a:schemeClr val="accent1">
+              <a:shade val="50000"/>
+            </a:schemeClr>
+          </a:lnRef>
+          <a:fillRef idx="1">
+            <a:schemeClr val="accent1"/>
+          </a:fillRef>
+          <a:effectRef idx="0">
+            <a:schemeClr val="accent1"/>
+          </a:effectRef>
+          <a:fontRef idx="minor">
+            <a:schemeClr val="lt1"/>
+          </a:fontRef>
+        </p:style>
+        <p:txBody>
+          <a:bodyPr lIns="72000" tIns="36000" rIns="72000" bIns="36000" rtlCol="0" anchor="ctr"/>
+          <a:lstStyle/>
+          <a:p>
+            <a:pPr algn="ctr"/>
+            <a:endParaRPr lang="en-ZA" sz="1400" noProof="0" dirty="0" err="1"/>
+          </a:p>
+        </p:txBody>
+      </p:sp>
+      <p:grpSp>
+        <p:nvGrpSpPr>
+          <p:cNvPr id="40" name="Group 39">
+            <a:extLst>
+              <a:ext uri="{FF2B5EF4-FFF2-40B4-BE49-F238E27FC236}">
+                <a16:creationId xmlns:a16="http://schemas.microsoft.com/office/drawing/2014/main" id="{DFE2AF29-190F-F714-6EE0-77A492FB99E2}"/>
+              </a:ext>
+            </a:extLst>
+          </p:cNvPr>
+          <p:cNvGrpSpPr/>
+          <p:nvPr/>
+        </p:nvGrpSpPr>
+        <p:grpSpPr>
+          <a:xfrm>
+            <a:off x="5206851" y="2961167"/>
+            <a:ext cx="988827" cy="935666"/>
+            <a:chOff x="1797345" y="4670350"/>
+            <a:chExt cx="988827" cy="935666"/>
+          </a:xfrm>
+          <a:solidFill>
+            <a:srgbClr val="5988FD"/>
+          </a:solidFill>
+        </p:grpSpPr>
+        <p:sp>
+          <p:nvSpPr>
+            <p:cNvPr id="41" name="Oval 40">
+              <a:extLst>
+                <a:ext uri="{FF2B5EF4-FFF2-40B4-BE49-F238E27FC236}">
+                  <a16:creationId xmlns:a16="http://schemas.microsoft.com/office/drawing/2014/main" id="{8A3C3E45-59C0-BA14-E572-D347873E86CD}"/>
+                </a:ext>
+              </a:extLst>
+            </p:cNvPr>
+            <p:cNvSpPr/>
+            <p:nvPr/>
+          </p:nvSpPr>
+          <p:spPr>
+            <a:xfrm>
+              <a:off x="1797345" y="4670350"/>
+              <a:ext cx="988827" cy="935666"/>
+            </a:xfrm>
+            <a:prstGeom prst="ellipse">
+              <a:avLst/>
+            </a:prstGeom>
+            <a:grpFill/>
+            <a:ln>
+              <a:noFill/>
+            </a:ln>
+          </p:spPr>
+          <p:style>
+            <a:lnRef idx="2">
+              <a:schemeClr val="accent1">
+                <a:shade val="50000"/>
+              </a:schemeClr>
+            </a:lnRef>
+            <a:fillRef idx="1">
+              <a:schemeClr val="accent1"/>
+            </a:fillRef>
+            <a:effectRef idx="0">
+              <a:schemeClr val="accent1"/>
+            </a:effectRef>
+            <a:fontRef idx="minor">
+              <a:schemeClr val="lt1"/>
+            </a:fontRef>
+          </p:style>
+          <p:txBody>
+            <a:bodyPr lIns="72000" tIns="36000" rIns="72000" bIns="36000" rtlCol="0" anchor="ctr"/>
+            <a:lstStyle/>
+            <a:p>
+              <a:pPr algn="ctr"/>
+              <a:endParaRPr lang="en-ZA" sz="1400" noProof="0" dirty="0" err="1"/>
+            </a:p>
+          </p:txBody>
+        </p:sp>
+        <p:pic>
+          <p:nvPicPr>
+            <p:cNvPr id="42" name="Picture 41" descr="A yellow rectangular objects on a black background&#10;&#10;Description automatically generated">
+              <a:extLst>
+                <a:ext uri="{FF2B5EF4-FFF2-40B4-BE49-F238E27FC236}">
+                  <a16:creationId xmlns:a16="http://schemas.microsoft.com/office/drawing/2014/main" id="{F1B5878C-BC33-FD9D-019D-AFDEB0881E2F}"/>
+                </a:ext>
+              </a:extLst>
+            </p:cNvPr>
+            <p:cNvPicPr>
+              <a:picLocks noChangeAspect="1"/>
+            </p:cNvPicPr>
+            <p:nvPr/>
+          </p:nvPicPr>
+          <p:blipFill>
+            <a:blip r:embed="rId4">
+              <a:extLst>
+                <a:ext uri="{28A0092B-C50C-407E-A947-70E740481C1C}">
+                  <a14:useLocalDpi xmlns:a14="http://schemas.microsoft.com/office/drawing/2010/main" val="0"/>
+                </a:ext>
+              </a:extLst>
+            </a:blip>
+            <a:stretch>
+              <a:fillRect/>
+            </a:stretch>
+          </p:blipFill>
+          <p:spPr>
+            <a:xfrm>
+              <a:off x="1967611" y="4801852"/>
+              <a:ext cx="587597" cy="587597"/>
+            </a:xfrm>
+            <a:prstGeom prst="rect">
+              <a:avLst/>
+            </a:prstGeom>
+            <a:grpFill/>
+          </p:spPr>
+        </p:pic>
+      </p:grpSp>
+      <p:pic>
+        <p:nvPicPr>
+          <p:cNvPr id="5" name="Picture 4" descr="A cartoon rocket with fire&#10;&#10;Description automatically generated">
+            <a:extLst>
+              <a:ext uri="{FF2B5EF4-FFF2-40B4-BE49-F238E27FC236}">
+                <a16:creationId xmlns:a16="http://schemas.microsoft.com/office/drawing/2014/main" id="{F2298607-2D35-98A4-FDE8-9DE60E5313C5}"/>
+              </a:ext>
+            </a:extLst>
+          </p:cNvPr>
+          <p:cNvPicPr>
+            <a:picLocks noChangeAspect="1"/>
+          </p:cNvPicPr>
+          <p:nvPr/>
+        </p:nvPicPr>
+        <p:blipFill>
+          <a:blip r:embed="rId5">
+            <a:extLst>
+              <a:ext uri="{28A0092B-C50C-407E-A947-70E740481C1C}">
+                <a14:useLocalDpi xmlns:a14="http://schemas.microsoft.com/office/drawing/2010/main" val="0"/>
+              </a:ext>
+            </a:extLst>
+          </a:blip>
+          <a:stretch>
+            <a:fillRect/>
+          </a:stretch>
+        </p:blipFill>
+        <p:spPr>
+          <a:xfrm rot="1296091">
+            <a:off x="6269867" y="2840737"/>
+            <a:ext cx="562452" cy="540481"/>
+          </a:xfrm>
+          <a:prstGeom prst="rect">
+            <a:avLst/>
+          </a:prstGeom>
+        </p:spPr>
+      </p:pic>
+      <p:grpSp>
+        <p:nvGrpSpPr>
+          <p:cNvPr id="31" name="Group 30">
+            <a:extLst>
+              <a:ext uri="{FF2B5EF4-FFF2-40B4-BE49-F238E27FC236}">
+                <a16:creationId xmlns:a16="http://schemas.microsoft.com/office/drawing/2014/main" id="{F1AD8FB7-2AB7-3E4A-AF0A-6403594ACDFF}"/>
+              </a:ext>
+            </a:extLst>
+          </p:cNvPr>
+          <p:cNvGrpSpPr/>
+          <p:nvPr/>
+        </p:nvGrpSpPr>
+        <p:grpSpPr>
+          <a:xfrm>
+            <a:off x="9089517" y="747608"/>
+            <a:ext cx="2932658" cy="2932658"/>
+            <a:chOff x="9089517" y="747608"/>
+            <a:chExt cx="2932658" cy="2932658"/>
+          </a:xfrm>
+        </p:grpSpPr>
+        <p:pic>
+          <p:nvPicPr>
+            <p:cNvPr id="15" name="Graphic 14" descr="Cloud with solid fill">
+              <a:extLst>
+                <a:ext uri="{FF2B5EF4-FFF2-40B4-BE49-F238E27FC236}">
+                  <a16:creationId xmlns:a16="http://schemas.microsoft.com/office/drawing/2014/main" id="{6EC473E3-0F94-1CCD-0D42-30F0A2979236}"/>
+                </a:ext>
+              </a:extLst>
+            </p:cNvPr>
+            <p:cNvPicPr>
+              <a:picLocks noChangeAspect="1"/>
+            </p:cNvPicPr>
+            <p:nvPr/>
+          </p:nvPicPr>
+          <p:blipFill>
+            <a:blip r:embed="rId6">
+              <a:extLst>
+                <a:ext uri="{96DAC541-7B7A-43D3-8B79-37D633B846F1}">
+                  <asvg:svgBlip xmlns:asvg="http://schemas.microsoft.com/office/drawing/2016/SVG/main" r:embed="rId7"/>
+                </a:ext>
+              </a:extLst>
+            </a:blip>
+            <a:stretch>
+              <a:fillRect/>
+            </a:stretch>
+          </p:blipFill>
+          <p:spPr>
+            <a:xfrm>
+              <a:off x="9089517" y="747608"/>
+              <a:ext cx="2932658" cy="2932658"/>
+            </a:xfrm>
+            <a:prstGeom prst="rect">
+              <a:avLst/>
+            </a:prstGeom>
+          </p:spPr>
+        </p:pic>
+        <p:pic>
+          <p:nvPicPr>
+            <p:cNvPr id="8" name="Picture 7" descr="A green and blue logo&#10;&#10;Description automatically generated">
+              <a:extLst>
+                <a:ext uri="{FF2B5EF4-FFF2-40B4-BE49-F238E27FC236}">
+                  <a16:creationId xmlns:a16="http://schemas.microsoft.com/office/drawing/2014/main" id="{71EA1B61-96A7-2BE6-897C-3D3F24B4A1BE}"/>
+                </a:ext>
+              </a:extLst>
+            </p:cNvPr>
+            <p:cNvPicPr>
+              <a:picLocks noChangeAspect="1"/>
+            </p:cNvPicPr>
+            <p:nvPr/>
+          </p:nvPicPr>
+          <p:blipFill>
+            <a:blip r:embed="rId8">
+              <a:extLst>
+                <a:ext uri="{28A0092B-C50C-407E-A947-70E740481C1C}">
+                  <a14:useLocalDpi xmlns:a14="http://schemas.microsoft.com/office/drawing/2010/main" val="0"/>
+                </a:ext>
+              </a:extLst>
+            </a:blip>
+            <a:stretch>
+              <a:fillRect/>
+            </a:stretch>
+          </p:blipFill>
+          <p:spPr>
+            <a:xfrm>
+              <a:off x="9665449" y="2155097"/>
+              <a:ext cx="687779" cy="687779"/>
+            </a:xfrm>
+            <a:prstGeom prst="rect">
+              <a:avLst/>
+            </a:prstGeom>
+          </p:spPr>
+        </p:pic>
+        <p:pic>
+          <p:nvPicPr>
+            <p:cNvPr id="27" name="Picture 26" descr="A black background with a black square&#10;&#10;Description automatically generated with medium confidence">
+              <a:extLst>
+                <a:ext uri="{FF2B5EF4-FFF2-40B4-BE49-F238E27FC236}">
+                  <a16:creationId xmlns:a16="http://schemas.microsoft.com/office/drawing/2014/main" id="{E4E62F83-AE7F-CE4C-CB8B-D321B2FA8F33}"/>
+                </a:ext>
+              </a:extLst>
+            </p:cNvPr>
+            <p:cNvPicPr>
+              <a:picLocks noChangeAspect="1"/>
+            </p:cNvPicPr>
+            <p:nvPr/>
+          </p:nvPicPr>
+          <p:blipFill>
+            <a:blip r:embed="rId9">
+              <a:extLst>
+                <a:ext uri="{28A0092B-C50C-407E-A947-70E740481C1C}">
+                  <a14:useLocalDpi xmlns:a14="http://schemas.microsoft.com/office/drawing/2010/main" val="0"/>
+                </a:ext>
+              </a:extLst>
+            </a:blip>
+            <a:stretch>
+              <a:fillRect/>
+            </a:stretch>
+          </p:blipFill>
+          <p:spPr>
+            <a:xfrm>
+              <a:off x="10495681" y="2086854"/>
+              <a:ext cx="824264" cy="824264"/>
+            </a:xfrm>
+            <a:prstGeom prst="rect">
+              <a:avLst/>
+            </a:prstGeom>
+          </p:spPr>
+        </p:pic>
+      </p:grpSp>
+      <p:sp>
+        <p:nvSpPr>
+          <p:cNvPr id="32" name="TextBox 31">
+            <a:extLst>
+              <a:ext uri="{FF2B5EF4-FFF2-40B4-BE49-F238E27FC236}">
+                <a16:creationId xmlns:a16="http://schemas.microsoft.com/office/drawing/2014/main" id="{18AF62EA-E388-CB63-CD5F-63568F413829}"/>
+              </a:ext>
+            </a:extLst>
+          </p:cNvPr>
+          <p:cNvSpPr txBox="1"/>
+          <p:nvPr/>
+        </p:nvSpPr>
+        <p:spPr>
+          <a:xfrm>
+            <a:off x="9636849" y="3047957"/>
+            <a:ext cx="2140262" cy="430887"/>
+          </a:xfrm>
+          <a:prstGeom prst="rect">
+            <a:avLst/>
+          </a:prstGeom>
+          <a:noFill/>
+        </p:spPr>
+        <p:txBody>
+          <a:bodyPr wrap="square" lIns="0" tIns="0" rIns="0" bIns="0" rtlCol="0">
+            <a:spAutoFit/>
+          </a:bodyPr>
+          <a:lstStyle/>
+          <a:p>
+            <a:pPr algn="l">
+              <a:spcAft>
+                <a:spcPts val="600"/>
+              </a:spcAft>
+            </a:pPr>
+            <a:r>
+              <a:rPr lang="en-US" sz="2800" b="1" dirty="0">
+                <a:solidFill>
+                  <a:schemeClr val="bg1"/>
+                </a:solidFill>
+              </a:rPr>
+              <a:t>Workspace</a:t>
+            </a:r>
+            <a:endParaRPr lang="en-ZA" sz="2800" b="1" dirty="0" err="1">
+              <a:solidFill>
+                <a:schemeClr val="bg1"/>
+              </a:solidFill>
+            </a:endParaRPr>
+          </a:p>
+        </p:txBody>
+      </p:sp>
+      <p:sp>
+        <p:nvSpPr>
+          <p:cNvPr id="33" name="TextBox 32">
+            <a:extLst>
+              <a:ext uri="{FF2B5EF4-FFF2-40B4-BE49-F238E27FC236}">
+                <a16:creationId xmlns:a16="http://schemas.microsoft.com/office/drawing/2014/main" id="{5D86153E-2E77-CFEC-3303-BA25AEC74EEB}"/>
+              </a:ext>
+            </a:extLst>
+          </p:cNvPr>
+          <p:cNvSpPr txBox="1"/>
+          <p:nvPr/>
+        </p:nvSpPr>
+        <p:spPr>
+          <a:xfrm>
+            <a:off x="1367162" y="1360176"/>
+            <a:ext cx="2140261" cy="430887"/>
+          </a:xfrm>
+          <a:prstGeom prst="rect">
+            <a:avLst/>
+          </a:prstGeom>
+          <a:noFill/>
+        </p:spPr>
+        <p:txBody>
+          <a:bodyPr wrap="square" lIns="0" tIns="0" rIns="0" bIns="0" rtlCol="0">
+            <a:spAutoFit/>
+          </a:bodyPr>
+          <a:lstStyle/>
+          <a:p>
+            <a:pPr algn="l">
+              <a:spcAft>
+                <a:spcPts val="600"/>
+              </a:spcAft>
+            </a:pPr>
+            <a:r>
+              <a:rPr lang="en-US" sz="2800" b="1" dirty="0">
+                <a:solidFill>
+                  <a:schemeClr val="bg1"/>
+                </a:solidFill>
+              </a:rPr>
+              <a:t>Repository</a:t>
+            </a:r>
+            <a:endParaRPr lang="en-ZA" sz="2800" b="1" dirty="0" err="1">
+              <a:solidFill>
+                <a:schemeClr val="bg1"/>
+              </a:solidFill>
+            </a:endParaRPr>
+          </a:p>
+        </p:txBody>
+      </p:sp>
+      <p:sp>
+        <p:nvSpPr>
+          <p:cNvPr id="43" name="Rectangle: Rounded Corners 42">
+            <a:extLst>
+              <a:ext uri="{FF2B5EF4-FFF2-40B4-BE49-F238E27FC236}">
+                <a16:creationId xmlns:a16="http://schemas.microsoft.com/office/drawing/2014/main" id="{A41873C5-3909-BEE5-99CD-C79716C39F4D}"/>
+              </a:ext>
+            </a:extLst>
+          </p:cNvPr>
+          <p:cNvSpPr/>
+          <p:nvPr/>
+        </p:nvSpPr>
+        <p:spPr>
+          <a:xfrm>
+            <a:off x="9665449" y="2086854"/>
+            <a:ext cx="1654496" cy="824264"/>
+          </a:xfrm>
+          <a:prstGeom prst="roundRect">
+            <a:avLst/>
+          </a:prstGeom>
+          <a:solidFill>
+            <a:schemeClr val="bg1">
+              <a:lumMod val="95000"/>
+            </a:schemeClr>
+          </a:solidFill>
+          <a:ln>
+            <a:noFill/>
+          </a:ln>
+        </p:spPr>
+        <p:style>
+          <a:lnRef idx="2">
+            <a:schemeClr val="accent1">
+              <a:shade val="50000"/>
+            </a:schemeClr>
+          </a:lnRef>
+          <a:fillRef idx="1">
+            <a:schemeClr val="accent1"/>
+          </a:fillRef>
+          <a:effectRef idx="0">
+            <a:schemeClr val="accent1"/>
+          </a:effectRef>
+          <a:fontRef idx="minor">
+            <a:schemeClr val="lt1"/>
+          </a:fontRef>
+        </p:style>
+        <p:txBody>
+          <a:bodyPr lIns="72000" tIns="36000" rIns="72000" bIns="36000" rtlCol="0" anchor="ctr"/>
+          <a:lstStyle/>
+          <a:p>
+            <a:pPr algn="ctr"/>
+            <a:endParaRPr lang="en-ZA" sz="1400" noProof="0" dirty="0" err="1"/>
+          </a:p>
+        </p:txBody>
+      </p:sp>
+      <p:pic>
+        <p:nvPicPr>
+          <p:cNvPr id="38" name="Picture 37" descr="A yellow rectangular objects on a black background&#10;&#10;Description automatically generated">
+            <a:extLst>
+              <a:ext uri="{FF2B5EF4-FFF2-40B4-BE49-F238E27FC236}">
+                <a16:creationId xmlns:a16="http://schemas.microsoft.com/office/drawing/2014/main" id="{05B42CC0-CBAB-F695-F77D-EFDAE8B3BC07}"/>
+              </a:ext>
+            </a:extLst>
+          </p:cNvPr>
+          <p:cNvPicPr>
+            <a:picLocks noChangeAspect="1"/>
+          </p:cNvPicPr>
+          <p:nvPr/>
+        </p:nvPicPr>
+        <p:blipFill>
+          <a:blip r:embed="rId4">
+            <a:extLst>
+              <a:ext uri="{28A0092B-C50C-407E-A947-70E740481C1C}">
+                <a14:useLocalDpi xmlns:a14="http://schemas.microsoft.com/office/drawing/2010/main" val="0"/>
+              </a:ext>
+            </a:extLst>
+          </a:blip>
+          <a:stretch>
+            <a:fillRect/>
+          </a:stretch>
+        </p:blipFill>
+        <p:spPr>
+          <a:xfrm>
+            <a:off x="6244805" y="2371160"/>
+            <a:ext cx="446281" cy="446281"/>
+          </a:xfrm>
+          <a:prstGeom prst="rect">
+            <a:avLst/>
+          </a:prstGeom>
+        </p:spPr>
+      </p:pic>
+      <p:pic>
+        <p:nvPicPr>
+          <p:cNvPr id="45" name="Picture 44" descr="A yellow rectangular objects on a black background&#10;&#10;Description automatically generated">
+            <a:extLst>
+              <a:ext uri="{FF2B5EF4-FFF2-40B4-BE49-F238E27FC236}">
+                <a16:creationId xmlns:a16="http://schemas.microsoft.com/office/drawing/2014/main" id="{1047615B-8592-AE76-6F06-DE7BCE6ED214}"/>
+              </a:ext>
+            </a:extLst>
+          </p:cNvPr>
+          <p:cNvPicPr>
+            <a:picLocks noChangeAspect="1"/>
+          </p:cNvPicPr>
+          <p:nvPr/>
+        </p:nvPicPr>
+        <p:blipFill>
+          <a:blip r:embed="rId4">
+            <a:extLst>
+              <a:ext uri="{28A0092B-C50C-407E-A947-70E740481C1C}">
+                <a14:useLocalDpi xmlns:a14="http://schemas.microsoft.com/office/drawing/2010/main" val="0"/>
+              </a:ext>
+            </a:extLst>
+          </a:blip>
+          <a:stretch>
+            <a:fillRect/>
+          </a:stretch>
+        </p:blipFill>
+        <p:spPr>
+          <a:xfrm>
+            <a:off x="9940956" y="1925277"/>
+            <a:ext cx="878485" cy="878485"/>
+          </a:xfrm>
+          <a:prstGeom prst="rect">
+            <a:avLst/>
+          </a:prstGeom>
+        </p:spPr>
+      </p:pic>
+      <p:pic>
+        <p:nvPicPr>
+          <p:cNvPr id="47" name="Graphic 46" descr="Badge Tick1 with solid fill">
+            <a:extLst>
+              <a:ext uri="{FF2B5EF4-FFF2-40B4-BE49-F238E27FC236}">
+                <a16:creationId xmlns:a16="http://schemas.microsoft.com/office/drawing/2014/main" id="{CFFA82CC-582B-15D1-284E-061F2D8AA38A}"/>
+              </a:ext>
+            </a:extLst>
+          </p:cNvPr>
+          <p:cNvPicPr>
+            <a:picLocks noChangeAspect="1"/>
+          </p:cNvPicPr>
+          <p:nvPr/>
+        </p:nvPicPr>
+        <p:blipFill>
+          <a:blip r:embed="rId10">
+            <a:extLst>
+              <a:ext uri="{96DAC541-7B7A-43D3-8B79-37D633B846F1}">
+                <asvg:svgBlip xmlns:asvg="http://schemas.microsoft.com/office/drawing/2016/SVG/main" r:embed="rId11"/>
+              </a:ext>
+            </a:extLst>
+          </a:blip>
+          <a:stretch>
+            <a:fillRect/>
+          </a:stretch>
+        </p:blipFill>
+        <p:spPr>
+          <a:xfrm>
+            <a:off x="10733625" y="2159669"/>
+            <a:ext cx="672136" cy="672136"/>
+          </a:xfrm>
+          <a:prstGeom prst="rect">
+            <a:avLst/>
+          </a:prstGeom>
+        </p:spPr>
+      </p:pic>
+      <p:sp>
+        <p:nvSpPr>
+          <p:cNvPr id="48" name="Rectangle: Rounded Corners 47">
+            <a:extLst>
+              <a:ext uri="{FF2B5EF4-FFF2-40B4-BE49-F238E27FC236}">
+                <a16:creationId xmlns:a16="http://schemas.microsoft.com/office/drawing/2014/main" id="{4EADDE71-2F07-C011-B316-35BBD81CA996}"/>
+              </a:ext>
+            </a:extLst>
+          </p:cNvPr>
+          <p:cNvSpPr/>
+          <p:nvPr/>
+        </p:nvSpPr>
+        <p:spPr>
+          <a:xfrm>
+            <a:off x="2660121" y="3345202"/>
+            <a:ext cx="2664000" cy="159488"/>
+          </a:xfrm>
+          <a:prstGeom prst="roundRect">
+            <a:avLst/>
+          </a:prstGeom>
+          <a:solidFill>
+            <a:srgbClr val="5988FD"/>
+          </a:solidFill>
+          <a:ln>
+            <a:noFill/>
+          </a:ln>
+        </p:spPr>
+        <p:style>
+          <a:lnRef idx="2">
+            <a:schemeClr val="accent1">
+              <a:shade val="50000"/>
+            </a:schemeClr>
+          </a:lnRef>
+          <a:fillRef idx="1">
+            <a:schemeClr val="accent1"/>
+          </a:fillRef>
+          <a:effectRef idx="0">
+            <a:schemeClr val="accent1"/>
+          </a:effectRef>
+          <a:fontRef idx="minor">
+            <a:schemeClr val="lt1"/>
+          </a:fontRef>
+        </p:style>
+        <p:txBody>
+          <a:bodyPr lIns="72000" tIns="36000" rIns="72000" bIns="36000" rtlCol="0" anchor="ctr"/>
+          <a:lstStyle/>
+          <a:p>
+            <a:pPr algn="ctr"/>
+            <a:endParaRPr lang="en-ZA" sz="1400" noProof="0" dirty="0" err="1"/>
+          </a:p>
+        </p:txBody>
+      </p:sp>
+      <p:pic>
+        <p:nvPicPr>
+          <p:cNvPr id="50" name="Graphic 49" descr="Programmer male with solid fill">
+            <a:extLst>
+              <a:ext uri="{FF2B5EF4-FFF2-40B4-BE49-F238E27FC236}">
+                <a16:creationId xmlns:a16="http://schemas.microsoft.com/office/drawing/2014/main" id="{E11B6F1B-6F51-113B-ADDD-61B086FAD6F7}"/>
+              </a:ext>
+            </a:extLst>
+          </p:cNvPr>
+          <p:cNvPicPr>
+            <a:picLocks noChangeAspect="1"/>
+          </p:cNvPicPr>
+          <p:nvPr/>
+        </p:nvPicPr>
+        <p:blipFill>
+          <a:blip r:embed="rId12">
+            <a:extLst>
+              <a:ext uri="{96DAC541-7B7A-43D3-8B79-37D633B846F1}">
+                <asvg:svgBlip xmlns:asvg="http://schemas.microsoft.com/office/drawing/2016/SVG/main" r:embed="rId13"/>
+              </a:ext>
+            </a:extLst>
+          </a:blip>
+          <a:stretch>
+            <a:fillRect/>
+          </a:stretch>
+        </p:blipFill>
+        <p:spPr>
+          <a:xfrm>
+            <a:off x="1887014" y="5619447"/>
+            <a:ext cx="809487" cy="809487"/>
+          </a:xfrm>
+          <a:prstGeom prst="rect">
+            <a:avLst/>
+          </a:prstGeom>
+        </p:spPr>
+      </p:pic>
+      <p:pic>
+        <p:nvPicPr>
+          <p:cNvPr id="51" name="Graphic 50" descr="Programmer male with solid fill">
+            <a:extLst>
+              <a:ext uri="{FF2B5EF4-FFF2-40B4-BE49-F238E27FC236}">
+                <a16:creationId xmlns:a16="http://schemas.microsoft.com/office/drawing/2014/main" id="{E36A23FF-1DBF-0532-CFC1-B2A9AB46F01D}"/>
+              </a:ext>
+            </a:extLst>
+          </p:cNvPr>
+          <p:cNvPicPr>
+            <a:picLocks noChangeAspect="1"/>
+          </p:cNvPicPr>
+          <p:nvPr/>
+        </p:nvPicPr>
+        <p:blipFill>
+          <a:blip r:embed="rId12">
+            <a:extLst>
+              <a:ext uri="{96DAC541-7B7A-43D3-8B79-37D633B846F1}">
+                <asvg:svgBlip xmlns:asvg="http://schemas.microsoft.com/office/drawing/2016/SVG/main" r:embed="rId13"/>
+              </a:ext>
+            </a:extLst>
+          </a:blip>
+          <a:stretch>
+            <a:fillRect/>
+          </a:stretch>
+        </p:blipFill>
+        <p:spPr>
+          <a:xfrm>
+            <a:off x="3561418" y="5614361"/>
+            <a:ext cx="809487" cy="809487"/>
+          </a:xfrm>
+          <a:prstGeom prst="rect">
+            <a:avLst/>
+          </a:prstGeom>
+        </p:spPr>
+      </p:pic>
+      <p:pic>
+        <p:nvPicPr>
+          <p:cNvPr id="53" name="Graphic 52" descr="Programmer female with solid fill">
+            <a:extLst>
+              <a:ext uri="{FF2B5EF4-FFF2-40B4-BE49-F238E27FC236}">
+                <a16:creationId xmlns:a16="http://schemas.microsoft.com/office/drawing/2014/main" id="{F88212BC-BCD2-550A-27F5-9B9C0161770A}"/>
+              </a:ext>
+            </a:extLst>
+          </p:cNvPr>
+          <p:cNvPicPr>
+            <a:picLocks noChangeAspect="1"/>
+          </p:cNvPicPr>
+          <p:nvPr/>
+        </p:nvPicPr>
+        <p:blipFill>
+          <a:blip r:embed="rId14">
+            <a:extLst>
+              <a:ext uri="{96DAC541-7B7A-43D3-8B79-37D633B846F1}">
+                <asvg:svgBlip xmlns:asvg="http://schemas.microsoft.com/office/drawing/2016/SVG/main" r:embed="rId15"/>
+              </a:ext>
+            </a:extLst>
+          </a:blip>
+          <a:stretch>
+            <a:fillRect/>
+          </a:stretch>
+        </p:blipFill>
+        <p:spPr>
+          <a:xfrm>
+            <a:off x="5278408" y="5613848"/>
+            <a:ext cx="810000" cy="810000"/>
+          </a:xfrm>
+          <a:prstGeom prst="rect">
+            <a:avLst/>
+          </a:prstGeom>
+        </p:spPr>
+      </p:pic>
+      <p:sp>
+        <p:nvSpPr>
+          <p:cNvPr id="4" name="Arrow: Up 3">
+            <a:extLst>
+              <a:ext uri="{FF2B5EF4-FFF2-40B4-BE49-F238E27FC236}">
+                <a16:creationId xmlns:a16="http://schemas.microsoft.com/office/drawing/2014/main" id="{24B7B173-22F7-52D3-3137-9EF63A062255}"/>
+              </a:ext>
+            </a:extLst>
+          </p:cNvPr>
+          <p:cNvSpPr/>
+          <p:nvPr/>
+        </p:nvSpPr>
+        <p:spPr>
+          <a:xfrm>
+            <a:off x="1821109" y="5634255"/>
+            <a:ext cx="202593" cy="465298"/>
+          </a:xfrm>
+          <a:prstGeom prst="upArrow">
+            <a:avLst/>
+          </a:prstGeom>
+          <a:solidFill>
+            <a:schemeClr val="bg1"/>
+          </a:solidFill>
+          <a:ln>
+            <a:noFill/>
+          </a:ln>
+        </p:spPr>
+        <p:style>
+          <a:lnRef idx="2">
+            <a:schemeClr val="accent1">
+              <a:shade val="50000"/>
+            </a:schemeClr>
+          </a:lnRef>
+          <a:fillRef idx="1">
+            <a:schemeClr val="accent1"/>
+          </a:fillRef>
+          <a:effectRef idx="0">
+            <a:schemeClr val="accent1"/>
+          </a:effectRef>
+          <a:fontRef idx="minor">
+            <a:schemeClr val="lt1"/>
+          </a:fontRef>
+        </p:style>
+        <p:txBody>
+          <a:bodyPr lIns="72000" tIns="36000" rIns="72000" bIns="36000" rtlCol="0" anchor="ctr"/>
+          <a:lstStyle/>
+          <a:p>
+            <a:pPr algn="ctr"/>
+            <a:endParaRPr lang="en-ZA" sz="1400" noProof="0" dirty="0" err="1"/>
+          </a:p>
+        </p:txBody>
+      </p:sp>
+      <p:sp>
+        <p:nvSpPr>
+          <p:cNvPr id="6" name="Arrow: Down 5">
+            <a:extLst>
+              <a:ext uri="{FF2B5EF4-FFF2-40B4-BE49-F238E27FC236}">
+                <a16:creationId xmlns:a16="http://schemas.microsoft.com/office/drawing/2014/main" id="{3C6271CC-E397-A493-E2A3-F740B6510630}"/>
+              </a:ext>
+            </a:extLst>
+          </p:cNvPr>
+          <p:cNvSpPr/>
+          <p:nvPr/>
+        </p:nvSpPr>
+        <p:spPr>
+          <a:xfrm rot="18371690">
+            <a:off x="3122606" y="5205519"/>
+            <a:ext cx="192051" cy="1058785"/>
+          </a:xfrm>
+          <a:prstGeom prst="downArrow">
+            <a:avLst/>
+          </a:prstGeom>
+          <a:ln>
+            <a:solidFill>
+              <a:schemeClr val="accent1"/>
+            </a:solidFill>
+          </a:ln>
+        </p:spPr>
+        <p:style>
+          <a:lnRef idx="2">
+            <a:schemeClr val="accent1">
+              <a:shade val="50000"/>
+            </a:schemeClr>
+          </a:lnRef>
+          <a:fillRef idx="1">
+            <a:schemeClr val="accent1"/>
+          </a:fillRef>
+          <a:effectRef idx="0">
+            <a:schemeClr val="accent1"/>
+          </a:effectRef>
+          <a:fontRef idx="minor">
+            <a:schemeClr val="lt1"/>
+          </a:fontRef>
+        </p:style>
+        <p:txBody>
+          <a:bodyPr lIns="72000" tIns="36000" rIns="72000" bIns="36000" rtlCol="0" anchor="ctr"/>
+          <a:lstStyle/>
+          <a:p>
+            <a:pPr algn="ctr"/>
+            <a:endParaRPr lang="en-ZA" sz="1400" noProof="0" dirty="0" err="1"/>
+          </a:p>
+        </p:txBody>
+      </p:sp>
+      <p:sp>
+        <p:nvSpPr>
+          <p:cNvPr id="9" name="Arrow: Up 8">
+            <a:extLst>
+              <a:ext uri="{FF2B5EF4-FFF2-40B4-BE49-F238E27FC236}">
+                <a16:creationId xmlns:a16="http://schemas.microsoft.com/office/drawing/2014/main" id="{768D7242-A4C2-FB1A-396F-6EEF2B941EF7}"/>
+              </a:ext>
+            </a:extLst>
+          </p:cNvPr>
+          <p:cNvSpPr/>
+          <p:nvPr/>
+        </p:nvSpPr>
+        <p:spPr>
+          <a:xfrm>
+            <a:off x="3535190" y="5628706"/>
+            <a:ext cx="202593" cy="465298"/>
+          </a:xfrm>
+          <a:prstGeom prst="upArrow">
+            <a:avLst/>
+          </a:prstGeom>
+          <a:solidFill>
+            <a:schemeClr val="bg1"/>
+          </a:solidFill>
+          <a:ln>
+            <a:noFill/>
+          </a:ln>
+        </p:spPr>
+        <p:style>
+          <a:lnRef idx="2">
+            <a:schemeClr val="accent1">
+              <a:shade val="50000"/>
+            </a:schemeClr>
+          </a:lnRef>
+          <a:fillRef idx="1">
+            <a:schemeClr val="accent1"/>
+          </a:fillRef>
+          <a:effectRef idx="0">
+            <a:schemeClr val="accent1"/>
+          </a:effectRef>
+          <a:fontRef idx="minor">
+            <a:schemeClr val="lt1"/>
+          </a:fontRef>
+        </p:style>
+        <p:txBody>
+          <a:bodyPr lIns="72000" tIns="36000" rIns="72000" bIns="36000" rtlCol="0" anchor="ctr"/>
+          <a:lstStyle/>
+          <a:p>
+            <a:pPr algn="ctr"/>
+            <a:endParaRPr lang="en-ZA" sz="1400" noProof="0" dirty="0" err="1"/>
+          </a:p>
+        </p:txBody>
+      </p:sp>
+      <p:sp>
+        <p:nvSpPr>
+          <p:cNvPr id="10" name="Arrow: Down 9">
+            <a:extLst>
+              <a:ext uri="{FF2B5EF4-FFF2-40B4-BE49-F238E27FC236}">
+                <a16:creationId xmlns:a16="http://schemas.microsoft.com/office/drawing/2014/main" id="{3AC41579-2EA7-46D1-CCBF-4EEF8F8A6EE0}"/>
+              </a:ext>
+            </a:extLst>
+          </p:cNvPr>
+          <p:cNvSpPr/>
+          <p:nvPr/>
+        </p:nvSpPr>
+        <p:spPr>
+          <a:xfrm rot="18442211">
+            <a:off x="4741258" y="5224697"/>
+            <a:ext cx="192051" cy="1058785"/>
+          </a:xfrm>
+          <a:prstGeom prst="downArrow">
+            <a:avLst/>
+          </a:prstGeom>
+          <a:ln>
+            <a:solidFill>
+              <a:schemeClr val="accent1"/>
+            </a:solidFill>
+          </a:ln>
+        </p:spPr>
+        <p:style>
+          <a:lnRef idx="2">
+            <a:schemeClr val="accent1">
+              <a:shade val="50000"/>
+            </a:schemeClr>
+          </a:lnRef>
+          <a:fillRef idx="1">
+            <a:schemeClr val="accent1"/>
+          </a:fillRef>
+          <a:effectRef idx="0">
+            <a:schemeClr val="accent1"/>
+          </a:effectRef>
+          <a:fontRef idx="minor">
+            <a:schemeClr val="lt1"/>
+          </a:fontRef>
+        </p:style>
+        <p:txBody>
+          <a:bodyPr lIns="72000" tIns="36000" rIns="72000" bIns="36000" rtlCol="0" anchor="ctr"/>
+          <a:lstStyle/>
+          <a:p>
+            <a:pPr algn="ctr"/>
+            <a:endParaRPr lang="en-ZA" sz="1400" noProof="0" dirty="0" err="1"/>
+          </a:p>
+        </p:txBody>
+      </p:sp>
+      <p:sp>
+        <p:nvSpPr>
+          <p:cNvPr id="12" name="Arrow: Up 11">
+            <a:extLst>
+              <a:ext uri="{FF2B5EF4-FFF2-40B4-BE49-F238E27FC236}">
+                <a16:creationId xmlns:a16="http://schemas.microsoft.com/office/drawing/2014/main" id="{CFABC39F-CF3C-8F68-1D79-C482A3BA7846}"/>
+              </a:ext>
+            </a:extLst>
+          </p:cNvPr>
+          <p:cNvSpPr/>
+          <p:nvPr/>
+        </p:nvSpPr>
+        <p:spPr>
+          <a:xfrm>
+            <a:off x="5175645" y="5635851"/>
+            <a:ext cx="202593" cy="465298"/>
+          </a:xfrm>
+          <a:prstGeom prst="upArrow">
+            <a:avLst/>
+          </a:prstGeom>
+          <a:solidFill>
+            <a:schemeClr val="bg1"/>
+          </a:solidFill>
+          <a:ln>
+            <a:noFill/>
+          </a:ln>
+        </p:spPr>
+        <p:style>
+          <a:lnRef idx="2">
+            <a:schemeClr val="accent1">
+              <a:shade val="50000"/>
+            </a:schemeClr>
+          </a:lnRef>
+          <a:fillRef idx="1">
+            <a:schemeClr val="accent1"/>
+          </a:fillRef>
+          <a:effectRef idx="0">
+            <a:schemeClr val="accent1"/>
+          </a:effectRef>
+          <a:fontRef idx="minor">
+            <a:schemeClr val="lt1"/>
+          </a:fontRef>
+        </p:style>
+        <p:txBody>
+          <a:bodyPr lIns="72000" tIns="36000" rIns="72000" bIns="36000" rtlCol="0" anchor="ctr"/>
+          <a:lstStyle/>
+          <a:p>
+            <a:pPr algn="ctr"/>
+            <a:endParaRPr lang="en-ZA" sz="1400" noProof="0" dirty="0" err="1"/>
+          </a:p>
+        </p:txBody>
+      </p:sp>
+      <p:grpSp>
+        <p:nvGrpSpPr>
+          <p:cNvPr id="19" name="Group 18">
+            <a:extLst>
+              <a:ext uri="{FF2B5EF4-FFF2-40B4-BE49-F238E27FC236}">
+                <a16:creationId xmlns:a16="http://schemas.microsoft.com/office/drawing/2014/main" id="{D5C961A8-D454-6CF0-1834-E190F45E5ED2}"/>
+              </a:ext>
+            </a:extLst>
+          </p:cNvPr>
+          <p:cNvGrpSpPr/>
+          <p:nvPr/>
+        </p:nvGrpSpPr>
+        <p:grpSpPr>
+          <a:xfrm>
+            <a:off x="6912057" y="3992365"/>
+            <a:ext cx="810000" cy="2552546"/>
+            <a:chOff x="6912057" y="3992365"/>
+            <a:chExt cx="810000" cy="2552546"/>
+          </a:xfrm>
+        </p:grpSpPr>
+        <p:pic>
+          <p:nvPicPr>
+            <p:cNvPr id="13" name="Graphic 12" descr="Programmer male with solid fill">
+              <a:extLst>
+                <a:ext uri="{FF2B5EF4-FFF2-40B4-BE49-F238E27FC236}">
+                  <a16:creationId xmlns:a16="http://schemas.microsoft.com/office/drawing/2014/main" id="{11AF24B2-60B2-8032-38AE-37E8EFE26CC8}"/>
+                </a:ext>
+              </a:extLst>
+            </p:cNvPr>
+            <p:cNvPicPr>
+              <a:picLocks noChangeAspect="1"/>
+            </p:cNvPicPr>
+            <p:nvPr/>
+          </p:nvPicPr>
+          <p:blipFill>
+            <a:blip r:embed="rId12">
+              <a:extLst>
+                <a:ext uri="{96DAC541-7B7A-43D3-8B79-37D633B846F1}">
+                  <asvg:svgBlip xmlns:asvg="http://schemas.microsoft.com/office/drawing/2016/SVG/main" r:embed="rId13"/>
+                </a:ext>
+              </a:extLst>
+            </a:blip>
+            <a:stretch>
+              <a:fillRect/>
+            </a:stretch>
+          </p:blipFill>
+          <p:spPr>
+            <a:xfrm>
+              <a:off x="6912057" y="3992365"/>
+              <a:ext cx="809487" cy="809487"/>
+            </a:xfrm>
+            <a:prstGeom prst="rect">
+              <a:avLst/>
+            </a:prstGeom>
+          </p:spPr>
+        </p:pic>
+        <p:pic>
+          <p:nvPicPr>
+            <p:cNvPr id="16" name="Graphic 15" descr="Programmer male with solid fill">
+              <a:extLst>
+                <a:ext uri="{FF2B5EF4-FFF2-40B4-BE49-F238E27FC236}">
+                  <a16:creationId xmlns:a16="http://schemas.microsoft.com/office/drawing/2014/main" id="{93F9AA07-C097-05ED-FFEA-95A22C6E5B8E}"/>
+                </a:ext>
+              </a:extLst>
+            </p:cNvPr>
+            <p:cNvPicPr>
+              <a:picLocks noChangeAspect="1"/>
+            </p:cNvPicPr>
+            <p:nvPr/>
+          </p:nvPicPr>
+          <p:blipFill>
+            <a:blip r:embed="rId12">
+              <a:extLst>
+                <a:ext uri="{96DAC541-7B7A-43D3-8B79-37D633B846F1}">
+                  <asvg:svgBlip xmlns:asvg="http://schemas.microsoft.com/office/drawing/2016/SVG/main" r:embed="rId13"/>
+                </a:ext>
+              </a:extLst>
+            </a:blip>
+            <a:stretch>
+              <a:fillRect/>
+            </a:stretch>
+          </p:blipFill>
+          <p:spPr>
+            <a:xfrm>
+              <a:off x="6912057" y="4887224"/>
+              <a:ext cx="809487" cy="809487"/>
+            </a:xfrm>
+            <a:prstGeom prst="rect">
+              <a:avLst/>
+            </a:prstGeom>
+          </p:spPr>
+        </p:pic>
+        <p:pic>
+          <p:nvPicPr>
+            <p:cNvPr id="18" name="Graphic 17" descr="Programmer female with solid fill">
+              <a:extLst>
+                <a:ext uri="{FF2B5EF4-FFF2-40B4-BE49-F238E27FC236}">
+                  <a16:creationId xmlns:a16="http://schemas.microsoft.com/office/drawing/2014/main" id="{EE91E1E2-2970-6344-C033-31B4386DADCA}"/>
+                </a:ext>
+              </a:extLst>
+            </p:cNvPr>
+            <p:cNvPicPr>
+              <a:picLocks noChangeAspect="1"/>
+            </p:cNvPicPr>
+            <p:nvPr/>
+          </p:nvPicPr>
+          <p:blipFill>
+            <a:blip r:embed="rId14">
+              <a:extLst>
+                <a:ext uri="{96DAC541-7B7A-43D3-8B79-37D633B846F1}">
+                  <asvg:svgBlip xmlns:asvg="http://schemas.microsoft.com/office/drawing/2016/SVG/main" r:embed="rId15"/>
+                </a:ext>
+              </a:extLst>
+            </a:blip>
+            <a:stretch>
+              <a:fillRect/>
+            </a:stretch>
+          </p:blipFill>
+          <p:spPr>
+            <a:xfrm>
+              <a:off x="6912057" y="5734911"/>
+              <a:ext cx="810000" cy="810000"/>
+            </a:xfrm>
+            <a:prstGeom prst="rect">
+              <a:avLst/>
+            </a:prstGeom>
+          </p:spPr>
+        </p:pic>
+      </p:grpSp>
+      <p:sp>
+        <p:nvSpPr>
+          <p:cNvPr id="35" name="Speech Bubble: Rectangle with Corners Rounded 34">
+            <a:extLst>
+              <a:ext uri="{FF2B5EF4-FFF2-40B4-BE49-F238E27FC236}">
+                <a16:creationId xmlns:a16="http://schemas.microsoft.com/office/drawing/2014/main" id="{1ADD5065-CEEF-D236-DD54-B5CCE05CD916}"/>
+              </a:ext>
+            </a:extLst>
+          </p:cNvPr>
+          <p:cNvSpPr/>
+          <p:nvPr/>
+        </p:nvSpPr>
+        <p:spPr>
+          <a:xfrm>
+            <a:off x="7934324" y="4225586"/>
+            <a:ext cx="2143125" cy="992341"/>
+          </a:xfrm>
+          <a:prstGeom prst="wedgeRoundRectCallout">
+            <a:avLst>
+              <a:gd name="adj1" fmla="val -53722"/>
+              <a:gd name="adj2" fmla="val 74978"/>
+              <a:gd name="adj3" fmla="val 16667"/>
+            </a:avLst>
+          </a:prstGeom>
+          <a:solidFill>
+            <a:schemeClr val="tx1">
+              <a:lumMod val="85000"/>
+              <a:lumOff val="15000"/>
+            </a:schemeClr>
+          </a:solidFill>
+          <a:ln>
+            <a:solidFill>
+              <a:schemeClr val="accent1"/>
+            </a:solidFill>
+          </a:ln>
+        </p:spPr>
+        <p:style>
+          <a:lnRef idx="2">
+            <a:schemeClr val="accent1">
+              <a:shade val="50000"/>
+            </a:schemeClr>
+          </a:lnRef>
+          <a:fillRef idx="1">
+            <a:schemeClr val="accent1"/>
+          </a:fillRef>
+          <a:effectRef idx="0">
+            <a:schemeClr val="accent1"/>
+          </a:effectRef>
+          <a:fontRef idx="minor">
+            <a:schemeClr val="lt1"/>
+          </a:fontRef>
+        </p:style>
+        <p:txBody>
+          <a:bodyPr lIns="72000" tIns="36000" rIns="72000" bIns="36000" rtlCol="0" anchor="ctr"/>
+          <a:lstStyle/>
+          <a:p>
+            <a:pPr algn="ctr"/>
+            <a:r>
+              <a:rPr lang="en-US" sz="2000" b="1" dirty="0"/>
+              <a:t>Looks Good Let's Deploy!</a:t>
+            </a:r>
+            <a:endParaRPr lang="en-ZA" sz="2000" b="1" noProof="0" dirty="0" err="1"/>
+          </a:p>
+        </p:txBody>
+      </p:sp>
+      <p:sp>
+        <p:nvSpPr>
+          <p:cNvPr id="36" name="Arrow: Up 35">
+            <a:extLst>
+              <a:ext uri="{FF2B5EF4-FFF2-40B4-BE49-F238E27FC236}">
+                <a16:creationId xmlns:a16="http://schemas.microsoft.com/office/drawing/2014/main" id="{6D814807-F4DC-AEB7-EEE9-DF24F56B031C}"/>
+              </a:ext>
+            </a:extLst>
+          </p:cNvPr>
+          <p:cNvSpPr/>
+          <p:nvPr/>
+        </p:nvSpPr>
+        <p:spPr>
+          <a:xfrm>
+            <a:off x="6371996" y="4532022"/>
+            <a:ext cx="424579" cy="1127256"/>
+          </a:xfrm>
+          <a:prstGeom prst="upArrow">
+            <a:avLst/>
+          </a:prstGeom>
+          <a:solidFill>
+            <a:schemeClr val="bg1"/>
+          </a:solidFill>
+          <a:ln>
+            <a:noFill/>
+          </a:ln>
+        </p:spPr>
+        <p:style>
+          <a:lnRef idx="2">
+            <a:schemeClr val="accent1">
+              <a:shade val="50000"/>
+            </a:schemeClr>
+          </a:lnRef>
+          <a:fillRef idx="1">
+            <a:schemeClr val="accent1"/>
+          </a:fillRef>
+          <a:effectRef idx="0">
+            <a:schemeClr val="accent1"/>
+          </a:effectRef>
+          <a:fontRef idx="minor">
+            <a:schemeClr val="lt1"/>
+          </a:fontRef>
+        </p:style>
+        <p:txBody>
+          <a:bodyPr lIns="72000" tIns="36000" rIns="72000" bIns="36000" rtlCol="0" anchor="ctr"/>
+          <a:lstStyle/>
+          <a:p>
+            <a:pPr algn="ctr"/>
+            <a:endParaRPr lang="en-ZA" sz="1400" noProof="0" dirty="0" err="1"/>
           </a:p>
         </p:txBody>
       </p:sp>
@@ -11044,6 +12927,2187 @@
   <p:clrMapOvr>
     <a:masterClrMapping/>
   </p:clrMapOvr>
+  <p:timing>
+    <p:tnLst>
+      <p:par>
+        <p:cTn id="1" dur="indefinite" restart="never" nodeType="tmRoot">
+          <p:childTnLst>
+            <p:seq concurrent="1" nextAc="seek">
+              <p:cTn id="2" dur="indefinite" nodeType="mainSeq">
+                <p:childTnLst>
+                  <p:par>
+                    <p:cTn id="3" fill="hold">
+                      <p:stCondLst>
+                        <p:cond delay="indefinite"/>
+                      </p:stCondLst>
+                      <p:childTnLst>
+                        <p:par>
+                          <p:cTn id="4" fill="hold">
+                            <p:stCondLst>
+                              <p:cond delay="0"/>
+                            </p:stCondLst>
+                            <p:childTnLst>
+                              <p:par>
+                                <p:cTn id="5" presetID="10" presetClass="entr" presetSubtype="0" fill="hold" grpId="0" nodeType="clickEffect">
+                                  <p:stCondLst>
+                                    <p:cond delay="0"/>
+                                  </p:stCondLst>
+                                  <p:childTnLst>
+                                    <p:set>
+                                      <p:cBhvr>
+                                        <p:cTn id="6" dur="1" fill="hold">
+                                          <p:stCondLst>
+                                            <p:cond delay="0"/>
+                                          </p:stCondLst>
+                                        </p:cTn>
+                                        <p:tgtEl>
+                                          <p:spTgt spid="3"/>
+                                        </p:tgtEl>
+                                        <p:attrNameLst>
+                                          <p:attrName>style.visibility</p:attrName>
+                                        </p:attrNameLst>
+                                      </p:cBhvr>
+                                      <p:to>
+                                        <p:strVal val="visible"/>
+                                      </p:to>
+                                    </p:set>
+                                    <p:animEffect transition="in" filter="fade">
+                                      <p:cBhvr>
+                                        <p:cTn id="7" dur="500"/>
+                                        <p:tgtEl>
+                                          <p:spTgt spid="3"/>
+                                        </p:tgtEl>
+                                      </p:cBhvr>
+                                    </p:animEffect>
+                                  </p:childTnLst>
+                                </p:cTn>
+                              </p:par>
+                            </p:childTnLst>
+                          </p:cTn>
+                        </p:par>
+                        <p:par>
+                          <p:cTn id="8" fill="hold">
+                            <p:stCondLst>
+                              <p:cond delay="500"/>
+                            </p:stCondLst>
+                            <p:childTnLst>
+                              <p:par>
+                                <p:cTn id="9" presetID="53" presetClass="entr" presetSubtype="16" fill="hold" nodeType="afterEffect">
+                                  <p:stCondLst>
+                                    <p:cond delay="0"/>
+                                  </p:stCondLst>
+                                  <p:childTnLst>
+                                    <p:set>
+                                      <p:cBhvr>
+                                        <p:cTn id="10" dur="1" fill="hold">
+                                          <p:stCondLst>
+                                            <p:cond delay="0"/>
+                                          </p:stCondLst>
+                                        </p:cTn>
+                                        <p:tgtEl>
+                                          <p:spTgt spid="17"/>
+                                        </p:tgtEl>
+                                        <p:attrNameLst>
+                                          <p:attrName>style.visibility</p:attrName>
+                                        </p:attrNameLst>
+                                      </p:cBhvr>
+                                      <p:to>
+                                        <p:strVal val="visible"/>
+                                      </p:to>
+                                    </p:set>
+                                    <p:anim calcmode="lin" valueType="num">
+                                      <p:cBhvr>
+                                        <p:cTn id="11" dur="500" fill="hold"/>
+                                        <p:tgtEl>
+                                          <p:spTgt spid="17"/>
+                                        </p:tgtEl>
+                                        <p:attrNameLst>
+                                          <p:attrName>ppt_w</p:attrName>
+                                        </p:attrNameLst>
+                                      </p:cBhvr>
+                                      <p:tavLst>
+                                        <p:tav tm="0">
+                                          <p:val>
+                                            <p:fltVal val="0"/>
+                                          </p:val>
+                                        </p:tav>
+                                        <p:tav tm="100000">
+                                          <p:val>
+                                            <p:strVal val="#ppt_w"/>
+                                          </p:val>
+                                        </p:tav>
+                                      </p:tavLst>
+                                    </p:anim>
+                                    <p:anim calcmode="lin" valueType="num">
+                                      <p:cBhvr>
+                                        <p:cTn id="12" dur="500" fill="hold"/>
+                                        <p:tgtEl>
+                                          <p:spTgt spid="17"/>
+                                        </p:tgtEl>
+                                        <p:attrNameLst>
+                                          <p:attrName>ppt_h</p:attrName>
+                                        </p:attrNameLst>
+                                      </p:cBhvr>
+                                      <p:tavLst>
+                                        <p:tav tm="0">
+                                          <p:val>
+                                            <p:fltVal val="0"/>
+                                          </p:val>
+                                        </p:tav>
+                                        <p:tav tm="100000">
+                                          <p:val>
+                                            <p:strVal val="#ppt_h"/>
+                                          </p:val>
+                                        </p:tav>
+                                      </p:tavLst>
+                                    </p:anim>
+                                    <p:animEffect transition="in" filter="fade">
+                                      <p:cBhvr>
+                                        <p:cTn id="13" dur="500"/>
+                                        <p:tgtEl>
+                                          <p:spTgt spid="17"/>
+                                        </p:tgtEl>
+                                      </p:cBhvr>
+                                    </p:animEffect>
+                                  </p:childTnLst>
+                                </p:cTn>
+                              </p:par>
+                              <p:par>
+                                <p:cTn id="14" presetID="10" presetClass="entr" presetSubtype="0" fill="hold" grpId="0" nodeType="withEffect">
+                                  <p:stCondLst>
+                                    <p:cond delay="0"/>
+                                  </p:stCondLst>
+                                  <p:childTnLst>
+                                    <p:set>
+                                      <p:cBhvr>
+                                        <p:cTn id="15" dur="1" fill="hold">
+                                          <p:stCondLst>
+                                            <p:cond delay="0"/>
+                                          </p:stCondLst>
+                                        </p:cTn>
+                                        <p:tgtEl>
+                                          <p:spTgt spid="33"/>
+                                        </p:tgtEl>
+                                        <p:attrNameLst>
+                                          <p:attrName>style.visibility</p:attrName>
+                                        </p:attrNameLst>
+                                      </p:cBhvr>
+                                      <p:to>
+                                        <p:strVal val="visible"/>
+                                      </p:to>
+                                    </p:set>
+                                    <p:animEffect transition="in" filter="fade">
+                                      <p:cBhvr>
+                                        <p:cTn id="16" dur="500"/>
+                                        <p:tgtEl>
+                                          <p:spTgt spid="33"/>
+                                        </p:tgtEl>
+                                      </p:cBhvr>
+                                    </p:animEffect>
+                                  </p:childTnLst>
+                                </p:cTn>
+                              </p:par>
+                              <p:par>
+                                <p:cTn id="17" presetID="10" presetClass="entr" presetSubtype="0" fill="hold" grpId="0" nodeType="withEffect">
+                                  <p:stCondLst>
+                                    <p:cond delay="0"/>
+                                  </p:stCondLst>
+                                  <p:childTnLst>
+                                    <p:set>
+                                      <p:cBhvr>
+                                        <p:cTn id="18" dur="1" fill="hold">
+                                          <p:stCondLst>
+                                            <p:cond delay="0"/>
+                                          </p:stCondLst>
+                                        </p:cTn>
+                                        <p:tgtEl>
+                                          <p:spTgt spid="32"/>
+                                        </p:tgtEl>
+                                        <p:attrNameLst>
+                                          <p:attrName>style.visibility</p:attrName>
+                                        </p:attrNameLst>
+                                      </p:cBhvr>
+                                      <p:to>
+                                        <p:strVal val="visible"/>
+                                      </p:to>
+                                    </p:set>
+                                    <p:animEffect transition="in" filter="fade">
+                                      <p:cBhvr>
+                                        <p:cTn id="19" dur="500"/>
+                                        <p:tgtEl>
+                                          <p:spTgt spid="32"/>
+                                        </p:tgtEl>
+                                      </p:cBhvr>
+                                    </p:animEffect>
+                                  </p:childTnLst>
+                                </p:cTn>
+                              </p:par>
+                              <p:par>
+                                <p:cTn id="20" presetID="47" presetClass="entr" presetSubtype="0" fill="hold" nodeType="withEffect">
+                                  <p:stCondLst>
+                                    <p:cond delay="0"/>
+                                  </p:stCondLst>
+                                  <p:childTnLst>
+                                    <p:set>
+                                      <p:cBhvr>
+                                        <p:cTn id="21" dur="1" fill="hold">
+                                          <p:stCondLst>
+                                            <p:cond delay="0"/>
+                                          </p:stCondLst>
+                                        </p:cTn>
+                                        <p:tgtEl>
+                                          <p:spTgt spid="31"/>
+                                        </p:tgtEl>
+                                        <p:attrNameLst>
+                                          <p:attrName>style.visibility</p:attrName>
+                                        </p:attrNameLst>
+                                      </p:cBhvr>
+                                      <p:to>
+                                        <p:strVal val="visible"/>
+                                      </p:to>
+                                    </p:set>
+                                    <p:animEffect transition="in" filter="fade">
+                                      <p:cBhvr>
+                                        <p:cTn id="22" dur="1000"/>
+                                        <p:tgtEl>
+                                          <p:spTgt spid="31"/>
+                                        </p:tgtEl>
+                                      </p:cBhvr>
+                                    </p:animEffect>
+                                    <p:anim calcmode="lin" valueType="num">
+                                      <p:cBhvr>
+                                        <p:cTn id="23" dur="1000" fill="hold"/>
+                                        <p:tgtEl>
+                                          <p:spTgt spid="31"/>
+                                        </p:tgtEl>
+                                        <p:attrNameLst>
+                                          <p:attrName>ppt_x</p:attrName>
+                                        </p:attrNameLst>
+                                      </p:cBhvr>
+                                      <p:tavLst>
+                                        <p:tav tm="0">
+                                          <p:val>
+                                            <p:strVal val="#ppt_x"/>
+                                          </p:val>
+                                        </p:tav>
+                                        <p:tav tm="100000">
+                                          <p:val>
+                                            <p:strVal val="#ppt_x"/>
+                                          </p:val>
+                                        </p:tav>
+                                      </p:tavLst>
+                                    </p:anim>
+                                    <p:anim calcmode="lin" valueType="num">
+                                      <p:cBhvr>
+                                        <p:cTn id="24" dur="1000" fill="hold"/>
+                                        <p:tgtEl>
+                                          <p:spTgt spid="31"/>
+                                        </p:tgtEl>
+                                        <p:attrNameLst>
+                                          <p:attrName>ppt_y</p:attrName>
+                                        </p:attrNameLst>
+                                      </p:cBhvr>
+                                      <p:tavLst>
+                                        <p:tav tm="0">
+                                          <p:val>
+                                            <p:strVal val="#ppt_y-.1"/>
+                                          </p:val>
+                                        </p:tav>
+                                        <p:tav tm="100000">
+                                          <p:val>
+                                            <p:strVal val="#ppt_y"/>
+                                          </p:val>
+                                        </p:tav>
+                                      </p:tavLst>
+                                    </p:anim>
+                                  </p:childTnLst>
+                                </p:cTn>
+                              </p:par>
+                            </p:childTnLst>
+                          </p:cTn>
+                        </p:par>
+                        <p:par>
+                          <p:cTn id="25" fill="hold">
+                            <p:stCondLst>
+                              <p:cond delay="1500"/>
+                            </p:stCondLst>
+                            <p:childTnLst>
+                              <p:par>
+                                <p:cTn id="26" presetID="10" presetClass="entr" presetSubtype="0" fill="hold" grpId="0" nodeType="afterEffect">
+                                  <p:stCondLst>
+                                    <p:cond delay="0"/>
+                                  </p:stCondLst>
+                                  <p:childTnLst>
+                                    <p:set>
+                                      <p:cBhvr>
+                                        <p:cTn id="27" dur="1" fill="hold">
+                                          <p:stCondLst>
+                                            <p:cond delay="0"/>
+                                          </p:stCondLst>
+                                        </p:cTn>
+                                        <p:tgtEl>
+                                          <p:spTgt spid="20"/>
+                                        </p:tgtEl>
+                                        <p:attrNameLst>
+                                          <p:attrName>style.visibility</p:attrName>
+                                        </p:attrNameLst>
+                                      </p:cBhvr>
+                                      <p:to>
+                                        <p:strVal val="visible"/>
+                                      </p:to>
+                                    </p:set>
+                                    <p:animEffect transition="in" filter="fade">
+                                      <p:cBhvr>
+                                        <p:cTn id="28" dur="500"/>
+                                        <p:tgtEl>
+                                          <p:spTgt spid="20"/>
+                                        </p:tgtEl>
+                                      </p:cBhvr>
+                                    </p:animEffect>
+                                  </p:childTnLst>
+                                </p:cTn>
+                              </p:par>
+                            </p:childTnLst>
+                          </p:cTn>
+                        </p:par>
+                        <p:par>
+                          <p:cTn id="29" fill="hold">
+                            <p:stCondLst>
+                              <p:cond delay="2000"/>
+                            </p:stCondLst>
+                            <p:childTnLst>
+                              <p:par>
+                                <p:cTn id="30" presetID="10" presetClass="entr" presetSubtype="0" fill="hold" grpId="0" nodeType="afterEffect">
+                                  <p:stCondLst>
+                                    <p:cond delay="0"/>
+                                  </p:stCondLst>
+                                  <p:childTnLst>
+                                    <p:set>
+                                      <p:cBhvr>
+                                        <p:cTn id="31" dur="1" fill="hold">
+                                          <p:stCondLst>
+                                            <p:cond delay="0"/>
+                                          </p:stCondLst>
+                                        </p:cTn>
+                                        <p:tgtEl>
+                                          <p:spTgt spid="11"/>
+                                        </p:tgtEl>
+                                        <p:attrNameLst>
+                                          <p:attrName>style.visibility</p:attrName>
+                                        </p:attrNameLst>
+                                      </p:cBhvr>
+                                      <p:to>
+                                        <p:strVal val="visible"/>
+                                      </p:to>
+                                    </p:set>
+                                    <p:animEffect transition="in" filter="fade">
+                                      <p:cBhvr>
+                                        <p:cTn id="32" dur="500"/>
+                                        <p:tgtEl>
+                                          <p:spTgt spid="11"/>
+                                        </p:tgtEl>
+                                      </p:cBhvr>
+                                    </p:animEffect>
+                                  </p:childTnLst>
+                                </p:cTn>
+                              </p:par>
+                              <p:par>
+                                <p:cTn id="33" presetID="10" presetClass="entr" presetSubtype="0" fill="hold" grpId="0" nodeType="withEffect">
+                                  <p:stCondLst>
+                                    <p:cond delay="0"/>
+                                  </p:stCondLst>
+                                  <p:childTnLst>
+                                    <p:set>
+                                      <p:cBhvr>
+                                        <p:cTn id="34" dur="1" fill="hold">
+                                          <p:stCondLst>
+                                            <p:cond delay="0"/>
+                                          </p:stCondLst>
+                                        </p:cTn>
+                                        <p:tgtEl>
+                                          <p:spTgt spid="21"/>
+                                        </p:tgtEl>
+                                        <p:attrNameLst>
+                                          <p:attrName>style.visibility</p:attrName>
+                                        </p:attrNameLst>
+                                      </p:cBhvr>
+                                      <p:to>
+                                        <p:strVal val="visible"/>
+                                      </p:to>
+                                    </p:set>
+                                    <p:animEffect transition="in" filter="fade">
+                                      <p:cBhvr>
+                                        <p:cTn id="35" dur="500"/>
+                                        <p:tgtEl>
+                                          <p:spTgt spid="21"/>
+                                        </p:tgtEl>
+                                      </p:cBhvr>
+                                    </p:animEffect>
+                                  </p:childTnLst>
+                                </p:cTn>
+                              </p:par>
+                            </p:childTnLst>
+                          </p:cTn>
+                        </p:par>
+                        <p:par>
+                          <p:cTn id="36" fill="hold">
+                            <p:stCondLst>
+                              <p:cond delay="2500"/>
+                            </p:stCondLst>
+                            <p:childTnLst>
+                              <p:par>
+                                <p:cTn id="37" presetID="10" presetClass="entr" presetSubtype="0" fill="hold" nodeType="afterEffect">
+                                  <p:stCondLst>
+                                    <p:cond delay="0"/>
+                                  </p:stCondLst>
+                                  <p:childTnLst>
+                                    <p:set>
+                                      <p:cBhvr>
+                                        <p:cTn id="38" dur="1" fill="hold">
+                                          <p:stCondLst>
+                                            <p:cond delay="0"/>
+                                          </p:stCondLst>
+                                        </p:cTn>
+                                        <p:tgtEl>
+                                          <p:spTgt spid="50"/>
+                                        </p:tgtEl>
+                                        <p:attrNameLst>
+                                          <p:attrName>style.visibility</p:attrName>
+                                        </p:attrNameLst>
+                                      </p:cBhvr>
+                                      <p:to>
+                                        <p:strVal val="visible"/>
+                                      </p:to>
+                                    </p:set>
+                                    <p:animEffect transition="in" filter="fade">
+                                      <p:cBhvr>
+                                        <p:cTn id="39" dur="500"/>
+                                        <p:tgtEl>
+                                          <p:spTgt spid="50"/>
+                                        </p:tgtEl>
+                                      </p:cBhvr>
+                                    </p:animEffect>
+                                  </p:childTnLst>
+                                </p:cTn>
+                              </p:par>
+                            </p:childTnLst>
+                          </p:cTn>
+                        </p:par>
+                        <p:par>
+                          <p:cTn id="40" fill="hold">
+                            <p:stCondLst>
+                              <p:cond delay="3000"/>
+                            </p:stCondLst>
+                            <p:childTnLst>
+                              <p:par>
+                                <p:cTn id="41" presetID="22" presetClass="entr" presetSubtype="4" repeatCount="3000" fill="hold" grpId="0" nodeType="afterEffect">
+                                  <p:stCondLst>
+                                    <p:cond delay="0"/>
+                                  </p:stCondLst>
+                                  <p:childTnLst>
+                                    <p:set>
+                                      <p:cBhvr>
+                                        <p:cTn id="42" dur="1" fill="hold">
+                                          <p:stCondLst>
+                                            <p:cond delay="0"/>
+                                          </p:stCondLst>
+                                        </p:cTn>
+                                        <p:tgtEl>
+                                          <p:spTgt spid="4"/>
+                                        </p:tgtEl>
+                                        <p:attrNameLst>
+                                          <p:attrName>style.visibility</p:attrName>
+                                        </p:attrNameLst>
+                                      </p:cBhvr>
+                                      <p:to>
+                                        <p:strVal val="visible"/>
+                                      </p:to>
+                                    </p:set>
+                                    <p:animEffect transition="in" filter="wipe(down)">
+                                      <p:cBhvr>
+                                        <p:cTn id="43" dur="1000"/>
+                                        <p:tgtEl>
+                                          <p:spTgt spid="4"/>
+                                        </p:tgtEl>
+                                      </p:cBhvr>
+                                    </p:animEffect>
+                                  </p:childTnLst>
+                                </p:cTn>
+                              </p:par>
+                            </p:childTnLst>
+                          </p:cTn>
+                        </p:par>
+                        <p:par>
+                          <p:cTn id="44" fill="hold">
+                            <p:stCondLst>
+                              <p:cond delay="6000"/>
+                            </p:stCondLst>
+                            <p:childTnLst>
+                              <p:par>
+                                <p:cTn id="45" presetID="10" presetClass="entr" presetSubtype="0" fill="hold" nodeType="afterEffect">
+                                  <p:stCondLst>
+                                    <p:cond delay="0"/>
+                                  </p:stCondLst>
+                                  <p:childTnLst>
+                                    <p:set>
+                                      <p:cBhvr>
+                                        <p:cTn id="46" dur="1" fill="hold">
+                                          <p:stCondLst>
+                                            <p:cond delay="0"/>
+                                          </p:stCondLst>
+                                        </p:cTn>
+                                        <p:tgtEl>
+                                          <p:spTgt spid="23"/>
+                                        </p:tgtEl>
+                                        <p:attrNameLst>
+                                          <p:attrName>style.visibility</p:attrName>
+                                        </p:attrNameLst>
+                                      </p:cBhvr>
+                                      <p:to>
+                                        <p:strVal val="visible"/>
+                                      </p:to>
+                                    </p:set>
+                                    <p:animEffect transition="in" filter="fade">
+                                      <p:cBhvr>
+                                        <p:cTn id="47" dur="500"/>
+                                        <p:tgtEl>
+                                          <p:spTgt spid="23"/>
+                                        </p:tgtEl>
+                                      </p:cBhvr>
+                                    </p:animEffect>
+                                  </p:childTnLst>
+                                </p:cTn>
+                              </p:par>
+                            </p:childTnLst>
+                          </p:cTn>
+                        </p:par>
+                        <p:par>
+                          <p:cTn id="48" fill="hold">
+                            <p:stCondLst>
+                              <p:cond delay="6500"/>
+                            </p:stCondLst>
+                            <p:childTnLst>
+                              <p:par>
+                                <p:cTn id="49" presetID="10" presetClass="exit" presetSubtype="0" fill="hold" grpId="1" nodeType="afterEffect">
+                                  <p:stCondLst>
+                                    <p:cond delay="1000"/>
+                                  </p:stCondLst>
+                                  <p:childTnLst>
+                                    <p:animEffect transition="out" filter="fade">
+                                      <p:cBhvr>
+                                        <p:cTn id="50" dur="500"/>
+                                        <p:tgtEl>
+                                          <p:spTgt spid="4"/>
+                                        </p:tgtEl>
+                                      </p:cBhvr>
+                                    </p:animEffect>
+                                    <p:set>
+                                      <p:cBhvr>
+                                        <p:cTn id="51" dur="1" fill="hold">
+                                          <p:stCondLst>
+                                            <p:cond delay="499"/>
+                                          </p:stCondLst>
+                                        </p:cTn>
+                                        <p:tgtEl>
+                                          <p:spTgt spid="4"/>
+                                        </p:tgtEl>
+                                        <p:attrNameLst>
+                                          <p:attrName>style.visibility</p:attrName>
+                                        </p:attrNameLst>
+                                      </p:cBhvr>
+                                      <p:to>
+                                        <p:strVal val="hidden"/>
+                                      </p:to>
+                                    </p:set>
+                                  </p:childTnLst>
+                                </p:cTn>
+                              </p:par>
+                              <p:par>
+                                <p:cTn id="52" presetID="10" presetClass="exit" presetSubtype="0" fill="hold" nodeType="withEffect">
+                                  <p:stCondLst>
+                                    <p:cond delay="1000"/>
+                                  </p:stCondLst>
+                                  <p:childTnLst>
+                                    <p:animEffect transition="out" filter="fade">
+                                      <p:cBhvr>
+                                        <p:cTn id="53" dur="500"/>
+                                        <p:tgtEl>
+                                          <p:spTgt spid="50"/>
+                                        </p:tgtEl>
+                                      </p:cBhvr>
+                                    </p:animEffect>
+                                    <p:set>
+                                      <p:cBhvr>
+                                        <p:cTn id="54" dur="1" fill="hold">
+                                          <p:stCondLst>
+                                            <p:cond delay="499"/>
+                                          </p:stCondLst>
+                                        </p:cTn>
+                                        <p:tgtEl>
+                                          <p:spTgt spid="50"/>
+                                        </p:tgtEl>
+                                        <p:attrNameLst>
+                                          <p:attrName>style.visibility</p:attrName>
+                                        </p:attrNameLst>
+                                      </p:cBhvr>
+                                      <p:to>
+                                        <p:strVal val="hidden"/>
+                                      </p:to>
+                                    </p:set>
+                                  </p:childTnLst>
+                                </p:cTn>
+                              </p:par>
+                              <p:par>
+                                <p:cTn id="55" presetID="10" presetClass="entr" presetSubtype="0" fill="hold" nodeType="withEffect">
+                                  <p:stCondLst>
+                                    <p:cond delay="1000"/>
+                                  </p:stCondLst>
+                                  <p:childTnLst>
+                                    <p:set>
+                                      <p:cBhvr>
+                                        <p:cTn id="56" dur="1" fill="hold">
+                                          <p:stCondLst>
+                                            <p:cond delay="0"/>
+                                          </p:stCondLst>
+                                        </p:cTn>
+                                        <p:tgtEl>
+                                          <p:spTgt spid="51"/>
+                                        </p:tgtEl>
+                                        <p:attrNameLst>
+                                          <p:attrName>style.visibility</p:attrName>
+                                        </p:attrNameLst>
+                                      </p:cBhvr>
+                                      <p:to>
+                                        <p:strVal val="visible"/>
+                                      </p:to>
+                                    </p:set>
+                                    <p:animEffect transition="in" filter="fade">
+                                      <p:cBhvr>
+                                        <p:cTn id="57" dur="500"/>
+                                        <p:tgtEl>
+                                          <p:spTgt spid="51"/>
+                                        </p:tgtEl>
+                                      </p:cBhvr>
+                                    </p:animEffect>
+                                  </p:childTnLst>
+                                </p:cTn>
+                              </p:par>
+                            </p:childTnLst>
+                          </p:cTn>
+                        </p:par>
+                        <p:par>
+                          <p:cTn id="58" fill="hold">
+                            <p:stCondLst>
+                              <p:cond delay="8000"/>
+                            </p:stCondLst>
+                            <p:childTnLst>
+                              <p:par>
+                                <p:cTn id="59" presetID="22" presetClass="entr" presetSubtype="8" fill="hold" grpId="0" nodeType="afterEffect">
+                                  <p:stCondLst>
+                                    <p:cond delay="0"/>
+                                  </p:stCondLst>
+                                  <p:childTnLst>
+                                    <p:set>
+                                      <p:cBhvr>
+                                        <p:cTn id="60" dur="1" fill="hold">
+                                          <p:stCondLst>
+                                            <p:cond delay="0"/>
+                                          </p:stCondLst>
+                                        </p:cTn>
+                                        <p:tgtEl>
+                                          <p:spTgt spid="6"/>
+                                        </p:tgtEl>
+                                        <p:attrNameLst>
+                                          <p:attrName>style.visibility</p:attrName>
+                                        </p:attrNameLst>
+                                      </p:cBhvr>
+                                      <p:to>
+                                        <p:strVal val="visible"/>
+                                      </p:to>
+                                    </p:set>
+                                    <p:animEffect transition="in" filter="wipe(left)">
+                                      <p:cBhvr>
+                                        <p:cTn id="61" dur="2000"/>
+                                        <p:tgtEl>
+                                          <p:spTgt spid="6"/>
+                                        </p:tgtEl>
+                                      </p:cBhvr>
+                                    </p:animEffect>
+                                  </p:childTnLst>
+                                </p:cTn>
+                              </p:par>
+                            </p:childTnLst>
+                          </p:cTn>
+                        </p:par>
+                        <p:par>
+                          <p:cTn id="62" fill="hold">
+                            <p:stCondLst>
+                              <p:cond delay="10000"/>
+                            </p:stCondLst>
+                            <p:childTnLst>
+                              <p:par>
+                                <p:cTn id="63" presetID="10" presetClass="exit" presetSubtype="0" fill="hold" grpId="1" nodeType="afterEffect">
+                                  <p:stCondLst>
+                                    <p:cond delay="0"/>
+                                  </p:stCondLst>
+                                  <p:childTnLst>
+                                    <p:animEffect transition="out" filter="fade">
+                                      <p:cBhvr>
+                                        <p:cTn id="64" dur="500"/>
+                                        <p:tgtEl>
+                                          <p:spTgt spid="6"/>
+                                        </p:tgtEl>
+                                      </p:cBhvr>
+                                    </p:animEffect>
+                                    <p:set>
+                                      <p:cBhvr>
+                                        <p:cTn id="65" dur="1" fill="hold">
+                                          <p:stCondLst>
+                                            <p:cond delay="499"/>
+                                          </p:stCondLst>
+                                        </p:cTn>
+                                        <p:tgtEl>
+                                          <p:spTgt spid="6"/>
+                                        </p:tgtEl>
+                                        <p:attrNameLst>
+                                          <p:attrName>style.visibility</p:attrName>
+                                        </p:attrNameLst>
+                                      </p:cBhvr>
+                                      <p:to>
+                                        <p:strVal val="hidden"/>
+                                      </p:to>
+                                    </p:set>
+                                  </p:childTnLst>
+                                </p:cTn>
+                              </p:par>
+                              <p:par>
+                                <p:cTn id="66" presetID="22" presetClass="entr" presetSubtype="4" repeatCount="3000" fill="hold" grpId="0" nodeType="withEffect">
+                                  <p:stCondLst>
+                                    <p:cond delay="0"/>
+                                  </p:stCondLst>
+                                  <p:childTnLst>
+                                    <p:set>
+                                      <p:cBhvr>
+                                        <p:cTn id="67" dur="1" fill="hold">
+                                          <p:stCondLst>
+                                            <p:cond delay="0"/>
+                                          </p:stCondLst>
+                                        </p:cTn>
+                                        <p:tgtEl>
+                                          <p:spTgt spid="9"/>
+                                        </p:tgtEl>
+                                        <p:attrNameLst>
+                                          <p:attrName>style.visibility</p:attrName>
+                                        </p:attrNameLst>
+                                      </p:cBhvr>
+                                      <p:to>
+                                        <p:strVal val="visible"/>
+                                      </p:to>
+                                    </p:set>
+                                    <p:animEffect transition="in" filter="wipe(down)">
+                                      <p:cBhvr>
+                                        <p:cTn id="68" dur="1000"/>
+                                        <p:tgtEl>
+                                          <p:spTgt spid="9"/>
+                                        </p:tgtEl>
+                                      </p:cBhvr>
+                                    </p:animEffect>
+                                  </p:childTnLst>
+                                </p:cTn>
+                              </p:par>
+                            </p:childTnLst>
+                          </p:cTn>
+                        </p:par>
+                        <p:par>
+                          <p:cTn id="69" fill="hold">
+                            <p:stCondLst>
+                              <p:cond delay="13000"/>
+                            </p:stCondLst>
+                            <p:childTnLst>
+                              <p:par>
+                                <p:cTn id="70" presetID="22" presetClass="entr" presetSubtype="8" fill="hold" grpId="0" nodeType="afterEffect">
+                                  <p:stCondLst>
+                                    <p:cond delay="0"/>
+                                  </p:stCondLst>
+                                  <p:childTnLst>
+                                    <p:set>
+                                      <p:cBhvr>
+                                        <p:cTn id="71" dur="1" fill="hold">
+                                          <p:stCondLst>
+                                            <p:cond delay="0"/>
+                                          </p:stCondLst>
+                                        </p:cTn>
+                                        <p:tgtEl>
+                                          <p:spTgt spid="34"/>
+                                        </p:tgtEl>
+                                        <p:attrNameLst>
+                                          <p:attrName>style.visibility</p:attrName>
+                                        </p:attrNameLst>
+                                      </p:cBhvr>
+                                      <p:to>
+                                        <p:strVal val="visible"/>
+                                      </p:to>
+                                    </p:set>
+                                    <p:animEffect transition="in" filter="wipe(left)">
+                                      <p:cBhvr>
+                                        <p:cTn id="72" dur="2000"/>
+                                        <p:tgtEl>
+                                          <p:spTgt spid="34"/>
+                                        </p:tgtEl>
+                                      </p:cBhvr>
+                                    </p:animEffect>
+                                  </p:childTnLst>
+                                </p:cTn>
+                              </p:par>
+                            </p:childTnLst>
+                          </p:cTn>
+                        </p:par>
+                        <p:par>
+                          <p:cTn id="73" fill="hold">
+                            <p:stCondLst>
+                              <p:cond delay="15000"/>
+                            </p:stCondLst>
+                            <p:childTnLst>
+                              <p:par>
+                                <p:cTn id="74" presetID="10" presetClass="exit" presetSubtype="0" fill="hold" grpId="1" nodeType="afterEffect">
+                                  <p:stCondLst>
+                                    <p:cond delay="0"/>
+                                  </p:stCondLst>
+                                  <p:childTnLst>
+                                    <p:animEffect transition="out" filter="fade">
+                                      <p:cBhvr>
+                                        <p:cTn id="75" dur="500"/>
+                                        <p:tgtEl>
+                                          <p:spTgt spid="9"/>
+                                        </p:tgtEl>
+                                      </p:cBhvr>
+                                    </p:animEffect>
+                                    <p:set>
+                                      <p:cBhvr>
+                                        <p:cTn id="76" dur="1" fill="hold">
+                                          <p:stCondLst>
+                                            <p:cond delay="499"/>
+                                          </p:stCondLst>
+                                        </p:cTn>
+                                        <p:tgtEl>
+                                          <p:spTgt spid="9"/>
+                                        </p:tgtEl>
+                                        <p:attrNameLst>
+                                          <p:attrName>style.visibility</p:attrName>
+                                        </p:attrNameLst>
+                                      </p:cBhvr>
+                                      <p:to>
+                                        <p:strVal val="hidden"/>
+                                      </p:to>
+                                    </p:set>
+                                  </p:childTnLst>
+                                </p:cTn>
+                              </p:par>
+                              <p:par>
+                                <p:cTn id="77" presetID="10" presetClass="exit" presetSubtype="0" fill="hold" nodeType="withEffect">
+                                  <p:stCondLst>
+                                    <p:cond delay="0"/>
+                                  </p:stCondLst>
+                                  <p:childTnLst>
+                                    <p:animEffect transition="out" filter="fade">
+                                      <p:cBhvr>
+                                        <p:cTn id="78" dur="500"/>
+                                        <p:tgtEl>
+                                          <p:spTgt spid="51"/>
+                                        </p:tgtEl>
+                                      </p:cBhvr>
+                                    </p:animEffect>
+                                    <p:set>
+                                      <p:cBhvr>
+                                        <p:cTn id="79" dur="1" fill="hold">
+                                          <p:stCondLst>
+                                            <p:cond delay="499"/>
+                                          </p:stCondLst>
+                                        </p:cTn>
+                                        <p:tgtEl>
+                                          <p:spTgt spid="51"/>
+                                        </p:tgtEl>
+                                        <p:attrNameLst>
+                                          <p:attrName>style.visibility</p:attrName>
+                                        </p:attrNameLst>
+                                      </p:cBhvr>
+                                      <p:to>
+                                        <p:strVal val="hidden"/>
+                                      </p:to>
+                                    </p:set>
+                                  </p:childTnLst>
+                                </p:cTn>
+                              </p:par>
+                            </p:childTnLst>
+                          </p:cTn>
+                        </p:par>
+                        <p:par>
+                          <p:cTn id="80" fill="hold">
+                            <p:stCondLst>
+                              <p:cond delay="15500"/>
+                            </p:stCondLst>
+                            <p:childTnLst>
+                              <p:par>
+                                <p:cTn id="81" presetID="22" presetClass="entr" presetSubtype="8" fill="hold" nodeType="afterEffect">
+                                  <p:stCondLst>
+                                    <p:cond delay="0"/>
+                                  </p:stCondLst>
+                                  <p:childTnLst>
+                                    <p:set>
+                                      <p:cBhvr>
+                                        <p:cTn id="82" dur="1" fill="hold">
+                                          <p:stCondLst>
+                                            <p:cond delay="0"/>
+                                          </p:stCondLst>
+                                        </p:cTn>
+                                        <p:tgtEl>
+                                          <p:spTgt spid="24"/>
+                                        </p:tgtEl>
+                                        <p:attrNameLst>
+                                          <p:attrName>style.visibility</p:attrName>
+                                        </p:attrNameLst>
+                                      </p:cBhvr>
+                                      <p:to>
+                                        <p:strVal val="visible"/>
+                                      </p:to>
+                                    </p:set>
+                                    <p:animEffect transition="in" filter="wipe(left)">
+                                      <p:cBhvr>
+                                        <p:cTn id="83" dur="1000"/>
+                                        <p:tgtEl>
+                                          <p:spTgt spid="24"/>
+                                        </p:tgtEl>
+                                      </p:cBhvr>
+                                    </p:animEffect>
+                                  </p:childTnLst>
+                                </p:cTn>
+                              </p:par>
+                              <p:par>
+                                <p:cTn id="84" presetID="10" presetClass="entr" presetSubtype="0" fill="hold" nodeType="withEffect">
+                                  <p:stCondLst>
+                                    <p:cond delay="0"/>
+                                  </p:stCondLst>
+                                  <p:childTnLst>
+                                    <p:set>
+                                      <p:cBhvr>
+                                        <p:cTn id="85" dur="1" fill="hold">
+                                          <p:stCondLst>
+                                            <p:cond delay="0"/>
+                                          </p:stCondLst>
+                                        </p:cTn>
+                                        <p:tgtEl>
+                                          <p:spTgt spid="53"/>
+                                        </p:tgtEl>
+                                        <p:attrNameLst>
+                                          <p:attrName>style.visibility</p:attrName>
+                                        </p:attrNameLst>
+                                      </p:cBhvr>
+                                      <p:to>
+                                        <p:strVal val="visible"/>
+                                      </p:to>
+                                    </p:set>
+                                    <p:animEffect transition="in" filter="fade">
+                                      <p:cBhvr>
+                                        <p:cTn id="86" dur="500"/>
+                                        <p:tgtEl>
+                                          <p:spTgt spid="53"/>
+                                        </p:tgtEl>
+                                      </p:cBhvr>
+                                    </p:animEffect>
+                                  </p:childTnLst>
+                                </p:cTn>
+                              </p:par>
+                            </p:childTnLst>
+                          </p:cTn>
+                        </p:par>
+                        <p:par>
+                          <p:cTn id="87" fill="hold">
+                            <p:stCondLst>
+                              <p:cond delay="16500"/>
+                            </p:stCondLst>
+                            <p:childTnLst>
+                              <p:par>
+                                <p:cTn id="88" presetID="22" presetClass="entr" presetSubtype="8" fill="hold" grpId="0" nodeType="afterEffect">
+                                  <p:stCondLst>
+                                    <p:cond delay="0"/>
+                                  </p:stCondLst>
+                                  <p:childTnLst>
+                                    <p:set>
+                                      <p:cBhvr>
+                                        <p:cTn id="89" dur="1" fill="hold">
+                                          <p:stCondLst>
+                                            <p:cond delay="0"/>
+                                          </p:stCondLst>
+                                        </p:cTn>
+                                        <p:tgtEl>
+                                          <p:spTgt spid="10"/>
+                                        </p:tgtEl>
+                                        <p:attrNameLst>
+                                          <p:attrName>style.visibility</p:attrName>
+                                        </p:attrNameLst>
+                                      </p:cBhvr>
+                                      <p:to>
+                                        <p:strVal val="visible"/>
+                                      </p:to>
+                                    </p:set>
+                                    <p:animEffect transition="in" filter="wipe(left)">
+                                      <p:cBhvr>
+                                        <p:cTn id="90" dur="2000"/>
+                                        <p:tgtEl>
+                                          <p:spTgt spid="10"/>
+                                        </p:tgtEl>
+                                      </p:cBhvr>
+                                    </p:animEffect>
+                                  </p:childTnLst>
+                                </p:cTn>
+                              </p:par>
+                            </p:childTnLst>
+                          </p:cTn>
+                        </p:par>
+                        <p:par>
+                          <p:cTn id="91" fill="hold">
+                            <p:stCondLst>
+                              <p:cond delay="18500"/>
+                            </p:stCondLst>
+                            <p:childTnLst>
+                              <p:par>
+                                <p:cTn id="92" presetID="10" presetClass="exit" presetSubtype="0" fill="hold" grpId="1" nodeType="afterEffect">
+                                  <p:stCondLst>
+                                    <p:cond delay="0"/>
+                                  </p:stCondLst>
+                                  <p:childTnLst>
+                                    <p:animEffect transition="out" filter="fade">
+                                      <p:cBhvr>
+                                        <p:cTn id="93" dur="500"/>
+                                        <p:tgtEl>
+                                          <p:spTgt spid="10"/>
+                                        </p:tgtEl>
+                                      </p:cBhvr>
+                                    </p:animEffect>
+                                    <p:set>
+                                      <p:cBhvr>
+                                        <p:cTn id="94" dur="1" fill="hold">
+                                          <p:stCondLst>
+                                            <p:cond delay="499"/>
+                                          </p:stCondLst>
+                                        </p:cTn>
+                                        <p:tgtEl>
+                                          <p:spTgt spid="10"/>
+                                        </p:tgtEl>
+                                        <p:attrNameLst>
+                                          <p:attrName>style.visibility</p:attrName>
+                                        </p:attrNameLst>
+                                      </p:cBhvr>
+                                      <p:to>
+                                        <p:strVal val="hidden"/>
+                                      </p:to>
+                                    </p:set>
+                                  </p:childTnLst>
+                                </p:cTn>
+                              </p:par>
+                            </p:childTnLst>
+                          </p:cTn>
+                        </p:par>
+                        <p:par>
+                          <p:cTn id="95" fill="hold">
+                            <p:stCondLst>
+                              <p:cond delay="19000"/>
+                            </p:stCondLst>
+                            <p:childTnLst>
+                              <p:par>
+                                <p:cTn id="96" presetID="22" presetClass="entr" presetSubtype="4" repeatCount="3000" fill="hold" grpId="0" nodeType="afterEffect">
+                                  <p:stCondLst>
+                                    <p:cond delay="0"/>
+                                  </p:stCondLst>
+                                  <p:childTnLst>
+                                    <p:set>
+                                      <p:cBhvr>
+                                        <p:cTn id="97" dur="1" fill="hold">
+                                          <p:stCondLst>
+                                            <p:cond delay="0"/>
+                                          </p:stCondLst>
+                                        </p:cTn>
+                                        <p:tgtEl>
+                                          <p:spTgt spid="12"/>
+                                        </p:tgtEl>
+                                        <p:attrNameLst>
+                                          <p:attrName>style.visibility</p:attrName>
+                                        </p:attrNameLst>
+                                      </p:cBhvr>
+                                      <p:to>
+                                        <p:strVal val="visible"/>
+                                      </p:to>
+                                    </p:set>
+                                    <p:animEffect transition="in" filter="wipe(down)">
+                                      <p:cBhvr>
+                                        <p:cTn id="98" dur="1000"/>
+                                        <p:tgtEl>
+                                          <p:spTgt spid="12"/>
+                                        </p:tgtEl>
+                                      </p:cBhvr>
+                                    </p:animEffect>
+                                  </p:childTnLst>
+                                </p:cTn>
+                              </p:par>
+                            </p:childTnLst>
+                          </p:cTn>
+                        </p:par>
+                        <p:par>
+                          <p:cTn id="99" fill="hold">
+                            <p:stCondLst>
+                              <p:cond delay="22000"/>
+                            </p:stCondLst>
+                            <p:childTnLst>
+                              <p:par>
+                                <p:cTn id="100" presetID="22" presetClass="entr" presetSubtype="8" fill="hold" grpId="0" nodeType="afterEffect">
+                                  <p:stCondLst>
+                                    <p:cond delay="1000"/>
+                                  </p:stCondLst>
+                                  <p:childTnLst>
+                                    <p:set>
+                                      <p:cBhvr>
+                                        <p:cTn id="101" dur="1" fill="hold">
+                                          <p:stCondLst>
+                                            <p:cond delay="0"/>
+                                          </p:stCondLst>
+                                        </p:cTn>
+                                        <p:tgtEl>
+                                          <p:spTgt spid="37"/>
+                                        </p:tgtEl>
+                                        <p:attrNameLst>
+                                          <p:attrName>style.visibility</p:attrName>
+                                        </p:attrNameLst>
+                                      </p:cBhvr>
+                                      <p:to>
+                                        <p:strVal val="visible"/>
+                                      </p:to>
+                                    </p:set>
+                                    <p:animEffect transition="in" filter="wipe(left)">
+                                      <p:cBhvr>
+                                        <p:cTn id="102" dur="2000"/>
+                                        <p:tgtEl>
+                                          <p:spTgt spid="37"/>
+                                        </p:tgtEl>
+                                      </p:cBhvr>
+                                    </p:animEffect>
+                                  </p:childTnLst>
+                                </p:cTn>
+                              </p:par>
+                            </p:childTnLst>
+                          </p:cTn>
+                        </p:par>
+                        <p:par>
+                          <p:cTn id="103" fill="hold">
+                            <p:stCondLst>
+                              <p:cond delay="25000"/>
+                            </p:stCondLst>
+                            <p:childTnLst>
+                              <p:par>
+                                <p:cTn id="104" presetID="22" presetClass="entr" presetSubtype="8" fill="hold" nodeType="afterEffect">
+                                  <p:stCondLst>
+                                    <p:cond delay="0"/>
+                                  </p:stCondLst>
+                                  <p:childTnLst>
+                                    <p:set>
+                                      <p:cBhvr>
+                                        <p:cTn id="105" dur="1" fill="hold">
+                                          <p:stCondLst>
+                                            <p:cond delay="0"/>
+                                          </p:stCondLst>
+                                        </p:cTn>
+                                        <p:tgtEl>
+                                          <p:spTgt spid="28"/>
+                                        </p:tgtEl>
+                                        <p:attrNameLst>
+                                          <p:attrName>style.visibility</p:attrName>
+                                        </p:attrNameLst>
+                                      </p:cBhvr>
+                                      <p:to>
+                                        <p:strVal val="visible"/>
+                                      </p:to>
+                                    </p:set>
+                                    <p:animEffect transition="in" filter="wipe(left)">
+                                      <p:cBhvr>
+                                        <p:cTn id="106" dur="1000"/>
+                                        <p:tgtEl>
+                                          <p:spTgt spid="28"/>
+                                        </p:tgtEl>
+                                      </p:cBhvr>
+                                    </p:animEffect>
+                                  </p:childTnLst>
+                                </p:cTn>
+                              </p:par>
+                            </p:childTnLst>
+                          </p:cTn>
+                        </p:par>
+                        <p:par>
+                          <p:cTn id="107" fill="hold">
+                            <p:stCondLst>
+                              <p:cond delay="26000"/>
+                            </p:stCondLst>
+                            <p:childTnLst>
+                              <p:par>
+                                <p:cTn id="108" presetID="10" presetClass="exit" presetSubtype="0" fill="hold" grpId="1" nodeType="afterEffect">
+                                  <p:stCondLst>
+                                    <p:cond delay="0"/>
+                                  </p:stCondLst>
+                                  <p:childTnLst>
+                                    <p:animEffect transition="out" filter="fade">
+                                      <p:cBhvr>
+                                        <p:cTn id="109" dur="500"/>
+                                        <p:tgtEl>
+                                          <p:spTgt spid="12"/>
+                                        </p:tgtEl>
+                                      </p:cBhvr>
+                                    </p:animEffect>
+                                    <p:set>
+                                      <p:cBhvr>
+                                        <p:cTn id="110" dur="1" fill="hold">
+                                          <p:stCondLst>
+                                            <p:cond delay="499"/>
+                                          </p:stCondLst>
+                                        </p:cTn>
+                                        <p:tgtEl>
+                                          <p:spTgt spid="12"/>
+                                        </p:tgtEl>
+                                        <p:attrNameLst>
+                                          <p:attrName>style.visibility</p:attrName>
+                                        </p:attrNameLst>
+                                      </p:cBhvr>
+                                      <p:to>
+                                        <p:strVal val="hidden"/>
+                                      </p:to>
+                                    </p:set>
+                                  </p:childTnLst>
+                                </p:cTn>
+                              </p:par>
+                              <p:par>
+                                <p:cTn id="111" presetID="10" presetClass="exit" presetSubtype="0" fill="hold" nodeType="withEffect">
+                                  <p:stCondLst>
+                                    <p:cond delay="0"/>
+                                  </p:stCondLst>
+                                  <p:childTnLst>
+                                    <p:animEffect transition="out" filter="fade">
+                                      <p:cBhvr>
+                                        <p:cTn id="112" dur="500"/>
+                                        <p:tgtEl>
+                                          <p:spTgt spid="53"/>
+                                        </p:tgtEl>
+                                      </p:cBhvr>
+                                    </p:animEffect>
+                                    <p:set>
+                                      <p:cBhvr>
+                                        <p:cTn id="113" dur="1" fill="hold">
+                                          <p:stCondLst>
+                                            <p:cond delay="499"/>
+                                          </p:stCondLst>
+                                        </p:cTn>
+                                        <p:tgtEl>
+                                          <p:spTgt spid="53"/>
+                                        </p:tgtEl>
+                                        <p:attrNameLst>
+                                          <p:attrName>style.visibility</p:attrName>
+                                        </p:attrNameLst>
+                                      </p:cBhvr>
+                                      <p:to>
+                                        <p:strVal val="hidden"/>
+                                      </p:to>
+                                    </p:set>
+                                  </p:childTnLst>
+                                </p:cTn>
+                              </p:par>
+                            </p:childTnLst>
+                          </p:cTn>
+                        </p:par>
+                        <p:par>
+                          <p:cTn id="114" fill="hold">
+                            <p:stCondLst>
+                              <p:cond delay="26500"/>
+                            </p:stCondLst>
+                            <p:childTnLst>
+                              <p:par>
+                                <p:cTn id="115" presetID="10" presetClass="entr" presetSubtype="0" fill="hold" nodeType="afterEffect">
+                                  <p:stCondLst>
+                                    <p:cond delay="0"/>
+                                  </p:stCondLst>
+                                  <p:childTnLst>
+                                    <p:set>
+                                      <p:cBhvr>
+                                        <p:cTn id="116" dur="1" fill="hold">
+                                          <p:stCondLst>
+                                            <p:cond delay="0"/>
+                                          </p:stCondLst>
+                                        </p:cTn>
+                                        <p:tgtEl>
+                                          <p:spTgt spid="19"/>
+                                        </p:tgtEl>
+                                        <p:attrNameLst>
+                                          <p:attrName>style.visibility</p:attrName>
+                                        </p:attrNameLst>
+                                      </p:cBhvr>
+                                      <p:to>
+                                        <p:strVal val="visible"/>
+                                      </p:to>
+                                    </p:set>
+                                    <p:animEffect transition="in" filter="fade">
+                                      <p:cBhvr>
+                                        <p:cTn id="117" dur="500"/>
+                                        <p:tgtEl>
+                                          <p:spTgt spid="19"/>
+                                        </p:tgtEl>
+                                      </p:cBhvr>
+                                    </p:animEffect>
+                                  </p:childTnLst>
+                                </p:cTn>
+                              </p:par>
+                            </p:childTnLst>
+                          </p:cTn>
+                        </p:par>
+                        <p:par>
+                          <p:cTn id="118" fill="hold">
+                            <p:stCondLst>
+                              <p:cond delay="27000"/>
+                            </p:stCondLst>
+                            <p:childTnLst>
+                              <p:par>
+                                <p:cTn id="119" presetID="53" presetClass="entr" presetSubtype="16" fill="hold" grpId="0" nodeType="afterEffect">
+                                  <p:stCondLst>
+                                    <p:cond delay="0"/>
+                                  </p:stCondLst>
+                                  <p:childTnLst>
+                                    <p:set>
+                                      <p:cBhvr>
+                                        <p:cTn id="120" dur="1" fill="hold">
+                                          <p:stCondLst>
+                                            <p:cond delay="0"/>
+                                          </p:stCondLst>
+                                        </p:cTn>
+                                        <p:tgtEl>
+                                          <p:spTgt spid="35"/>
+                                        </p:tgtEl>
+                                        <p:attrNameLst>
+                                          <p:attrName>style.visibility</p:attrName>
+                                        </p:attrNameLst>
+                                      </p:cBhvr>
+                                      <p:to>
+                                        <p:strVal val="visible"/>
+                                      </p:to>
+                                    </p:set>
+                                    <p:anim calcmode="lin" valueType="num">
+                                      <p:cBhvr>
+                                        <p:cTn id="121" dur="500" fill="hold"/>
+                                        <p:tgtEl>
+                                          <p:spTgt spid="35"/>
+                                        </p:tgtEl>
+                                        <p:attrNameLst>
+                                          <p:attrName>ppt_w</p:attrName>
+                                        </p:attrNameLst>
+                                      </p:cBhvr>
+                                      <p:tavLst>
+                                        <p:tav tm="0">
+                                          <p:val>
+                                            <p:fltVal val="0"/>
+                                          </p:val>
+                                        </p:tav>
+                                        <p:tav tm="100000">
+                                          <p:val>
+                                            <p:strVal val="#ppt_w"/>
+                                          </p:val>
+                                        </p:tav>
+                                      </p:tavLst>
+                                    </p:anim>
+                                    <p:anim calcmode="lin" valueType="num">
+                                      <p:cBhvr>
+                                        <p:cTn id="122" dur="500" fill="hold"/>
+                                        <p:tgtEl>
+                                          <p:spTgt spid="35"/>
+                                        </p:tgtEl>
+                                        <p:attrNameLst>
+                                          <p:attrName>ppt_h</p:attrName>
+                                        </p:attrNameLst>
+                                      </p:cBhvr>
+                                      <p:tavLst>
+                                        <p:tav tm="0">
+                                          <p:val>
+                                            <p:fltVal val="0"/>
+                                          </p:val>
+                                        </p:tav>
+                                        <p:tav tm="100000">
+                                          <p:val>
+                                            <p:strVal val="#ppt_h"/>
+                                          </p:val>
+                                        </p:tav>
+                                      </p:tavLst>
+                                    </p:anim>
+                                    <p:animEffect transition="in" filter="fade">
+                                      <p:cBhvr>
+                                        <p:cTn id="123" dur="500"/>
+                                        <p:tgtEl>
+                                          <p:spTgt spid="35"/>
+                                        </p:tgtEl>
+                                      </p:cBhvr>
+                                    </p:animEffect>
+                                  </p:childTnLst>
+                                </p:cTn>
+                              </p:par>
+                            </p:childTnLst>
+                          </p:cTn>
+                        </p:par>
+                        <p:par>
+                          <p:cTn id="124" fill="hold">
+                            <p:stCondLst>
+                              <p:cond delay="27500"/>
+                            </p:stCondLst>
+                            <p:childTnLst>
+                              <p:par>
+                                <p:cTn id="125" presetID="22" presetClass="entr" presetSubtype="4" repeatCount="3000" fill="hold" grpId="0" nodeType="afterEffect">
+                                  <p:stCondLst>
+                                    <p:cond delay="1000"/>
+                                  </p:stCondLst>
+                                  <p:childTnLst>
+                                    <p:set>
+                                      <p:cBhvr>
+                                        <p:cTn id="126" dur="1" fill="hold">
+                                          <p:stCondLst>
+                                            <p:cond delay="0"/>
+                                          </p:stCondLst>
+                                        </p:cTn>
+                                        <p:tgtEl>
+                                          <p:spTgt spid="36"/>
+                                        </p:tgtEl>
+                                        <p:attrNameLst>
+                                          <p:attrName>style.visibility</p:attrName>
+                                        </p:attrNameLst>
+                                      </p:cBhvr>
+                                      <p:to>
+                                        <p:strVal val="visible"/>
+                                      </p:to>
+                                    </p:set>
+                                    <p:animEffect transition="in" filter="wipe(down)">
+                                      <p:cBhvr>
+                                        <p:cTn id="127" dur="1000"/>
+                                        <p:tgtEl>
+                                          <p:spTgt spid="36"/>
+                                        </p:tgtEl>
+                                      </p:cBhvr>
+                                    </p:animEffect>
+                                  </p:childTnLst>
+                                </p:cTn>
+                              </p:par>
+                            </p:childTnLst>
+                          </p:cTn>
+                        </p:par>
+                        <p:par>
+                          <p:cTn id="128" fill="hold">
+                            <p:stCondLst>
+                              <p:cond delay="31500"/>
+                            </p:stCondLst>
+                            <p:childTnLst>
+                              <p:par>
+                                <p:cTn id="129" presetID="10" presetClass="exit" presetSubtype="0" fill="hold" grpId="1" nodeType="afterEffect">
+                                  <p:stCondLst>
+                                    <p:cond delay="1000"/>
+                                  </p:stCondLst>
+                                  <p:childTnLst>
+                                    <p:animEffect transition="out" filter="fade">
+                                      <p:cBhvr>
+                                        <p:cTn id="130" dur="500"/>
+                                        <p:tgtEl>
+                                          <p:spTgt spid="36"/>
+                                        </p:tgtEl>
+                                      </p:cBhvr>
+                                    </p:animEffect>
+                                    <p:set>
+                                      <p:cBhvr>
+                                        <p:cTn id="131" dur="1" fill="hold">
+                                          <p:stCondLst>
+                                            <p:cond delay="499"/>
+                                          </p:stCondLst>
+                                        </p:cTn>
+                                        <p:tgtEl>
+                                          <p:spTgt spid="36"/>
+                                        </p:tgtEl>
+                                        <p:attrNameLst>
+                                          <p:attrName>style.visibility</p:attrName>
+                                        </p:attrNameLst>
+                                      </p:cBhvr>
+                                      <p:to>
+                                        <p:strVal val="hidden"/>
+                                      </p:to>
+                                    </p:set>
+                                  </p:childTnLst>
+                                </p:cTn>
+                              </p:par>
+                            </p:childTnLst>
+                          </p:cTn>
+                        </p:par>
+                        <p:par>
+                          <p:cTn id="132" fill="hold">
+                            <p:stCondLst>
+                              <p:cond delay="33000"/>
+                            </p:stCondLst>
+                            <p:childTnLst>
+                              <p:par>
+                                <p:cTn id="133" presetID="2" presetClass="exit" presetSubtype="4" fill="hold" nodeType="afterEffect">
+                                  <p:stCondLst>
+                                    <p:cond delay="750"/>
+                                  </p:stCondLst>
+                                  <p:childTnLst>
+                                    <p:anim calcmode="lin" valueType="num">
+                                      <p:cBhvr additive="base">
+                                        <p:cTn id="134" dur="2000"/>
+                                        <p:tgtEl>
+                                          <p:spTgt spid="19"/>
+                                        </p:tgtEl>
+                                        <p:attrNameLst>
+                                          <p:attrName>ppt_x</p:attrName>
+                                        </p:attrNameLst>
+                                      </p:cBhvr>
+                                      <p:tavLst>
+                                        <p:tav tm="0">
+                                          <p:val>
+                                            <p:strVal val="ppt_x"/>
+                                          </p:val>
+                                        </p:tav>
+                                        <p:tav tm="100000">
+                                          <p:val>
+                                            <p:strVal val="ppt_x"/>
+                                          </p:val>
+                                        </p:tav>
+                                      </p:tavLst>
+                                    </p:anim>
+                                    <p:anim calcmode="lin" valueType="num">
+                                      <p:cBhvr additive="base">
+                                        <p:cTn id="135" dur="2000"/>
+                                        <p:tgtEl>
+                                          <p:spTgt spid="19"/>
+                                        </p:tgtEl>
+                                        <p:attrNameLst>
+                                          <p:attrName>ppt_y</p:attrName>
+                                        </p:attrNameLst>
+                                      </p:cBhvr>
+                                      <p:tavLst>
+                                        <p:tav tm="0">
+                                          <p:val>
+                                            <p:strVal val="ppt_y"/>
+                                          </p:val>
+                                        </p:tav>
+                                        <p:tav tm="100000">
+                                          <p:val>
+                                            <p:strVal val="1+ppt_h/2"/>
+                                          </p:val>
+                                        </p:tav>
+                                      </p:tavLst>
+                                    </p:anim>
+                                    <p:set>
+                                      <p:cBhvr>
+                                        <p:cTn id="136" dur="1" fill="hold">
+                                          <p:stCondLst>
+                                            <p:cond delay="1999"/>
+                                          </p:stCondLst>
+                                        </p:cTn>
+                                        <p:tgtEl>
+                                          <p:spTgt spid="19"/>
+                                        </p:tgtEl>
+                                        <p:attrNameLst>
+                                          <p:attrName>style.visibility</p:attrName>
+                                        </p:attrNameLst>
+                                      </p:cBhvr>
+                                      <p:to>
+                                        <p:strVal val="hidden"/>
+                                      </p:to>
+                                    </p:set>
+                                  </p:childTnLst>
+                                </p:cTn>
+                              </p:par>
+                              <p:par>
+                                <p:cTn id="137" presetID="10" presetClass="exit" presetSubtype="0" fill="hold" grpId="1" nodeType="withEffect">
+                                  <p:stCondLst>
+                                    <p:cond delay="750"/>
+                                  </p:stCondLst>
+                                  <p:childTnLst>
+                                    <p:animEffect transition="out" filter="fade">
+                                      <p:cBhvr>
+                                        <p:cTn id="138" dur="500"/>
+                                        <p:tgtEl>
+                                          <p:spTgt spid="35"/>
+                                        </p:tgtEl>
+                                      </p:cBhvr>
+                                    </p:animEffect>
+                                    <p:set>
+                                      <p:cBhvr>
+                                        <p:cTn id="139" dur="1" fill="hold">
+                                          <p:stCondLst>
+                                            <p:cond delay="499"/>
+                                          </p:stCondLst>
+                                        </p:cTn>
+                                        <p:tgtEl>
+                                          <p:spTgt spid="35"/>
+                                        </p:tgtEl>
+                                        <p:attrNameLst>
+                                          <p:attrName>style.visibility</p:attrName>
+                                        </p:attrNameLst>
+                                      </p:cBhvr>
+                                      <p:to>
+                                        <p:strVal val="hidden"/>
+                                      </p:to>
+                                    </p:set>
+                                  </p:childTnLst>
+                                </p:cTn>
+                              </p:par>
+                            </p:childTnLst>
+                          </p:cTn>
+                        </p:par>
+                        <p:par>
+                          <p:cTn id="140" fill="hold">
+                            <p:stCondLst>
+                              <p:cond delay="35750"/>
+                            </p:stCondLst>
+                            <p:childTnLst>
+                              <p:par>
+                                <p:cTn id="141" presetID="22" presetClass="entr" presetSubtype="4" fill="hold" grpId="0" nodeType="afterEffect">
+                                  <p:stCondLst>
+                                    <p:cond delay="0"/>
+                                  </p:stCondLst>
+                                  <p:childTnLst>
+                                    <p:set>
+                                      <p:cBhvr>
+                                        <p:cTn id="142" dur="1" fill="hold">
+                                          <p:stCondLst>
+                                            <p:cond delay="0"/>
+                                          </p:stCondLst>
+                                        </p:cTn>
+                                        <p:tgtEl>
+                                          <p:spTgt spid="39"/>
+                                        </p:tgtEl>
+                                        <p:attrNameLst>
+                                          <p:attrName>style.visibility</p:attrName>
+                                        </p:attrNameLst>
+                                      </p:cBhvr>
+                                      <p:to>
+                                        <p:strVal val="visible"/>
+                                      </p:to>
+                                    </p:set>
+                                    <p:animEffect transition="in" filter="wipe(down)">
+                                      <p:cBhvr>
+                                        <p:cTn id="143" dur="2000"/>
+                                        <p:tgtEl>
+                                          <p:spTgt spid="39"/>
+                                        </p:tgtEl>
+                                      </p:cBhvr>
+                                    </p:animEffect>
+                                  </p:childTnLst>
+                                </p:cTn>
+                              </p:par>
+                            </p:childTnLst>
+                          </p:cTn>
+                        </p:par>
+                        <p:par>
+                          <p:cTn id="144" fill="hold">
+                            <p:stCondLst>
+                              <p:cond delay="37750"/>
+                            </p:stCondLst>
+                            <p:childTnLst>
+                              <p:par>
+                                <p:cTn id="145" presetID="22" presetClass="entr" presetSubtype="4" fill="hold" nodeType="afterEffect">
+                                  <p:stCondLst>
+                                    <p:cond delay="0"/>
+                                  </p:stCondLst>
+                                  <p:childTnLst>
+                                    <p:set>
+                                      <p:cBhvr>
+                                        <p:cTn id="146" dur="1" fill="hold">
+                                          <p:stCondLst>
+                                            <p:cond delay="0"/>
+                                          </p:stCondLst>
+                                        </p:cTn>
+                                        <p:tgtEl>
+                                          <p:spTgt spid="40"/>
+                                        </p:tgtEl>
+                                        <p:attrNameLst>
+                                          <p:attrName>style.visibility</p:attrName>
+                                        </p:attrNameLst>
+                                      </p:cBhvr>
+                                      <p:to>
+                                        <p:strVal val="visible"/>
+                                      </p:to>
+                                    </p:set>
+                                    <p:animEffect transition="in" filter="wipe(down)">
+                                      <p:cBhvr>
+                                        <p:cTn id="147" dur="1000"/>
+                                        <p:tgtEl>
+                                          <p:spTgt spid="40"/>
+                                        </p:tgtEl>
+                                      </p:cBhvr>
+                                    </p:animEffect>
+                                  </p:childTnLst>
+                                </p:cTn>
+                              </p:par>
+                            </p:childTnLst>
+                          </p:cTn>
+                        </p:par>
+                        <p:par>
+                          <p:cTn id="148" fill="hold">
+                            <p:stCondLst>
+                              <p:cond delay="38750"/>
+                            </p:stCondLst>
+                            <p:childTnLst>
+                              <p:par>
+                                <p:cTn id="149" presetID="22" presetClass="entr" presetSubtype="8" fill="hold" grpId="0" nodeType="afterEffect">
+                                  <p:stCondLst>
+                                    <p:cond delay="0"/>
+                                  </p:stCondLst>
+                                  <p:childTnLst>
+                                    <p:set>
+                                      <p:cBhvr>
+                                        <p:cTn id="150" dur="1" fill="hold">
+                                          <p:stCondLst>
+                                            <p:cond delay="0"/>
+                                          </p:stCondLst>
+                                        </p:cTn>
+                                        <p:tgtEl>
+                                          <p:spTgt spid="48"/>
+                                        </p:tgtEl>
+                                        <p:attrNameLst>
+                                          <p:attrName>style.visibility</p:attrName>
+                                        </p:attrNameLst>
+                                      </p:cBhvr>
+                                      <p:to>
+                                        <p:strVal val="visible"/>
+                                      </p:to>
+                                    </p:set>
+                                    <p:animEffect transition="in" filter="wipe(left)">
+                                      <p:cBhvr>
+                                        <p:cTn id="151" dur="3000"/>
+                                        <p:tgtEl>
+                                          <p:spTgt spid="48"/>
+                                        </p:tgtEl>
+                                      </p:cBhvr>
+                                    </p:animEffect>
+                                  </p:childTnLst>
+                                </p:cTn>
+                              </p:par>
+                            </p:childTnLst>
+                          </p:cTn>
+                        </p:par>
+                        <p:par>
+                          <p:cTn id="152" fill="hold">
+                            <p:stCondLst>
+                              <p:cond delay="41750"/>
+                            </p:stCondLst>
+                            <p:childTnLst>
+                              <p:par>
+                                <p:cTn id="153" presetID="10" presetClass="entr" presetSubtype="0" fill="hold" nodeType="afterEffect">
+                                  <p:stCondLst>
+                                    <p:cond delay="0"/>
+                                  </p:stCondLst>
+                                  <p:childTnLst>
+                                    <p:set>
+                                      <p:cBhvr>
+                                        <p:cTn id="154" dur="1" fill="hold">
+                                          <p:stCondLst>
+                                            <p:cond delay="0"/>
+                                          </p:stCondLst>
+                                        </p:cTn>
+                                        <p:tgtEl>
+                                          <p:spTgt spid="5"/>
+                                        </p:tgtEl>
+                                        <p:attrNameLst>
+                                          <p:attrName>style.visibility</p:attrName>
+                                        </p:attrNameLst>
+                                      </p:cBhvr>
+                                      <p:to>
+                                        <p:strVal val="visible"/>
+                                      </p:to>
+                                    </p:set>
+                                    <p:animEffect transition="in" filter="fade">
+                                      <p:cBhvr>
+                                        <p:cTn id="155" dur="500"/>
+                                        <p:tgtEl>
+                                          <p:spTgt spid="5"/>
+                                        </p:tgtEl>
+                                      </p:cBhvr>
+                                    </p:animEffect>
+                                  </p:childTnLst>
+                                </p:cTn>
+                              </p:par>
+                              <p:par>
+                                <p:cTn id="156" presetID="22" presetClass="entr" presetSubtype="4" fill="hold" nodeType="withEffect">
+                                  <p:stCondLst>
+                                    <p:cond delay="0"/>
+                                  </p:stCondLst>
+                                  <p:childTnLst>
+                                    <p:set>
+                                      <p:cBhvr>
+                                        <p:cTn id="157" dur="1" fill="hold">
+                                          <p:stCondLst>
+                                            <p:cond delay="0"/>
+                                          </p:stCondLst>
+                                        </p:cTn>
+                                        <p:tgtEl>
+                                          <p:spTgt spid="38"/>
+                                        </p:tgtEl>
+                                        <p:attrNameLst>
+                                          <p:attrName>style.visibility</p:attrName>
+                                        </p:attrNameLst>
+                                      </p:cBhvr>
+                                      <p:to>
+                                        <p:strVal val="visible"/>
+                                      </p:to>
+                                    </p:set>
+                                    <p:animEffect transition="in" filter="wipe(down)">
+                                      <p:cBhvr>
+                                        <p:cTn id="158" dur="500"/>
+                                        <p:tgtEl>
+                                          <p:spTgt spid="38"/>
+                                        </p:tgtEl>
+                                      </p:cBhvr>
+                                    </p:animEffect>
+                                  </p:childTnLst>
+                                </p:cTn>
+                              </p:par>
+                            </p:childTnLst>
+                          </p:cTn>
+                        </p:par>
+                        <p:par>
+                          <p:cTn id="159" fill="hold">
+                            <p:stCondLst>
+                              <p:cond delay="42250"/>
+                            </p:stCondLst>
+                            <p:childTnLst>
+                              <p:par>
+                                <p:cTn id="160" presetID="42" presetClass="path" presetSubtype="0" accel="50000" decel="50000" fill="hold" nodeType="afterEffect">
+                                  <p:stCondLst>
+                                    <p:cond delay="1000"/>
+                                  </p:stCondLst>
+                                  <p:childTnLst>
+                                    <p:animMotion origin="layout" path="M 2.08333E-7 -2.22222E-6 L 0.19779 -0.06713 " pathEditMode="relative" rAng="0" ptsTypes="AA">
+                                      <p:cBhvr>
+                                        <p:cTn id="161" dur="5000" fill="hold"/>
+                                        <p:tgtEl>
+                                          <p:spTgt spid="5"/>
+                                        </p:tgtEl>
+                                        <p:attrNameLst>
+                                          <p:attrName>ppt_x</p:attrName>
+                                          <p:attrName>ppt_y</p:attrName>
+                                        </p:attrNameLst>
+                                      </p:cBhvr>
+                                      <p:rCtr x="9883" y="-3356"/>
+                                    </p:animMotion>
+                                  </p:childTnLst>
+                                </p:cTn>
+                              </p:par>
+                              <p:par>
+                                <p:cTn id="162" presetID="42" presetClass="path" presetSubtype="0" accel="50000" decel="50000" fill="hold" nodeType="withEffect">
+                                  <p:stCondLst>
+                                    <p:cond delay="1000"/>
+                                  </p:stCondLst>
+                                  <p:childTnLst>
+                                    <p:animMotion origin="layout" path="M 1.25E-6 -7.40741E-7 L 0.19687 -0.06505 " pathEditMode="relative" rAng="0" ptsTypes="AA">
+                                      <p:cBhvr>
+                                        <p:cTn id="163" dur="5000" fill="hold"/>
+                                        <p:tgtEl>
+                                          <p:spTgt spid="38"/>
+                                        </p:tgtEl>
+                                        <p:attrNameLst>
+                                          <p:attrName>ppt_x</p:attrName>
+                                          <p:attrName>ppt_y</p:attrName>
+                                        </p:attrNameLst>
+                                      </p:cBhvr>
+                                      <p:rCtr x="9844" y="-3264"/>
+                                    </p:animMotion>
+                                  </p:childTnLst>
+                                </p:cTn>
+                              </p:par>
+                            </p:childTnLst>
+                          </p:cTn>
+                        </p:par>
+                        <p:par>
+                          <p:cTn id="164" fill="hold">
+                            <p:stCondLst>
+                              <p:cond delay="48250"/>
+                            </p:stCondLst>
+                            <p:childTnLst>
+                              <p:par>
+                                <p:cTn id="165" presetID="1" presetClass="entr" presetSubtype="0" fill="hold" grpId="0" nodeType="afterEffect">
+                                  <p:stCondLst>
+                                    <p:cond delay="0"/>
+                                  </p:stCondLst>
+                                  <p:childTnLst>
+                                    <p:set>
+                                      <p:cBhvr>
+                                        <p:cTn id="166" dur="1" fill="hold">
+                                          <p:stCondLst>
+                                            <p:cond delay="0"/>
+                                          </p:stCondLst>
+                                        </p:cTn>
+                                        <p:tgtEl>
+                                          <p:spTgt spid="43"/>
+                                        </p:tgtEl>
+                                        <p:attrNameLst>
+                                          <p:attrName>style.visibility</p:attrName>
+                                        </p:attrNameLst>
+                                      </p:cBhvr>
+                                      <p:to>
+                                        <p:strVal val="visible"/>
+                                      </p:to>
+                                    </p:set>
+                                  </p:childTnLst>
+                                </p:cTn>
+                              </p:par>
+                            </p:childTnLst>
+                          </p:cTn>
+                        </p:par>
+                        <p:par>
+                          <p:cTn id="167" fill="hold">
+                            <p:stCondLst>
+                              <p:cond delay="48250"/>
+                            </p:stCondLst>
+                            <p:childTnLst>
+                              <p:par>
+                                <p:cTn id="168" presetID="50" presetClass="path" presetSubtype="0" accel="50000" decel="50000" fill="hold" nodeType="afterEffect">
+                                  <p:stCondLst>
+                                    <p:cond delay="0"/>
+                                  </p:stCondLst>
+                                  <p:childTnLst>
+                                    <p:animMotion origin="layout" path="M 0.19687 -0.06505 L 0.25872 -0.06505 C 0.28659 -0.06505 0.32096 -0.05 0.32096 -0.03773 L 0.32096 -0.00995 " pathEditMode="relative" rAng="0" ptsTypes="AAAA">
+                                      <p:cBhvr>
+                                        <p:cTn id="169" dur="3000" fill="hold"/>
+                                        <p:tgtEl>
+                                          <p:spTgt spid="38"/>
+                                        </p:tgtEl>
+                                        <p:attrNameLst>
+                                          <p:attrName>ppt_x</p:attrName>
+                                          <p:attrName>ppt_y</p:attrName>
+                                        </p:attrNameLst>
+                                      </p:cBhvr>
+                                      <p:rCtr x="6198" y="2755"/>
+                                    </p:animMotion>
+                                  </p:childTnLst>
+                                </p:cTn>
+                              </p:par>
+                            </p:childTnLst>
+                          </p:cTn>
+                        </p:par>
+                        <p:par>
+                          <p:cTn id="170" fill="hold">
+                            <p:stCondLst>
+                              <p:cond delay="51250"/>
+                            </p:stCondLst>
+                            <p:childTnLst>
+                              <p:par>
+                                <p:cTn id="171" presetID="10" presetClass="exit" presetSubtype="0" fill="hold" nodeType="afterEffect">
+                                  <p:stCondLst>
+                                    <p:cond delay="0"/>
+                                  </p:stCondLst>
+                                  <p:childTnLst>
+                                    <p:animEffect transition="out" filter="fade">
+                                      <p:cBhvr>
+                                        <p:cTn id="172" dur="500"/>
+                                        <p:tgtEl>
+                                          <p:spTgt spid="5"/>
+                                        </p:tgtEl>
+                                      </p:cBhvr>
+                                    </p:animEffect>
+                                    <p:set>
+                                      <p:cBhvr>
+                                        <p:cTn id="173" dur="1" fill="hold">
+                                          <p:stCondLst>
+                                            <p:cond delay="499"/>
+                                          </p:stCondLst>
+                                        </p:cTn>
+                                        <p:tgtEl>
+                                          <p:spTgt spid="5"/>
+                                        </p:tgtEl>
+                                        <p:attrNameLst>
+                                          <p:attrName>style.visibility</p:attrName>
+                                        </p:attrNameLst>
+                                      </p:cBhvr>
+                                      <p:to>
+                                        <p:strVal val="hidden"/>
+                                      </p:to>
+                                    </p:set>
+                                  </p:childTnLst>
+                                </p:cTn>
+                              </p:par>
+                              <p:par>
+                                <p:cTn id="174" presetID="10" presetClass="exit" presetSubtype="0" fill="hold" nodeType="withEffect">
+                                  <p:stCondLst>
+                                    <p:cond delay="0"/>
+                                  </p:stCondLst>
+                                  <p:childTnLst>
+                                    <p:animEffect transition="out" filter="fade">
+                                      <p:cBhvr>
+                                        <p:cTn id="175" dur="500"/>
+                                        <p:tgtEl>
+                                          <p:spTgt spid="38"/>
+                                        </p:tgtEl>
+                                      </p:cBhvr>
+                                    </p:animEffect>
+                                    <p:set>
+                                      <p:cBhvr>
+                                        <p:cTn id="176" dur="1" fill="hold">
+                                          <p:stCondLst>
+                                            <p:cond delay="499"/>
+                                          </p:stCondLst>
+                                        </p:cTn>
+                                        <p:tgtEl>
+                                          <p:spTgt spid="38"/>
+                                        </p:tgtEl>
+                                        <p:attrNameLst>
+                                          <p:attrName>style.visibility</p:attrName>
+                                        </p:attrNameLst>
+                                      </p:cBhvr>
+                                      <p:to>
+                                        <p:strVal val="hidden"/>
+                                      </p:to>
+                                    </p:set>
+                                  </p:childTnLst>
+                                </p:cTn>
+                              </p:par>
+                            </p:childTnLst>
+                          </p:cTn>
+                        </p:par>
+                        <p:par>
+                          <p:cTn id="177" fill="hold">
+                            <p:stCondLst>
+                              <p:cond delay="51750"/>
+                            </p:stCondLst>
+                            <p:childTnLst>
+                              <p:par>
+                                <p:cTn id="178" presetID="22" presetClass="entr" presetSubtype="4" fill="hold" nodeType="afterEffect">
+                                  <p:stCondLst>
+                                    <p:cond delay="0"/>
+                                  </p:stCondLst>
+                                  <p:childTnLst>
+                                    <p:set>
+                                      <p:cBhvr>
+                                        <p:cTn id="179" dur="1" fill="hold">
+                                          <p:stCondLst>
+                                            <p:cond delay="0"/>
+                                          </p:stCondLst>
+                                        </p:cTn>
+                                        <p:tgtEl>
+                                          <p:spTgt spid="45"/>
+                                        </p:tgtEl>
+                                        <p:attrNameLst>
+                                          <p:attrName>style.visibility</p:attrName>
+                                        </p:attrNameLst>
+                                      </p:cBhvr>
+                                      <p:to>
+                                        <p:strVal val="visible"/>
+                                      </p:to>
+                                    </p:set>
+                                    <p:animEffect transition="in" filter="wipe(down)">
+                                      <p:cBhvr>
+                                        <p:cTn id="180" dur="500"/>
+                                        <p:tgtEl>
+                                          <p:spTgt spid="45"/>
+                                        </p:tgtEl>
+                                      </p:cBhvr>
+                                    </p:animEffect>
+                                  </p:childTnLst>
+                                </p:cTn>
+                              </p:par>
+                            </p:childTnLst>
+                          </p:cTn>
+                        </p:par>
+                        <p:par>
+                          <p:cTn id="181" fill="hold">
+                            <p:stCondLst>
+                              <p:cond delay="52250"/>
+                            </p:stCondLst>
+                            <p:childTnLst>
+                              <p:par>
+                                <p:cTn id="182" presetID="10" presetClass="entr" presetSubtype="0" fill="hold" nodeType="afterEffect">
+                                  <p:stCondLst>
+                                    <p:cond delay="0"/>
+                                  </p:stCondLst>
+                                  <p:childTnLst>
+                                    <p:set>
+                                      <p:cBhvr>
+                                        <p:cTn id="183" dur="1" fill="hold">
+                                          <p:stCondLst>
+                                            <p:cond delay="0"/>
+                                          </p:stCondLst>
+                                        </p:cTn>
+                                        <p:tgtEl>
+                                          <p:spTgt spid="47"/>
+                                        </p:tgtEl>
+                                        <p:attrNameLst>
+                                          <p:attrName>style.visibility</p:attrName>
+                                        </p:attrNameLst>
+                                      </p:cBhvr>
+                                      <p:to>
+                                        <p:strVal val="visible"/>
+                                      </p:to>
+                                    </p:set>
+                                    <p:animEffect transition="in" filter="fade">
+                                      <p:cBhvr>
+                                        <p:cTn id="184" dur="500"/>
+                                        <p:tgtEl>
+                                          <p:spTgt spid="47"/>
+                                        </p:tgtEl>
+                                      </p:cBhvr>
+                                    </p:animEffect>
+                                  </p:childTnLst>
+                                </p:cTn>
+                              </p:par>
+                            </p:childTnLst>
+                          </p:cTn>
+                        </p:par>
+                      </p:childTnLst>
+                    </p:cTn>
+                  </p:par>
+                </p:childTnLst>
+              </p:cTn>
+              <p:prevCondLst>
+                <p:cond evt="onPrev" delay="0">
+                  <p:tgtEl>
+                    <p:sldTgt/>
+                  </p:tgtEl>
+                </p:cond>
+              </p:prevCondLst>
+              <p:nextCondLst>
+                <p:cond evt="onNext" delay="0">
+                  <p:tgtEl>
+                    <p:sldTgt/>
+                  </p:tgtEl>
+                </p:cond>
+              </p:nextCondLst>
+            </p:seq>
+          </p:childTnLst>
+        </p:cTn>
+      </p:par>
+    </p:tnLst>
+    <p:bldLst>
+      <p:bldP spid="3" grpId="0" animBg="1"/>
+      <p:bldP spid="11" grpId="0" animBg="1"/>
+      <p:bldP spid="20" grpId="0"/>
+      <p:bldP spid="21" grpId="0"/>
+      <p:bldP spid="34" grpId="0" animBg="1"/>
+      <p:bldP spid="37" grpId="0" animBg="1"/>
+      <p:bldP spid="39" grpId="0" animBg="1"/>
+      <p:bldP spid="32" grpId="0"/>
+      <p:bldP spid="33" grpId="0"/>
+      <p:bldP spid="43" grpId="0" animBg="1"/>
+      <p:bldP spid="48" grpId="0" animBg="1"/>
+      <p:bldP spid="4" grpId="0" animBg="1"/>
+      <p:bldP spid="4" grpId="1" animBg="1"/>
+      <p:bldP spid="6" grpId="0" animBg="1"/>
+      <p:bldP spid="6" grpId="1" animBg="1"/>
+      <p:bldP spid="9" grpId="0" animBg="1"/>
+      <p:bldP spid="9" grpId="1" animBg="1"/>
+      <p:bldP spid="10" grpId="0" animBg="1"/>
+      <p:bldP spid="10" grpId="1" animBg="1"/>
+      <p:bldP spid="12" grpId="0" animBg="1"/>
+      <p:bldP spid="12" grpId="1" animBg="1"/>
+      <p:bldP spid="35" grpId="0" animBg="1"/>
+      <p:bldP spid="35" grpId="1" animBg="1"/>
+      <p:bldP spid="36" grpId="0" animBg="1"/>
+      <p:bldP spid="36" grpId="1" animBg="1"/>
+    </p:bldLst>
+  </p:timing>
 </p:sld>
 </file>
 
@@ -12159,15 +16223,6 @@
 </file>
 
 <file path=customXml/item1.xml><?xml version="1.0" encoding="utf-8"?>
-<?mso-contentType ?>
-<FormTemplates xmlns="http://schemas.microsoft.com/sharepoint/v3/contenttype/forms">
-  <Display>DocumentLibraryForm</Display>
-  <Edit>DocumentLibraryForm</Edit>
-  <New>DocumentLibraryForm</New>
-</FormTemplates>
-</file>
-
-<file path=customXml/item2.xml><?xml version="1.0" encoding="utf-8"?>
 <ct:contentTypeSchema xmlns:ct="http://schemas.microsoft.com/office/2006/metadata/contentType" xmlns:ma="http://schemas.microsoft.com/office/2006/metadata/properties/metaAttributes" ct:_="" ma:_="" ma:contentTypeName="Document" ma:contentTypeID="0x010100F132B9D669F4EC4BAB1D5C90AACD7F14" ma:contentTypeVersion="14" ma:contentTypeDescription="Create a new document." ma:contentTypeScope="" ma:versionID="4caf2f1c01fd27045a37f09237b1c7f5">
   <xsd:schema xmlns:xsd="http://www.w3.org/2001/XMLSchema" xmlns:xs="http://www.w3.org/2001/XMLSchema" xmlns:p="http://schemas.microsoft.com/office/2006/metadata/properties" xmlns:ns3="fec3b462-023f-4d5d-916e-ea1f58025ed9" xmlns:ns4="c820ed94-89e5-4068-a496-b05f100dec8e" targetNamespace="http://schemas.microsoft.com/office/2006/metadata/properties" ma:root="true" ma:fieldsID="bd2f0e76fdbd748911d9a962320caf88" ns3:_="" ns4:_="">
     <xsd:import namespace="fec3b462-023f-4d5d-916e-ea1f58025ed9"/>
@@ -12394,6 +16449,15 @@
 </ct:contentTypeSchema>
 </file>
 
+<file path=customXml/item2.xml><?xml version="1.0" encoding="utf-8"?>
+<?mso-contentType ?>
+<FormTemplates xmlns="http://schemas.microsoft.com/sharepoint/v3/contenttype/forms">
+  <Display>DocumentLibraryForm</Display>
+  <Edit>DocumentLibraryForm</Edit>
+  <New>DocumentLibraryForm</New>
+</FormTemplates>
+</file>
+
 <file path=customXml/item3.xml><?xml version="1.0" encoding="utf-8"?>
 <p:properties xmlns:p="http://schemas.microsoft.com/office/2006/metadata/properties" xmlns:xsi="http://www.w3.org/2001/XMLSchema-instance" xmlns:pc="http://schemas.microsoft.com/office/infopath/2007/PartnerControls">
   <documentManagement>
@@ -12403,14 +16467,6 @@
 </file>
 
 <file path=customXml/itemProps1.xml><?xml version="1.0" encoding="utf-8"?>
-<ds:datastoreItem xmlns:ds="http://schemas.openxmlformats.org/officeDocument/2006/customXml" ds:itemID="{726ECC11-8EF4-42B8-B9B7-B13B86BFFAF6}">
-  <ds:schemaRefs>
-    <ds:schemaRef ds:uri="http://schemas.microsoft.com/sharepoint/v3/contenttype/forms"/>
-  </ds:schemaRefs>
-</ds:datastoreItem>
-</file>
-
-<file path=customXml/itemProps2.xml><?xml version="1.0" encoding="utf-8"?>
 <ds:datastoreItem xmlns:ds="http://schemas.openxmlformats.org/officeDocument/2006/customXml" ds:itemID="{3E27DA02-E4CF-46D8-9B8D-27F2DD1EF37A}">
   <ds:schemaRefs>
     <ds:schemaRef ds:uri="http://schemas.microsoft.com/office/2006/metadata/contentType"/>
@@ -12425,6 +16481,14 @@
     <ds:schemaRef ds:uri="http://purl.org/dc/elements/1.1/"/>
     <ds:schemaRef ds:uri="http://purl.org/dc/terms/"/>
     <ds:schemaRef ds:uri="http://schemas.microsoft.com/internal/obd"/>
+  </ds:schemaRefs>
+</ds:datastoreItem>
+</file>
+
+<file path=customXml/itemProps2.xml><?xml version="1.0" encoding="utf-8"?>
+<ds:datastoreItem xmlns:ds="http://schemas.openxmlformats.org/officeDocument/2006/customXml" ds:itemID="{726ECC11-8EF4-42B8-B9B7-B13B86BFFAF6}">
+  <ds:schemaRefs>
+    <ds:schemaRef ds:uri="http://schemas.microsoft.com/sharepoint/v3/contenttype/forms"/>
   </ds:schemaRefs>
 </ds:datastoreItem>
 </file>

--- a/Documents/biops_presentation.pptx
+++ b/Documents/biops_presentation.pptx
@@ -5,7 +5,7 @@
     <p:sldMasterId id="2147483648" r:id="rId4"/>
   </p:sldMasterIdLst>
   <p:notesMasterIdLst>
-    <p:notesMasterId r:id="rId17"/>
+    <p:notesMasterId r:id="rId18"/>
   </p:notesMasterIdLst>
   <p:sldIdLst>
     <p:sldId id="264" r:id="rId5"/>
@@ -18,8 +18,9 @@
     <p:sldId id="259" r:id="rId12"/>
     <p:sldId id="270" r:id="rId13"/>
     <p:sldId id="260" r:id="rId14"/>
-    <p:sldId id="271" r:id="rId15"/>
-    <p:sldId id="272" r:id="rId16"/>
+    <p:sldId id="277" r:id="rId15"/>
+    <p:sldId id="271" r:id="rId16"/>
+    <p:sldId id="272" r:id="rId17"/>
   </p:sldIdLst>
   <p:sldSz cx="12192000" cy="6858000"/>
   <p:notesSz cx="6858000" cy="9144000"/>
@@ -903,6 +904,96 @@
               <a:rPr lang="en-GB" smtClean="0"/>
               <a:pPr/>
               <a:t>10</a:t>
+            </a:fld>
+            <a:endParaRPr lang="en-GB" sz="800" dirty="0"/>
+          </a:p>
+        </p:txBody>
+      </p:sp>
+    </p:spTree>
+    <p:extLst>
+      <p:ext uri="{BB962C8B-B14F-4D97-AF65-F5344CB8AC3E}">
+        <p14:creationId xmlns:p14="http://schemas.microsoft.com/office/powerpoint/2010/main" val="3557167990"/>
+      </p:ext>
+    </p:extLst>
+  </p:cSld>
+  <p:clrMapOvr>
+    <a:masterClrMapping/>
+  </p:clrMapOvr>
+</p:notes>
+</file>
+
+<file path=ppt/notesSlides/notesSlide6.xml><?xml version="1.0" encoding="utf-8"?>
+<p:notes xmlns:a="http://schemas.openxmlformats.org/drawingml/2006/main" xmlns:r="http://schemas.openxmlformats.org/officeDocument/2006/relationships" xmlns:p="http://schemas.openxmlformats.org/presentationml/2006/main">
+  <p:cSld>
+    <p:spTree>
+      <p:nvGrpSpPr>
+        <p:cNvPr id="1" name=""/>
+        <p:cNvGrpSpPr/>
+        <p:nvPr/>
+      </p:nvGrpSpPr>
+      <p:grpSpPr>
+        <a:xfrm>
+          <a:off x="0" y="0"/>
+          <a:ext cx="0" cy="0"/>
+          <a:chOff x="0" y="0"/>
+          <a:chExt cx="0" cy="0"/>
+        </a:xfrm>
+      </p:grpSpPr>
+      <p:sp>
+        <p:nvSpPr>
+          <p:cNvPr id="2" name="Slide Image Placeholder 1"/>
+          <p:cNvSpPr>
+            <a:spLocks noGrp="1" noRot="1" noChangeAspect="1"/>
+          </p:cNvSpPr>
+          <p:nvPr>
+            <p:ph type="sldImg"/>
+          </p:nvPr>
+        </p:nvSpPr>
+        <p:spPr>
+          <a:xfrm>
+            <a:off x="360363" y="1479550"/>
+            <a:ext cx="6137275" cy="3452813"/>
+          </a:xfrm>
+        </p:spPr>
+      </p:sp>
+      <p:sp>
+        <p:nvSpPr>
+          <p:cNvPr id="3" name="Notes Placeholder 2"/>
+          <p:cNvSpPr>
+            <a:spLocks noGrp="1"/>
+          </p:cNvSpPr>
+          <p:nvPr>
+            <p:ph type="body" idx="1"/>
+          </p:nvPr>
+        </p:nvSpPr>
+        <p:spPr/>
+        <p:txBody>
+          <a:bodyPr/>
+          <a:lstStyle/>
+          <a:p>
+            <a:endParaRPr lang="en-US" dirty="0"/>
+          </a:p>
+        </p:txBody>
+      </p:sp>
+      <p:sp>
+        <p:nvSpPr>
+          <p:cNvPr id="4" name="Slide Number Placeholder 3"/>
+          <p:cNvSpPr>
+            <a:spLocks noGrp="1"/>
+          </p:cNvSpPr>
+          <p:nvPr>
+            <p:ph type="sldNum" sz="quarter" idx="5"/>
+          </p:nvPr>
+        </p:nvSpPr>
+        <p:spPr/>
+        <p:txBody>
+          <a:bodyPr/>
+          <a:lstStyle/>
+          <a:p>
+            <a:fld id="{A16CFAD1-D197-4A88-B173-A6412E995EE5}" type="slidenum">
+              <a:rPr lang="en-GB" smtClean="0"/>
+              <a:pPr/>
+              <a:t>11</a:t>
             </a:fld>
             <a:endParaRPr lang="en-GB" sz="800" dirty="0"/>
           </a:p>
@@ -7100,12 +7191,111 @@
           <a:chExt cx="0" cy="0"/>
         </a:xfrm>
       </p:grpSpPr>
+      <p:sp>
+        <p:nvSpPr>
+          <p:cNvPr id="2" name="Title 1">
+            <a:extLst>
+              <a:ext uri="{FF2B5EF4-FFF2-40B4-BE49-F238E27FC236}">
+                <a16:creationId xmlns:a16="http://schemas.microsoft.com/office/drawing/2014/main" id="{C4D911ED-45A4-21F7-C785-C5476A46B792}"/>
+              </a:ext>
+            </a:extLst>
+          </p:cNvPr>
+          <p:cNvSpPr>
+            <a:spLocks noGrp="1"/>
+          </p:cNvSpPr>
+          <p:nvPr>
+            <p:ph type="title" idx="4294967295"/>
+          </p:nvPr>
+        </p:nvSpPr>
+        <p:spPr>
+          <a:xfrm>
+            <a:off x="162808" y="55755"/>
+            <a:ext cx="11041200" cy="460800"/>
+          </a:xfrm>
+          <a:prstGeom prst="rect">
+            <a:avLst/>
+          </a:prstGeom>
+        </p:spPr>
+        <p:txBody>
+          <a:bodyPr/>
+          <a:lstStyle/>
+          <a:p>
+            <a:r>
+              <a:rPr lang="en-US" dirty="0">
+                <a:solidFill>
+                  <a:schemeClr val="tx1"/>
+                </a:solidFill>
+                <a:latin typeface="Helvetica" panose="020B0604020202020204" pitchFamily="34" charset="0"/>
+                <a:cs typeface="Helvetica" panose="020B0604020202020204" pitchFamily="34" charset="0"/>
+              </a:rPr>
+              <a:t>Sequence of Demo</a:t>
+            </a:r>
+          </a:p>
+        </p:txBody>
+      </p:sp>
+      <p:sp>
+        <p:nvSpPr>
+          <p:cNvPr id="7" name="Title 1">
+            <a:extLst>
+              <a:ext uri="{FF2B5EF4-FFF2-40B4-BE49-F238E27FC236}">
+                <a16:creationId xmlns:a16="http://schemas.microsoft.com/office/drawing/2014/main" id="{8825D293-2320-DF93-A0FB-CE8B5FB3EBD1}"/>
+              </a:ext>
+            </a:extLst>
+          </p:cNvPr>
+          <p:cNvSpPr txBox="1">
+            <a:spLocks/>
+          </p:cNvSpPr>
+          <p:nvPr/>
+        </p:nvSpPr>
+        <p:spPr>
+          <a:xfrm>
+            <a:off x="95199" y="1923481"/>
+            <a:ext cx="11879756" cy="4934519"/>
+          </a:xfrm>
+          <a:prstGeom prst="rect">
+            <a:avLst/>
+          </a:prstGeom>
+        </p:spPr>
+        <p:txBody>
+          <a:bodyPr vert="horz" lIns="0" tIns="0" rIns="0" bIns="0" rtlCol="0" anchor="t" anchorCtr="0">
+            <a:noAutofit/>
+          </a:bodyPr>
+          <a:lstStyle>
+            <a:lvl1pPr algn="l" defTabSz="914400" rtl="0" eaLnBrk="1" latinLnBrk="0" hangingPunct="1">
+              <a:lnSpc>
+                <a:spcPct val="90000"/>
+              </a:lnSpc>
+              <a:spcBef>
+                <a:spcPct val="0"/>
+              </a:spcBef>
+              <a:buNone/>
+              <a:defRPr sz="3200" b="0" kern="1200">
+                <a:solidFill>
+                  <a:schemeClr val="accent1"/>
+                </a:solidFill>
+                <a:latin typeface="+mj-lt"/>
+                <a:ea typeface="+mj-ea"/>
+                <a:cs typeface="+mj-cs"/>
+              </a:defRPr>
+            </a:lvl1pPr>
+          </a:lstStyle>
+          <a:p>
+            <a:endParaRPr lang="en-US" sz="1000" dirty="0">
+              <a:solidFill>
+                <a:schemeClr val="tx1"/>
+              </a:solidFill>
+              <a:latin typeface="+mn-lt"/>
+              <a:cs typeface="Helvetica" panose="020B0604020202020204" pitchFamily="34" charset="0"/>
+            </a:endParaRPr>
+          </a:p>
+        </p:txBody>
+      </p:sp>
       <p:pic>
         <p:nvPicPr>
-          <p:cNvPr id="3" name="Picture 2" descr="A white hexagons with blue edges&#10;&#10;Description automatically generated">
-            <a:extLst>
-              <a:ext uri="{FF2B5EF4-FFF2-40B4-BE49-F238E27FC236}">
-                <a16:creationId xmlns:a16="http://schemas.microsoft.com/office/drawing/2014/main" id="{B2F1C530-16E9-7FB6-B8D3-BB3A8650EEC8}"/>
+          <p:cNvPr id="6" name="Picture 5" descr="A blue logo on a white background&#10;&#10;Description automatically generated">
+            <a:extLst>
+              <a:ext uri="{FF2B5EF4-FFF2-40B4-BE49-F238E27FC236}">
+                <a16:creationId xmlns:a16="http://schemas.microsoft.com/office/drawing/2014/main" id="{0ECA982E-16CF-F736-1E82-5782CD552BC8}"/>
               </a:ext>
             </a:extLst>
           </p:cNvPr>
@@ -7115,11 +7305,10 @@
           <p:nvPr/>
         </p:nvPicPr>
         <p:blipFill>
-          <a:blip r:embed="rId2" cstate="email">
-            <a:alphaModFix amt="35000"/>
+          <a:blip r:embed="rId3">
             <a:extLst>
               <a:ext uri="{28A0092B-C50C-407E-A947-70E740481C1C}">
-                <a14:useLocalDpi xmlns:a14="http://schemas.microsoft.com/office/drawing/2010/main"/>
+                <a14:useLocalDpi xmlns:a14="http://schemas.microsoft.com/office/drawing/2010/main" val="0"/>
               </a:ext>
             </a:extLst>
           </a:blip>
@@ -7129,20 +7318,200 @@
         </p:blipFill>
         <p:spPr>
           <a:xfrm>
-            <a:off x="0" y="0"/>
-            <a:ext cx="12192000" cy="6858000"/>
+            <a:off x="2852987" y="2762083"/>
+            <a:ext cx="1466662" cy="1466662"/>
           </a:xfrm>
           <a:prstGeom prst="rect">
             <a:avLst/>
           </a:prstGeom>
         </p:spPr>
       </p:pic>
+      <p:pic>
+        <p:nvPicPr>
+          <p:cNvPr id="9" name="Picture 8" descr="A computer screen with a yellow circle and a green tick&#10;&#10;Description automatically generated">
+            <a:extLst>
+              <a:ext uri="{FF2B5EF4-FFF2-40B4-BE49-F238E27FC236}">
+                <a16:creationId xmlns:a16="http://schemas.microsoft.com/office/drawing/2014/main" id="{572330BC-74FE-7745-EA4D-15B31AD386C0}"/>
+              </a:ext>
+            </a:extLst>
+          </p:cNvPr>
+          <p:cNvPicPr>
+            <a:picLocks noChangeAspect="1"/>
+          </p:cNvPicPr>
+          <p:nvPr/>
+        </p:nvPicPr>
+        <p:blipFill>
+          <a:blip r:embed="rId4">
+            <a:extLst>
+              <a:ext uri="{28A0092B-C50C-407E-A947-70E740481C1C}">
+                <a14:useLocalDpi xmlns:a14="http://schemas.microsoft.com/office/drawing/2010/main" val="0"/>
+              </a:ext>
+            </a:extLst>
+          </a:blip>
+          <a:stretch>
+            <a:fillRect/>
+          </a:stretch>
+        </p:blipFill>
+        <p:spPr>
+          <a:xfrm>
+            <a:off x="217045" y="2682415"/>
+            <a:ext cx="1590675" cy="1781175"/>
+          </a:xfrm>
+          <a:prstGeom prst="rect">
+            <a:avLst/>
+          </a:prstGeom>
+        </p:spPr>
+      </p:pic>
+      <p:pic>
+        <p:nvPicPr>
+          <p:cNvPr id="13" name="Picture 12">
+            <a:extLst>
+              <a:ext uri="{FF2B5EF4-FFF2-40B4-BE49-F238E27FC236}">
+                <a16:creationId xmlns:a16="http://schemas.microsoft.com/office/drawing/2014/main" id="{7799F3B1-C832-0129-9A46-894DAE2DEA05}"/>
+              </a:ext>
+            </a:extLst>
+          </p:cNvPr>
+          <p:cNvPicPr>
+            <a:picLocks noChangeAspect="1"/>
+          </p:cNvPicPr>
+          <p:nvPr/>
+        </p:nvPicPr>
+        <p:blipFill>
+          <a:blip r:embed="rId5">
+            <a:extLst>
+              <a:ext uri="{28A0092B-C50C-407E-A947-70E740481C1C}">
+                <a14:useLocalDpi xmlns:a14="http://schemas.microsoft.com/office/drawing/2010/main" val="0"/>
+              </a:ext>
+            </a:extLst>
+          </a:blip>
+          <a:stretch>
+            <a:fillRect/>
+          </a:stretch>
+        </p:blipFill>
+        <p:spPr>
+          <a:xfrm>
+            <a:off x="5509963" y="2734878"/>
+            <a:ext cx="2987207" cy="1676250"/>
+          </a:xfrm>
+          <a:prstGeom prst="rect">
+            <a:avLst/>
+          </a:prstGeom>
+        </p:spPr>
+      </p:pic>
+      <p:pic>
+        <p:nvPicPr>
+          <p:cNvPr id="19" name="Picture 18" descr="A logo of a company&#10;&#10;Description automatically generated">
+            <a:extLst>
+              <a:ext uri="{FF2B5EF4-FFF2-40B4-BE49-F238E27FC236}">
+                <a16:creationId xmlns:a16="http://schemas.microsoft.com/office/drawing/2014/main" id="{8D678859-A853-2FAB-1F04-66F46FB7B984}"/>
+              </a:ext>
+            </a:extLst>
+          </p:cNvPr>
+          <p:cNvPicPr>
+            <a:picLocks noChangeAspect="1"/>
+          </p:cNvPicPr>
+          <p:nvPr/>
+        </p:nvPicPr>
+        <p:blipFill>
+          <a:blip r:embed="rId6">
+            <a:extLst>
+              <a:ext uri="{28A0092B-C50C-407E-A947-70E740481C1C}">
+                <a14:useLocalDpi xmlns:a14="http://schemas.microsoft.com/office/drawing/2010/main" val="0"/>
+              </a:ext>
+            </a:extLst>
+          </a:blip>
+          <a:stretch>
+            <a:fillRect/>
+          </a:stretch>
+        </p:blipFill>
+        <p:spPr>
+          <a:xfrm>
+            <a:off x="10077201" y="2579700"/>
+            <a:ext cx="1831428" cy="1831428"/>
+          </a:xfrm>
+          <a:prstGeom prst="rect">
+            <a:avLst/>
+          </a:prstGeom>
+        </p:spPr>
+      </p:pic>
+      <p:pic>
+        <p:nvPicPr>
+          <p:cNvPr id="21" name="Picture 20" descr="A blue and green logo&#10;&#10;Description automatically generated">
+            <a:extLst>
+              <a:ext uri="{FF2B5EF4-FFF2-40B4-BE49-F238E27FC236}">
+                <a16:creationId xmlns:a16="http://schemas.microsoft.com/office/drawing/2014/main" id="{F94087DA-7C4A-67B7-85F5-5EBE78D29108}"/>
+              </a:ext>
+            </a:extLst>
+          </p:cNvPr>
+          <p:cNvPicPr>
+            <a:picLocks noChangeAspect="1"/>
+          </p:cNvPicPr>
+          <p:nvPr/>
+        </p:nvPicPr>
+        <p:blipFill>
+          <a:blip r:embed="rId7">
+            <a:extLst>
+              <a:ext uri="{28A0092B-C50C-407E-A947-70E740481C1C}">
+                <a14:useLocalDpi xmlns:a14="http://schemas.microsoft.com/office/drawing/2010/main" val="0"/>
+              </a:ext>
+            </a:extLst>
+          </a:blip>
+          <a:stretch>
+            <a:fillRect/>
+          </a:stretch>
+        </p:blipFill>
+        <p:spPr>
+          <a:xfrm>
+            <a:off x="9687484" y="2203108"/>
+            <a:ext cx="889195" cy="632442"/>
+          </a:xfrm>
+          <a:prstGeom prst="rect">
+            <a:avLst/>
+          </a:prstGeom>
+        </p:spPr>
+      </p:pic>
+      <p:pic>
+        <p:nvPicPr>
+          <p:cNvPr id="25" name="Picture 24" descr="A yellow rectangular shapes on a black background&#10;&#10;Description automatically generated">
+            <a:extLst>
+              <a:ext uri="{FF2B5EF4-FFF2-40B4-BE49-F238E27FC236}">
+                <a16:creationId xmlns:a16="http://schemas.microsoft.com/office/drawing/2014/main" id="{F63E02D8-29C2-051E-0DD8-F47D0EAF4682}"/>
+              </a:ext>
+            </a:extLst>
+          </p:cNvPr>
+          <p:cNvPicPr>
+            <a:picLocks noChangeAspect="1"/>
+          </p:cNvPicPr>
+          <p:nvPr/>
+        </p:nvPicPr>
+        <p:blipFill>
+          <a:blip r:embed="rId8">
+            <a:extLst>
+              <a:ext uri="{28A0092B-C50C-407E-A947-70E740481C1C}">
+                <a14:useLocalDpi xmlns:a14="http://schemas.microsoft.com/office/drawing/2010/main" val="0"/>
+              </a:ext>
+            </a:extLst>
+          </a:blip>
+          <a:stretch>
+            <a:fillRect/>
+          </a:stretch>
+        </p:blipFill>
+        <p:spPr>
+          <a:xfrm>
+            <a:off x="10643417" y="3858654"/>
+            <a:ext cx="1891862" cy="1064172"/>
+          </a:xfrm>
+          <a:prstGeom prst="rect">
+            <a:avLst/>
+          </a:prstGeom>
+        </p:spPr>
+      </p:pic>
       <p:sp>
         <p:nvSpPr>
-          <p:cNvPr id="21" name="Isosceles Triangle 20">
-            <a:extLst>
-              <a:ext uri="{FF2B5EF4-FFF2-40B4-BE49-F238E27FC236}">
-                <a16:creationId xmlns:a16="http://schemas.microsoft.com/office/drawing/2014/main" id="{27015457-004D-ED7D-3B53-4C917E9BF5CA}"/>
+          <p:cNvPr id="26" name="Arrow: Right 25">
+            <a:extLst>
+              <a:ext uri="{FF2B5EF4-FFF2-40B4-BE49-F238E27FC236}">
+                <a16:creationId xmlns:a16="http://schemas.microsoft.com/office/drawing/2014/main" id="{967522E5-196D-01E4-69C6-81438EFC0AB5}"/>
               </a:ext>
             </a:extLst>
           </p:cNvPr>
@@ -7151,20 +7520,26 @@
         </p:nvSpPr>
         <p:spPr>
           <a:xfrm>
-            <a:off x="0" y="0"/>
-            <a:ext cx="9615377" cy="6858000"/>
-          </a:xfrm>
-          <a:prstGeom prst="triangle">
-            <a:avLst>
-              <a:gd name="adj" fmla="val 0"/>
-            </a:avLst>
+            <a:off x="1816366" y="3316738"/>
+            <a:ext cx="882928" cy="357352"/>
+          </a:xfrm>
+          <a:prstGeom prst="rightArrow">
+            <a:avLst/>
           </a:prstGeom>
-          <a:solidFill>
-            <a:srgbClr val="0056AE"/>
-          </a:solidFill>
+          <a:gradFill>
+            <a:gsLst>
+              <a:gs pos="57000">
+                <a:srgbClr val="A4C8E0"/>
+              </a:gs>
+              <a:gs pos="100000">
+                <a:srgbClr val="0070C0"/>
+              </a:gs>
+            </a:gsLst>
+            <a:lin ang="18900000" scaled="1"/>
+          </a:gradFill>
           <a:ln>
             <a:solidFill>
-              <a:srgbClr val="0056AE"/>
+              <a:schemeClr val="accent1"/>
             </a:solidFill>
           </a:ln>
         </p:spPr>
@@ -7195,125 +7570,134 @@
       </p:sp>
       <p:sp>
         <p:nvSpPr>
-          <p:cNvPr id="2" name="Slide Number Placeholder 1">
-            <a:extLst>
-              <a:ext uri="{FF2B5EF4-FFF2-40B4-BE49-F238E27FC236}">
-                <a16:creationId xmlns:a16="http://schemas.microsoft.com/office/drawing/2014/main" id="{759C60B5-1358-D026-FF38-8DBBACD47019}"/>
-              </a:ext>
-            </a:extLst>
-          </p:cNvPr>
-          <p:cNvSpPr>
-            <a:spLocks noGrp="1"/>
-          </p:cNvSpPr>
-          <p:nvPr>
-            <p:ph type="sldNum" sz="quarter" idx="17"/>
-          </p:nvPr>
+          <p:cNvPr id="27" name="Arrow: Right 26">
+            <a:extLst>
+              <a:ext uri="{FF2B5EF4-FFF2-40B4-BE49-F238E27FC236}">
+                <a16:creationId xmlns:a16="http://schemas.microsoft.com/office/drawing/2014/main" id="{8B3DE9B2-E66E-25E2-8022-5AA0C02D9767}"/>
+              </a:ext>
+            </a:extLst>
+          </p:cNvPr>
+          <p:cNvSpPr/>
+          <p:nvPr/>
         </p:nvSpPr>
-        <p:spPr/>
+        <p:spPr>
+          <a:xfrm>
+            <a:off x="4423210" y="3315708"/>
+            <a:ext cx="882928" cy="357352"/>
+          </a:xfrm>
+          <a:prstGeom prst="rightArrow">
+            <a:avLst/>
+          </a:prstGeom>
+          <a:gradFill>
+            <a:gsLst>
+              <a:gs pos="57000">
+                <a:srgbClr val="A4C8E0"/>
+              </a:gs>
+              <a:gs pos="100000">
+                <a:srgbClr val="0070C0"/>
+              </a:gs>
+            </a:gsLst>
+            <a:lin ang="18900000" scaled="1"/>
+          </a:gradFill>
+          <a:ln>
+            <a:solidFill>
+              <a:schemeClr val="accent1"/>
+            </a:solidFill>
+          </a:ln>
+        </p:spPr>
+        <p:style>
+          <a:lnRef idx="2">
+            <a:schemeClr val="accent1">
+              <a:shade val="50000"/>
+            </a:schemeClr>
+          </a:lnRef>
+          <a:fillRef idx="1">
+            <a:schemeClr val="accent1"/>
+          </a:fillRef>
+          <a:effectRef idx="0">
+            <a:schemeClr val="accent1"/>
+          </a:effectRef>
+          <a:fontRef idx="minor">
+            <a:schemeClr val="lt1"/>
+          </a:fontRef>
+        </p:style>
         <p:txBody>
-          <a:bodyPr/>
+          <a:bodyPr lIns="72000" tIns="36000" rIns="72000" bIns="36000" rtlCol="0" anchor="ctr"/>
           <a:lstStyle/>
           <a:p>
-            <a:fld id="{23AA811B-2EBD-4900-905E-5BE206449611}" type="slidenum">
-              <a:rPr lang="en-GB" smtClean="0"/>
-              <a:pPr/>
-              <a:t>11</a:t>
-            </a:fld>
-            <a:endParaRPr lang="en-GB" dirty="0"/>
+            <a:pPr algn="ctr"/>
+            <a:endParaRPr lang="en-ZA" sz="1400" dirty="0" err="1"/>
           </a:p>
         </p:txBody>
       </p:sp>
       <p:sp>
         <p:nvSpPr>
-          <p:cNvPr id="9" name="Text Placeholder 9">
-            <a:extLst>
-              <a:ext uri="{FF2B5EF4-FFF2-40B4-BE49-F238E27FC236}">
-                <a16:creationId xmlns:a16="http://schemas.microsoft.com/office/drawing/2014/main" id="{302E7C59-D305-5F46-C4DF-DEF02469E3CC}"/>
-              </a:ext>
-            </a:extLst>
-          </p:cNvPr>
-          <p:cNvSpPr>
-            <a:spLocks noGrp="1"/>
-          </p:cNvSpPr>
-          <p:nvPr>
-            <p:ph type="body" sz="quarter" idx="19"/>
-          </p:nvPr>
-        </p:nvSpPr>
-        <p:spPr>
-          <a:xfrm>
-            <a:off x="460865" y="6420548"/>
-            <a:ext cx="6312900" cy="244800"/>
-          </a:xfrm>
-        </p:spPr>
-        <p:txBody>
-          <a:bodyPr/>
-          <a:lstStyle/>
-          <a:p>
-            <a:r>
-              <a:rPr lang="en-ZA" dirty="0">
-                <a:latin typeface="Helvetica" panose="020B0604020202020204" pitchFamily="34" charset="0"/>
-                <a:cs typeface="Helvetica" panose="020B0604020202020204" pitchFamily="34" charset="0"/>
-              </a:rPr>
-              <a:t>Data Led: Intelligent Insights</a:t>
-            </a:r>
-          </a:p>
-        </p:txBody>
-      </p:sp>
-      <p:sp>
-        <p:nvSpPr>
-          <p:cNvPr id="7" name="TextBox 6">
-            <a:extLst>
-              <a:ext uri="{FF2B5EF4-FFF2-40B4-BE49-F238E27FC236}">
-                <a16:creationId xmlns:a16="http://schemas.microsoft.com/office/drawing/2014/main" id="{5DA691A9-2FC5-5070-CAD2-884AD82BEF6F}"/>
-              </a:ext>
-            </a:extLst>
-          </p:cNvPr>
-          <p:cNvSpPr txBox="1"/>
+          <p:cNvPr id="28" name="Arrow: Right 27">
+            <a:extLst>
+              <a:ext uri="{FF2B5EF4-FFF2-40B4-BE49-F238E27FC236}">
+                <a16:creationId xmlns:a16="http://schemas.microsoft.com/office/drawing/2014/main" id="{1B62F318-7FC4-CFA5-B661-1E8E17D9E340}"/>
+              </a:ext>
+            </a:extLst>
+          </p:cNvPr>
+          <p:cNvSpPr/>
           <p:nvPr/>
         </p:nvSpPr>
         <p:spPr>
           <a:xfrm>
-            <a:off x="460865" y="4981897"/>
-            <a:ext cx="7470784" cy="553998"/>
-          </a:xfrm>
-          <a:prstGeom prst="rect">
+            <a:off x="8897549" y="3315708"/>
+            <a:ext cx="882928" cy="357352"/>
+          </a:xfrm>
+          <a:prstGeom prst="rightArrow">
             <a:avLst/>
           </a:prstGeom>
-          <a:noFill/>
-        </p:spPr>
+          <a:gradFill>
+            <a:gsLst>
+              <a:gs pos="57000">
+                <a:srgbClr val="A4C8E0"/>
+              </a:gs>
+              <a:gs pos="100000">
+                <a:srgbClr val="0070C0"/>
+              </a:gs>
+            </a:gsLst>
+            <a:lin ang="18900000" scaled="1"/>
+          </a:gradFill>
+          <a:ln>
+            <a:solidFill>
+              <a:schemeClr val="accent1"/>
+            </a:solidFill>
+          </a:ln>
+        </p:spPr>
+        <p:style>
+          <a:lnRef idx="2">
+            <a:schemeClr val="accent1">
+              <a:shade val="50000"/>
+            </a:schemeClr>
+          </a:lnRef>
+          <a:fillRef idx="1">
+            <a:schemeClr val="accent1"/>
+          </a:fillRef>
+          <a:effectRef idx="0">
+            <a:schemeClr val="accent1"/>
+          </a:effectRef>
+          <a:fontRef idx="minor">
+            <a:schemeClr val="lt1"/>
+          </a:fontRef>
+        </p:style>
         <p:txBody>
-          <a:bodyPr wrap="square" lIns="0" tIns="0" rIns="0" bIns="0" rtlCol="0">
-            <a:spAutoFit/>
-          </a:bodyPr>
+          <a:bodyPr lIns="72000" tIns="36000" rIns="72000" bIns="36000" rtlCol="0" anchor="ctr"/>
           <a:lstStyle/>
           <a:p>
-            <a:pPr algn="l">
-              <a:spcAft>
-                <a:spcPts val="600"/>
-              </a:spcAft>
-            </a:pPr>
-            <a:r>
-              <a:rPr lang="en-US" sz="3600" dirty="0">
-                <a:solidFill>
-                  <a:schemeClr val="bg1"/>
-                </a:solidFill>
-              </a:rPr>
-              <a:t>BIOps Demo</a:t>
-            </a:r>
-            <a:endParaRPr lang="en-ZA" sz="3600" dirty="0">
-              <a:solidFill>
-                <a:schemeClr val="bg1"/>
-              </a:solidFill>
-            </a:endParaRPr>
+            <a:pPr algn="ctr"/>
+            <a:endParaRPr lang="en-ZA" sz="1400" dirty="0" err="1"/>
           </a:p>
         </p:txBody>
       </p:sp>
       <p:pic>
         <p:nvPicPr>
-          <p:cNvPr id="5" name="Picture 4" descr="A logo on a black background&#10;&#10;Description automatically generated">
-            <a:extLst>
-              <a:ext uri="{FF2B5EF4-FFF2-40B4-BE49-F238E27FC236}">
-                <a16:creationId xmlns:a16="http://schemas.microsoft.com/office/drawing/2014/main" id="{9F3E140F-F3D0-01D6-801E-82611693B129}"/>
+          <p:cNvPr id="30" name="Picture 29" descr="A black and white symbol&#10;&#10;Description automatically generated">
+            <a:extLst>
+              <a:ext uri="{FF2B5EF4-FFF2-40B4-BE49-F238E27FC236}">
+                <a16:creationId xmlns:a16="http://schemas.microsoft.com/office/drawing/2014/main" id="{20870E54-E4C7-64D3-5CF9-B57DEFD0A45E}"/>
               </a:ext>
             </a:extLst>
           </p:cNvPr>
@@ -7322,86 +7706,488 @@
           </p:cNvPicPr>
           <p:nvPr/>
         </p:nvPicPr>
-        <p:blipFill rotWithShape="1">
-          <a:blip r:embed="rId3" cstate="email">
-            <a:extLst>
+        <p:blipFill>
+          <a:blip r:embed="rId9">
+            <a:extLst>
+              <a:ext uri="{BEBA8EAE-BF5A-486C-A8C5-ECC9F3942E4B}">
+                <a14:imgProps xmlns:a14="http://schemas.microsoft.com/office/drawing/2010/main">
+                  <a14:imgLayer r:embed="rId10">
+                    <a14:imgEffect>
+                      <a14:brightnessContrast bright="40000" contrast="40000"/>
+                    </a14:imgEffect>
+                  </a14:imgLayer>
+                </a14:imgProps>
+              </a:ext>
               <a:ext uri="{28A0092B-C50C-407E-A947-70E740481C1C}">
-                <a14:useLocalDpi xmlns:a14="http://schemas.microsoft.com/office/drawing/2010/main"/>
+                <a14:useLocalDpi xmlns:a14="http://schemas.microsoft.com/office/drawing/2010/main" val="0"/>
               </a:ext>
             </a:extLst>
           </a:blip>
-          <a:srcRect/>
-          <a:stretch/>
+          <a:stretch>
+            <a:fillRect/>
+          </a:stretch>
         </p:blipFill>
         <p:spPr>
           <a:xfrm>
-            <a:off x="9409427" y="5820717"/>
-            <a:ext cx="2321708" cy="722231"/>
+            <a:off x="5508366" y="2734878"/>
+            <a:ext cx="667135" cy="667135"/>
           </a:xfrm>
           <a:prstGeom prst="rect">
             <a:avLst/>
           </a:prstGeom>
         </p:spPr>
       </p:pic>
-      <p:sp>
-        <p:nvSpPr>
-          <p:cNvPr id="4" name="TextBox 3">
-            <a:extLst>
-              <a:ext uri="{FF2B5EF4-FFF2-40B4-BE49-F238E27FC236}">
-                <a16:creationId xmlns:a16="http://schemas.microsoft.com/office/drawing/2014/main" id="{79E86465-4476-47FD-A061-C5452DCA3B73}"/>
-              </a:ext>
-            </a:extLst>
-          </p:cNvPr>
-          <p:cNvSpPr txBox="1"/>
+      <p:pic>
+        <p:nvPicPr>
+          <p:cNvPr id="32" name="Picture 31">
+            <a:extLst>
+              <a:ext uri="{FF2B5EF4-FFF2-40B4-BE49-F238E27FC236}">
+                <a16:creationId xmlns:a16="http://schemas.microsoft.com/office/drawing/2014/main" id="{FF2263DD-C994-6957-43AB-0C96DB50C6FC}"/>
+              </a:ext>
+            </a:extLst>
+          </p:cNvPr>
+          <p:cNvPicPr>
+            <a:picLocks noChangeAspect="1"/>
+          </p:cNvPicPr>
           <p:nvPr/>
-        </p:nvSpPr>
+        </p:nvPicPr>
+        <p:blipFill>
+          <a:blip r:embed="rId11">
+            <a:extLst>
+              <a:ext uri="{BEBA8EAE-BF5A-486C-A8C5-ECC9F3942E4B}">
+                <a14:imgProps xmlns:a14="http://schemas.microsoft.com/office/drawing/2010/main">
+                  <a14:imgLayer r:embed="rId12">
+                    <a14:imgEffect>
+                      <a14:brightnessContrast bright="40000" contrast="40000"/>
+                    </a14:imgEffect>
+                  </a14:imgLayer>
+                </a14:imgProps>
+              </a:ext>
+              <a:ext uri="{28A0092B-C50C-407E-A947-70E740481C1C}">
+                <a14:useLocalDpi xmlns:a14="http://schemas.microsoft.com/office/drawing/2010/main" val="0"/>
+              </a:ext>
+            </a:extLst>
+          </a:blip>
+          <a:stretch>
+            <a:fillRect/>
+          </a:stretch>
+        </p:blipFill>
         <p:spPr>
           <a:xfrm>
-            <a:off x="460865" y="5535895"/>
-            <a:ext cx="6731045" cy="430887"/>
+            <a:off x="7830034" y="2731702"/>
+            <a:ext cx="667136" cy="667136"/>
           </a:xfrm>
           <a:prstGeom prst="rect">
             <a:avLst/>
           </a:prstGeom>
-          <a:noFill/>
-        </p:spPr>
-        <p:txBody>
-          <a:bodyPr wrap="square" lIns="0" tIns="0" rIns="0" bIns="0" rtlCol="0">
-            <a:spAutoFit/>
-          </a:bodyPr>
-          <a:lstStyle/>
-          <a:p>
-            <a:pPr algn="l">
-              <a:spcAft>
-                <a:spcPts val="600"/>
-              </a:spcAft>
-            </a:pPr>
-            <a:r>
-              <a:rPr lang="en-US" sz="2800" dirty="0">
-                <a:solidFill>
-                  <a:schemeClr val="bg1"/>
-                </a:solidFill>
-              </a:rPr>
-              <a:t>By Chosen Ones Graduate Team</a:t>
-            </a:r>
-            <a:endParaRPr lang="en-ZA" sz="2800" dirty="0" err="1">
-              <a:solidFill>
-                <a:schemeClr val="bg1"/>
-              </a:solidFill>
-            </a:endParaRPr>
-          </a:p>
-        </p:txBody>
-      </p:sp>
+        </p:spPr>
+      </p:pic>
     </p:spTree>
     <p:extLst>
       <p:ext uri="{BB962C8B-B14F-4D97-AF65-F5344CB8AC3E}">
-        <p14:creationId xmlns:p14="http://schemas.microsoft.com/office/powerpoint/2010/main" val="878242559"/>
+        <p14:creationId xmlns:p14="http://schemas.microsoft.com/office/powerpoint/2010/main" val="1686034521"/>
       </p:ext>
     </p:extLst>
   </p:cSld>
   <p:clrMapOvr>
     <a:masterClrMapping/>
   </p:clrMapOvr>
+  <p:timing>
+    <p:tnLst>
+      <p:par>
+        <p:cTn id="1" dur="indefinite" restart="never" nodeType="tmRoot">
+          <p:childTnLst>
+            <p:seq concurrent="1" nextAc="seek">
+              <p:cTn id="2" restart="whenNotActive" fill="hold" evtFilter="cancelBubble" nodeType="interactiveSeq">
+                <p:stCondLst>
+                  <p:cond evt="onClick" delay="0">
+                    <p:tgtEl>
+                      <p:spTgt spid="6"/>
+                    </p:tgtEl>
+                  </p:cond>
+                </p:stCondLst>
+                <p:endSync evt="end" delay="0">
+                  <p:rtn val="all"/>
+                </p:endSync>
+                <p:childTnLst>
+                  <p:par>
+                    <p:cTn id="3" fill="hold">
+                      <p:stCondLst>
+                        <p:cond delay="0"/>
+                      </p:stCondLst>
+                      <p:childTnLst>
+                        <p:par>
+                          <p:cTn id="4" fill="hold">
+                            <p:stCondLst>
+                              <p:cond delay="0"/>
+                            </p:stCondLst>
+                            <p:childTnLst>
+                              <p:par>
+                                <p:cTn id="5" presetID="10" presetClass="entr" presetSubtype="0" fill="hold" grpId="0" nodeType="clickEffect">
+                                  <p:stCondLst>
+                                    <p:cond delay="0"/>
+                                  </p:stCondLst>
+                                  <p:childTnLst>
+                                    <p:set>
+                                      <p:cBhvr>
+                                        <p:cTn id="6" dur="1" fill="hold">
+                                          <p:stCondLst>
+                                            <p:cond delay="0"/>
+                                          </p:stCondLst>
+                                        </p:cTn>
+                                        <p:tgtEl>
+                                          <p:spTgt spid="26"/>
+                                        </p:tgtEl>
+                                        <p:attrNameLst>
+                                          <p:attrName>style.visibility</p:attrName>
+                                        </p:attrNameLst>
+                                      </p:cBhvr>
+                                      <p:to>
+                                        <p:strVal val="visible"/>
+                                      </p:to>
+                                    </p:set>
+                                    <p:animEffect transition="in" filter="fade">
+                                      <p:cBhvr>
+                                        <p:cTn id="7" dur="1250"/>
+                                        <p:tgtEl>
+                                          <p:spTgt spid="26"/>
+                                        </p:tgtEl>
+                                      </p:cBhvr>
+                                    </p:animEffect>
+                                  </p:childTnLst>
+                                </p:cTn>
+                              </p:par>
+                              <p:par>
+                                <p:cTn id="8" presetID="1" presetClass="emph" presetSubtype="2" fill="hold" nodeType="withEffect">
+                                  <p:stCondLst>
+                                    <p:cond delay="400"/>
+                                  </p:stCondLst>
+                                  <p:childTnLst>
+                                    <p:animClr clrSpc="rgb" dir="cw">
+                                      <p:cBhvr>
+                                        <p:cTn id="9" dur="2000" fill="hold"/>
+                                        <p:tgtEl>
+                                          <p:spTgt spid="26"/>
+                                        </p:tgtEl>
+                                        <p:attrNameLst>
+                                          <p:attrName>fillcolor</p:attrName>
+                                        </p:attrNameLst>
+                                      </p:cBhvr>
+                                      <p:to>
+                                        <a:srgbClr val="002060"/>
+                                      </p:to>
+                                    </p:animClr>
+                                    <p:set>
+                                      <p:cBhvr>
+                                        <p:cTn id="10" dur="2000" fill="hold"/>
+                                        <p:tgtEl>
+                                          <p:spTgt spid="26"/>
+                                        </p:tgtEl>
+                                        <p:attrNameLst>
+                                          <p:attrName>fill.type</p:attrName>
+                                        </p:attrNameLst>
+                                      </p:cBhvr>
+                                      <p:to>
+                                        <p:strVal val="solid"/>
+                                      </p:to>
+                                    </p:set>
+                                    <p:set>
+                                      <p:cBhvr>
+                                        <p:cTn id="11" dur="2000" fill="hold"/>
+                                        <p:tgtEl>
+                                          <p:spTgt spid="26"/>
+                                        </p:tgtEl>
+                                        <p:attrNameLst>
+                                          <p:attrName>fill.on</p:attrName>
+                                        </p:attrNameLst>
+                                      </p:cBhvr>
+                                      <p:to>
+                                        <p:strVal val="true"/>
+                                      </p:to>
+                                    </p:set>
+                                  </p:childTnLst>
+                                </p:cTn>
+                              </p:par>
+                            </p:childTnLst>
+                          </p:cTn>
+                        </p:par>
+                      </p:childTnLst>
+                    </p:cTn>
+                  </p:par>
+                </p:childTnLst>
+              </p:cTn>
+              <p:nextCondLst>
+                <p:cond evt="onClick" delay="0">
+                  <p:tgtEl>
+                    <p:spTgt spid="6"/>
+                  </p:tgtEl>
+                </p:cond>
+              </p:nextCondLst>
+            </p:seq>
+            <p:seq concurrent="1" nextAc="seek">
+              <p:cTn id="12" restart="whenNotActive" fill="hold" evtFilter="cancelBubble" nodeType="interactiveSeq">
+                <p:stCondLst>
+                  <p:cond evt="onClick" delay="0">
+                    <p:tgtEl>
+                      <p:spTgt spid="13"/>
+                    </p:tgtEl>
+                  </p:cond>
+                </p:stCondLst>
+                <p:endSync evt="end" delay="0">
+                  <p:rtn val="all"/>
+                </p:endSync>
+                <p:childTnLst>
+                  <p:par>
+                    <p:cTn id="13" fill="hold">
+                      <p:stCondLst>
+                        <p:cond delay="0"/>
+                      </p:stCondLst>
+                      <p:childTnLst>
+                        <p:par>
+                          <p:cTn id="14" fill="hold">
+                            <p:stCondLst>
+                              <p:cond delay="0"/>
+                            </p:stCondLst>
+                            <p:childTnLst>
+                              <p:par>
+                                <p:cTn id="15" presetID="10" presetClass="entr" presetSubtype="0" fill="hold" grpId="0" nodeType="clickEffect">
+                                  <p:stCondLst>
+                                    <p:cond delay="0"/>
+                                  </p:stCondLst>
+                                  <p:childTnLst>
+                                    <p:set>
+                                      <p:cBhvr>
+                                        <p:cTn id="16" dur="1" fill="hold">
+                                          <p:stCondLst>
+                                            <p:cond delay="0"/>
+                                          </p:stCondLst>
+                                        </p:cTn>
+                                        <p:tgtEl>
+                                          <p:spTgt spid="27"/>
+                                        </p:tgtEl>
+                                        <p:attrNameLst>
+                                          <p:attrName>style.visibility</p:attrName>
+                                        </p:attrNameLst>
+                                      </p:cBhvr>
+                                      <p:to>
+                                        <p:strVal val="visible"/>
+                                      </p:to>
+                                    </p:set>
+                                    <p:animEffect transition="in" filter="fade">
+                                      <p:cBhvr>
+                                        <p:cTn id="17" dur="1250"/>
+                                        <p:tgtEl>
+                                          <p:spTgt spid="27"/>
+                                        </p:tgtEl>
+                                      </p:cBhvr>
+                                    </p:animEffect>
+                                  </p:childTnLst>
+                                </p:cTn>
+                              </p:par>
+                              <p:par>
+                                <p:cTn id="18" presetID="1" presetClass="emph" presetSubtype="2" fill="hold" nodeType="withEffect">
+                                  <p:stCondLst>
+                                    <p:cond delay="400"/>
+                                  </p:stCondLst>
+                                  <p:childTnLst>
+                                    <p:animClr clrSpc="rgb" dir="cw">
+                                      <p:cBhvr>
+                                        <p:cTn id="19" dur="2000" fill="hold"/>
+                                        <p:tgtEl>
+                                          <p:spTgt spid="27"/>
+                                        </p:tgtEl>
+                                        <p:attrNameLst>
+                                          <p:attrName>fillcolor</p:attrName>
+                                        </p:attrNameLst>
+                                      </p:cBhvr>
+                                      <p:to>
+                                        <a:srgbClr val="002060"/>
+                                      </p:to>
+                                    </p:animClr>
+                                    <p:set>
+                                      <p:cBhvr>
+                                        <p:cTn id="20" dur="2000" fill="hold"/>
+                                        <p:tgtEl>
+                                          <p:spTgt spid="27"/>
+                                        </p:tgtEl>
+                                        <p:attrNameLst>
+                                          <p:attrName>fill.type</p:attrName>
+                                        </p:attrNameLst>
+                                      </p:cBhvr>
+                                      <p:to>
+                                        <p:strVal val="solid"/>
+                                      </p:to>
+                                    </p:set>
+                                    <p:set>
+                                      <p:cBhvr>
+                                        <p:cTn id="21" dur="2000" fill="hold"/>
+                                        <p:tgtEl>
+                                          <p:spTgt spid="27"/>
+                                        </p:tgtEl>
+                                        <p:attrNameLst>
+                                          <p:attrName>fill.on</p:attrName>
+                                        </p:attrNameLst>
+                                      </p:cBhvr>
+                                      <p:to>
+                                        <p:strVal val="true"/>
+                                      </p:to>
+                                    </p:set>
+                                  </p:childTnLst>
+                                </p:cTn>
+                              </p:par>
+                            </p:childTnLst>
+                          </p:cTn>
+                        </p:par>
+                      </p:childTnLst>
+                    </p:cTn>
+                  </p:par>
+                </p:childTnLst>
+              </p:cTn>
+              <p:nextCondLst>
+                <p:cond evt="onClick" delay="0">
+                  <p:tgtEl>
+                    <p:spTgt spid="13"/>
+                  </p:tgtEl>
+                </p:cond>
+              </p:nextCondLst>
+            </p:seq>
+            <p:seq concurrent="1" nextAc="seek">
+              <p:cTn id="22" restart="whenNotActive" fill="hold" evtFilter="cancelBubble" nodeType="interactiveSeq">
+                <p:stCondLst>
+                  <p:cond evt="onClick" delay="0">
+                    <p:tgtEl>
+                      <p:spTgt spid="19"/>
+                    </p:tgtEl>
+                  </p:cond>
+                </p:stCondLst>
+                <p:endSync evt="end" delay="0">
+                  <p:rtn val="all"/>
+                </p:endSync>
+                <p:childTnLst>
+                  <p:par>
+                    <p:cTn id="23" fill="hold">
+                      <p:stCondLst>
+                        <p:cond delay="0"/>
+                      </p:stCondLst>
+                      <p:childTnLst>
+                        <p:par>
+                          <p:cTn id="24" fill="hold">
+                            <p:stCondLst>
+                              <p:cond delay="0"/>
+                            </p:stCondLst>
+                            <p:childTnLst>
+                              <p:par>
+                                <p:cTn id="25" presetID="10" presetClass="entr" presetSubtype="0" fill="hold" grpId="0" nodeType="clickEffect">
+                                  <p:stCondLst>
+                                    <p:cond delay="0"/>
+                                  </p:stCondLst>
+                                  <p:childTnLst>
+                                    <p:set>
+                                      <p:cBhvr>
+                                        <p:cTn id="26" dur="1" fill="hold">
+                                          <p:stCondLst>
+                                            <p:cond delay="0"/>
+                                          </p:stCondLst>
+                                        </p:cTn>
+                                        <p:tgtEl>
+                                          <p:spTgt spid="28"/>
+                                        </p:tgtEl>
+                                        <p:attrNameLst>
+                                          <p:attrName>style.visibility</p:attrName>
+                                        </p:attrNameLst>
+                                      </p:cBhvr>
+                                      <p:to>
+                                        <p:strVal val="visible"/>
+                                      </p:to>
+                                    </p:set>
+                                    <p:animEffect transition="in" filter="fade">
+                                      <p:cBhvr>
+                                        <p:cTn id="27" dur="1250"/>
+                                        <p:tgtEl>
+                                          <p:spTgt spid="28"/>
+                                        </p:tgtEl>
+                                      </p:cBhvr>
+                                    </p:animEffect>
+                                  </p:childTnLst>
+                                </p:cTn>
+                              </p:par>
+                              <p:par>
+                                <p:cTn id="28" presetID="1" presetClass="emph" presetSubtype="2" fill="hold" nodeType="withEffect">
+                                  <p:stCondLst>
+                                    <p:cond delay="400"/>
+                                  </p:stCondLst>
+                                  <p:childTnLst>
+                                    <p:animClr clrSpc="rgb" dir="cw">
+                                      <p:cBhvr>
+                                        <p:cTn id="29" dur="2000" fill="hold"/>
+                                        <p:tgtEl>
+                                          <p:spTgt spid="28"/>
+                                        </p:tgtEl>
+                                        <p:attrNameLst>
+                                          <p:attrName>fillcolor</p:attrName>
+                                        </p:attrNameLst>
+                                      </p:cBhvr>
+                                      <p:to>
+                                        <a:srgbClr val="002060"/>
+                                      </p:to>
+                                    </p:animClr>
+                                    <p:set>
+                                      <p:cBhvr>
+                                        <p:cTn id="30" dur="2000" fill="hold"/>
+                                        <p:tgtEl>
+                                          <p:spTgt spid="28"/>
+                                        </p:tgtEl>
+                                        <p:attrNameLst>
+                                          <p:attrName>fill.type</p:attrName>
+                                        </p:attrNameLst>
+                                      </p:cBhvr>
+                                      <p:to>
+                                        <p:strVal val="solid"/>
+                                      </p:to>
+                                    </p:set>
+                                    <p:set>
+                                      <p:cBhvr>
+                                        <p:cTn id="31" dur="2000" fill="hold"/>
+                                        <p:tgtEl>
+                                          <p:spTgt spid="28"/>
+                                        </p:tgtEl>
+                                        <p:attrNameLst>
+                                          <p:attrName>fill.on</p:attrName>
+                                        </p:attrNameLst>
+                                      </p:cBhvr>
+                                      <p:to>
+                                        <p:strVal val="true"/>
+                                      </p:to>
+                                    </p:set>
+                                  </p:childTnLst>
+                                </p:cTn>
+                              </p:par>
+                            </p:childTnLst>
+                          </p:cTn>
+                        </p:par>
+                      </p:childTnLst>
+                    </p:cTn>
+                  </p:par>
+                </p:childTnLst>
+              </p:cTn>
+              <p:nextCondLst>
+                <p:cond evt="onClick" delay="0">
+                  <p:tgtEl>
+                    <p:spTgt spid="19"/>
+                  </p:tgtEl>
+                </p:cond>
+              </p:nextCondLst>
+            </p:seq>
+          </p:childTnLst>
+        </p:cTn>
+      </p:par>
+    </p:tnLst>
+    <p:bldLst>
+      <p:bldP spid="26" grpId="0" animBg="1"/>
+      <p:bldP spid="27" grpId="0" animBg="1"/>
+      <p:bldP spid="28" grpId="0" animBg="1"/>
+    </p:bldLst>
+  </p:timing>
 </p:sld>
 </file>
 
@@ -7424,10 +8210,10 @@
       </p:grpSpPr>
       <p:pic>
         <p:nvPicPr>
-          <p:cNvPr id="5" name="Picture 4" descr="A white hexagons with blue edges&#10;&#10;Description automatically generated">
-            <a:extLst>
-              <a:ext uri="{FF2B5EF4-FFF2-40B4-BE49-F238E27FC236}">
-                <a16:creationId xmlns:a16="http://schemas.microsoft.com/office/drawing/2014/main" id="{7F5FD30C-87C3-EF60-E0BE-F08CB3181E67}"/>
+          <p:cNvPr id="3" name="Picture 2" descr="A white hexagons with blue edges&#10;&#10;Description automatically generated">
+            <a:extLst>
+              <a:ext uri="{FF2B5EF4-FFF2-40B4-BE49-F238E27FC236}">
+                <a16:creationId xmlns:a16="http://schemas.microsoft.com/office/drawing/2014/main" id="{B2F1C530-16E9-7FB6-B8D3-BB3A8650EEC8}"/>
               </a:ext>
             </a:extLst>
           </p:cNvPr>
@@ -7486,7 +8272,7 @@
           </a:solidFill>
           <a:ln>
             <a:solidFill>
-              <a:srgbClr val="002060"/>
+              <a:srgbClr val="0056AE"/>
             </a:solidFill>
           </a:ln>
         </p:spPr>
@@ -7540,6 +8326,328 @@
               <a:rPr lang="en-GB" smtClean="0"/>
               <a:pPr/>
               <a:t>12</a:t>
+            </a:fld>
+            <a:endParaRPr lang="en-GB" dirty="0"/>
+          </a:p>
+        </p:txBody>
+      </p:sp>
+      <p:sp>
+        <p:nvSpPr>
+          <p:cNvPr id="9" name="Text Placeholder 9">
+            <a:extLst>
+              <a:ext uri="{FF2B5EF4-FFF2-40B4-BE49-F238E27FC236}">
+                <a16:creationId xmlns:a16="http://schemas.microsoft.com/office/drawing/2014/main" id="{302E7C59-D305-5F46-C4DF-DEF02469E3CC}"/>
+              </a:ext>
+            </a:extLst>
+          </p:cNvPr>
+          <p:cNvSpPr>
+            <a:spLocks noGrp="1"/>
+          </p:cNvSpPr>
+          <p:nvPr>
+            <p:ph type="body" sz="quarter" idx="19"/>
+          </p:nvPr>
+        </p:nvSpPr>
+        <p:spPr>
+          <a:xfrm>
+            <a:off x="460865" y="6420548"/>
+            <a:ext cx="6312900" cy="244800"/>
+          </a:xfrm>
+        </p:spPr>
+        <p:txBody>
+          <a:bodyPr/>
+          <a:lstStyle/>
+          <a:p>
+            <a:r>
+              <a:rPr lang="en-ZA" dirty="0">
+                <a:latin typeface="Helvetica" panose="020B0604020202020204" pitchFamily="34" charset="0"/>
+                <a:cs typeface="Helvetica" panose="020B0604020202020204" pitchFamily="34" charset="0"/>
+              </a:rPr>
+              <a:t>Data Led: Intelligent Insights</a:t>
+            </a:r>
+          </a:p>
+        </p:txBody>
+      </p:sp>
+      <p:sp>
+        <p:nvSpPr>
+          <p:cNvPr id="7" name="TextBox 6">
+            <a:extLst>
+              <a:ext uri="{FF2B5EF4-FFF2-40B4-BE49-F238E27FC236}">
+                <a16:creationId xmlns:a16="http://schemas.microsoft.com/office/drawing/2014/main" id="{5DA691A9-2FC5-5070-CAD2-884AD82BEF6F}"/>
+              </a:ext>
+            </a:extLst>
+          </p:cNvPr>
+          <p:cNvSpPr txBox="1"/>
+          <p:nvPr/>
+        </p:nvSpPr>
+        <p:spPr>
+          <a:xfrm>
+            <a:off x="460865" y="4981897"/>
+            <a:ext cx="7470784" cy="553998"/>
+          </a:xfrm>
+          <a:prstGeom prst="rect">
+            <a:avLst/>
+          </a:prstGeom>
+          <a:noFill/>
+        </p:spPr>
+        <p:txBody>
+          <a:bodyPr wrap="square" lIns="0" tIns="0" rIns="0" bIns="0" rtlCol="0">
+            <a:spAutoFit/>
+          </a:bodyPr>
+          <a:lstStyle/>
+          <a:p>
+            <a:pPr algn="l">
+              <a:spcAft>
+                <a:spcPts val="600"/>
+              </a:spcAft>
+            </a:pPr>
+            <a:r>
+              <a:rPr lang="en-US" sz="3600" dirty="0">
+                <a:solidFill>
+                  <a:schemeClr val="bg1"/>
+                </a:solidFill>
+              </a:rPr>
+              <a:t>BIOps Demo</a:t>
+            </a:r>
+            <a:endParaRPr lang="en-ZA" sz="3600" dirty="0">
+              <a:solidFill>
+                <a:schemeClr val="bg1"/>
+              </a:solidFill>
+            </a:endParaRPr>
+          </a:p>
+        </p:txBody>
+      </p:sp>
+      <p:pic>
+        <p:nvPicPr>
+          <p:cNvPr id="5" name="Picture 4" descr="A logo on a black background&#10;&#10;Description automatically generated">
+            <a:extLst>
+              <a:ext uri="{FF2B5EF4-FFF2-40B4-BE49-F238E27FC236}">
+                <a16:creationId xmlns:a16="http://schemas.microsoft.com/office/drawing/2014/main" id="{9F3E140F-F3D0-01D6-801E-82611693B129}"/>
+              </a:ext>
+            </a:extLst>
+          </p:cNvPr>
+          <p:cNvPicPr>
+            <a:picLocks noChangeAspect="1"/>
+          </p:cNvPicPr>
+          <p:nvPr/>
+        </p:nvPicPr>
+        <p:blipFill rotWithShape="1">
+          <a:blip r:embed="rId3" cstate="email">
+            <a:extLst>
+              <a:ext uri="{28A0092B-C50C-407E-A947-70E740481C1C}">
+                <a14:useLocalDpi xmlns:a14="http://schemas.microsoft.com/office/drawing/2010/main"/>
+              </a:ext>
+            </a:extLst>
+          </a:blip>
+          <a:srcRect/>
+          <a:stretch/>
+        </p:blipFill>
+        <p:spPr>
+          <a:xfrm>
+            <a:off x="9409427" y="5820717"/>
+            <a:ext cx="2321708" cy="722231"/>
+          </a:xfrm>
+          <a:prstGeom prst="rect">
+            <a:avLst/>
+          </a:prstGeom>
+        </p:spPr>
+      </p:pic>
+      <p:sp>
+        <p:nvSpPr>
+          <p:cNvPr id="4" name="TextBox 3">
+            <a:extLst>
+              <a:ext uri="{FF2B5EF4-FFF2-40B4-BE49-F238E27FC236}">
+                <a16:creationId xmlns:a16="http://schemas.microsoft.com/office/drawing/2014/main" id="{79E86465-4476-47FD-A061-C5452DCA3B73}"/>
+              </a:ext>
+            </a:extLst>
+          </p:cNvPr>
+          <p:cNvSpPr txBox="1"/>
+          <p:nvPr/>
+        </p:nvSpPr>
+        <p:spPr>
+          <a:xfrm>
+            <a:off x="460865" y="5535895"/>
+            <a:ext cx="6731045" cy="430887"/>
+          </a:xfrm>
+          <a:prstGeom prst="rect">
+            <a:avLst/>
+          </a:prstGeom>
+          <a:noFill/>
+        </p:spPr>
+        <p:txBody>
+          <a:bodyPr wrap="square" lIns="0" tIns="0" rIns="0" bIns="0" rtlCol="0">
+            <a:spAutoFit/>
+          </a:bodyPr>
+          <a:lstStyle/>
+          <a:p>
+            <a:pPr algn="l">
+              <a:spcAft>
+                <a:spcPts val="600"/>
+              </a:spcAft>
+            </a:pPr>
+            <a:r>
+              <a:rPr lang="en-US" sz="2800" dirty="0">
+                <a:solidFill>
+                  <a:schemeClr val="bg1"/>
+                </a:solidFill>
+              </a:rPr>
+              <a:t>By Chosen Ones Graduate Team</a:t>
+            </a:r>
+            <a:endParaRPr lang="en-ZA" sz="2800" dirty="0" err="1">
+              <a:solidFill>
+                <a:schemeClr val="bg1"/>
+              </a:solidFill>
+            </a:endParaRPr>
+          </a:p>
+        </p:txBody>
+      </p:sp>
+    </p:spTree>
+    <p:extLst>
+      <p:ext uri="{BB962C8B-B14F-4D97-AF65-F5344CB8AC3E}">
+        <p14:creationId xmlns:p14="http://schemas.microsoft.com/office/powerpoint/2010/main" val="878242559"/>
+      </p:ext>
+    </p:extLst>
+  </p:cSld>
+  <p:clrMapOvr>
+    <a:masterClrMapping/>
+  </p:clrMapOvr>
+</p:sld>
+</file>
+
+<file path=ppt/slides/slide13.xml><?xml version="1.0" encoding="utf-8"?>
+<p:sld xmlns:a="http://schemas.openxmlformats.org/drawingml/2006/main" xmlns:r="http://schemas.openxmlformats.org/officeDocument/2006/relationships" xmlns:p="http://schemas.openxmlformats.org/presentationml/2006/main">
+  <p:cSld>
+    <p:spTree>
+      <p:nvGrpSpPr>
+        <p:cNvPr id="1" name=""/>
+        <p:cNvGrpSpPr/>
+        <p:nvPr/>
+      </p:nvGrpSpPr>
+      <p:grpSpPr>
+        <a:xfrm>
+          <a:off x="0" y="0"/>
+          <a:ext cx="0" cy="0"/>
+          <a:chOff x="0" y="0"/>
+          <a:chExt cx="0" cy="0"/>
+        </a:xfrm>
+      </p:grpSpPr>
+      <p:pic>
+        <p:nvPicPr>
+          <p:cNvPr id="5" name="Picture 4" descr="A white hexagons with blue edges&#10;&#10;Description automatically generated">
+            <a:extLst>
+              <a:ext uri="{FF2B5EF4-FFF2-40B4-BE49-F238E27FC236}">
+                <a16:creationId xmlns:a16="http://schemas.microsoft.com/office/drawing/2014/main" id="{7F5FD30C-87C3-EF60-E0BE-F08CB3181E67}"/>
+              </a:ext>
+            </a:extLst>
+          </p:cNvPr>
+          <p:cNvPicPr>
+            <a:picLocks noChangeAspect="1"/>
+          </p:cNvPicPr>
+          <p:nvPr/>
+        </p:nvPicPr>
+        <p:blipFill>
+          <a:blip r:embed="rId2" cstate="email">
+            <a:alphaModFix amt="35000"/>
+            <a:extLst>
+              <a:ext uri="{28A0092B-C50C-407E-A947-70E740481C1C}">
+                <a14:useLocalDpi xmlns:a14="http://schemas.microsoft.com/office/drawing/2010/main"/>
+              </a:ext>
+            </a:extLst>
+          </a:blip>
+          <a:stretch>
+            <a:fillRect/>
+          </a:stretch>
+        </p:blipFill>
+        <p:spPr>
+          <a:xfrm>
+            <a:off x="0" y="0"/>
+            <a:ext cx="12192000" cy="6858000"/>
+          </a:xfrm>
+          <a:prstGeom prst="rect">
+            <a:avLst/>
+          </a:prstGeom>
+        </p:spPr>
+      </p:pic>
+      <p:sp>
+        <p:nvSpPr>
+          <p:cNvPr id="21" name="Isosceles Triangle 20">
+            <a:extLst>
+              <a:ext uri="{FF2B5EF4-FFF2-40B4-BE49-F238E27FC236}">
+                <a16:creationId xmlns:a16="http://schemas.microsoft.com/office/drawing/2014/main" id="{27015457-004D-ED7D-3B53-4C917E9BF5CA}"/>
+              </a:ext>
+            </a:extLst>
+          </p:cNvPr>
+          <p:cNvSpPr/>
+          <p:nvPr/>
+        </p:nvSpPr>
+        <p:spPr>
+          <a:xfrm>
+            <a:off x="0" y="0"/>
+            <a:ext cx="9615377" cy="6858000"/>
+          </a:xfrm>
+          <a:prstGeom prst="triangle">
+            <a:avLst>
+              <a:gd name="adj" fmla="val 0"/>
+            </a:avLst>
+          </a:prstGeom>
+          <a:solidFill>
+            <a:srgbClr val="0056AE"/>
+          </a:solidFill>
+          <a:ln>
+            <a:solidFill>
+              <a:srgbClr val="002060"/>
+            </a:solidFill>
+          </a:ln>
+        </p:spPr>
+        <p:style>
+          <a:lnRef idx="2">
+            <a:schemeClr val="accent1">
+              <a:shade val="50000"/>
+            </a:schemeClr>
+          </a:lnRef>
+          <a:fillRef idx="1">
+            <a:schemeClr val="accent1"/>
+          </a:fillRef>
+          <a:effectRef idx="0">
+            <a:schemeClr val="accent1"/>
+          </a:effectRef>
+          <a:fontRef idx="minor">
+            <a:schemeClr val="lt1"/>
+          </a:fontRef>
+        </p:style>
+        <p:txBody>
+          <a:bodyPr lIns="72000" tIns="36000" rIns="72000" bIns="36000" rtlCol="0" anchor="ctr"/>
+          <a:lstStyle/>
+          <a:p>
+            <a:pPr algn="ctr"/>
+            <a:endParaRPr lang="en-ZA" sz="1400" noProof="0" dirty="0" err="1"/>
+          </a:p>
+        </p:txBody>
+      </p:sp>
+      <p:sp>
+        <p:nvSpPr>
+          <p:cNvPr id="2" name="Slide Number Placeholder 1">
+            <a:extLst>
+              <a:ext uri="{FF2B5EF4-FFF2-40B4-BE49-F238E27FC236}">
+                <a16:creationId xmlns:a16="http://schemas.microsoft.com/office/drawing/2014/main" id="{759C60B5-1358-D026-FF38-8DBBACD47019}"/>
+              </a:ext>
+            </a:extLst>
+          </p:cNvPr>
+          <p:cNvSpPr>
+            <a:spLocks noGrp="1"/>
+          </p:cNvSpPr>
+          <p:nvPr>
+            <p:ph type="sldNum" sz="quarter" idx="17"/>
+          </p:nvPr>
+        </p:nvSpPr>
+        <p:spPr/>
+        <p:txBody>
+          <a:bodyPr/>
+          <a:lstStyle/>
+          <a:p>
+            <a:fld id="{23AA811B-2EBD-4900-905E-5BE206449611}" type="slidenum">
+              <a:rPr lang="en-GB" smtClean="0"/>
+              <a:pPr/>
+              <a:t>13</a:t>
             </a:fld>
             <a:endParaRPr lang="en-GB" dirty="0"/>
           </a:p>
@@ -16223,6 +17331,15 @@
 </file>
 
 <file path=customXml/item1.xml><?xml version="1.0" encoding="utf-8"?>
+<?mso-contentType ?>
+<FormTemplates xmlns="http://schemas.microsoft.com/sharepoint/v3/contenttype/forms">
+  <Display>DocumentLibraryForm</Display>
+  <Edit>DocumentLibraryForm</Edit>
+  <New>DocumentLibraryForm</New>
+</FormTemplates>
+</file>
+
+<file path=customXml/item2.xml><?xml version="1.0" encoding="utf-8"?>
 <ct:contentTypeSchema xmlns:ct="http://schemas.microsoft.com/office/2006/metadata/contentType" xmlns:ma="http://schemas.microsoft.com/office/2006/metadata/properties/metaAttributes" ct:_="" ma:_="" ma:contentTypeName="Document" ma:contentTypeID="0x010100F132B9D669F4EC4BAB1D5C90AACD7F14" ma:contentTypeVersion="14" ma:contentTypeDescription="Create a new document." ma:contentTypeScope="" ma:versionID="4caf2f1c01fd27045a37f09237b1c7f5">
   <xsd:schema xmlns:xsd="http://www.w3.org/2001/XMLSchema" xmlns:xs="http://www.w3.org/2001/XMLSchema" xmlns:p="http://schemas.microsoft.com/office/2006/metadata/properties" xmlns:ns3="fec3b462-023f-4d5d-916e-ea1f58025ed9" xmlns:ns4="c820ed94-89e5-4068-a496-b05f100dec8e" targetNamespace="http://schemas.microsoft.com/office/2006/metadata/properties" ma:root="true" ma:fieldsID="bd2f0e76fdbd748911d9a962320caf88" ns3:_="" ns4:_="">
     <xsd:import namespace="fec3b462-023f-4d5d-916e-ea1f58025ed9"/>
@@ -16449,15 +17566,6 @@
 </ct:contentTypeSchema>
 </file>
 
-<file path=customXml/item2.xml><?xml version="1.0" encoding="utf-8"?>
-<?mso-contentType ?>
-<FormTemplates xmlns="http://schemas.microsoft.com/sharepoint/v3/contenttype/forms">
-  <Display>DocumentLibraryForm</Display>
-  <Edit>DocumentLibraryForm</Edit>
-  <New>DocumentLibraryForm</New>
-</FormTemplates>
-</file>
-
 <file path=customXml/item3.xml><?xml version="1.0" encoding="utf-8"?>
 <p:properties xmlns:p="http://schemas.microsoft.com/office/2006/metadata/properties" xmlns:xsi="http://www.w3.org/2001/XMLSchema-instance" xmlns:pc="http://schemas.microsoft.com/office/infopath/2007/PartnerControls">
   <documentManagement>
@@ -16467,6 +17575,14 @@
 </file>
 
 <file path=customXml/itemProps1.xml><?xml version="1.0" encoding="utf-8"?>
+<ds:datastoreItem xmlns:ds="http://schemas.openxmlformats.org/officeDocument/2006/customXml" ds:itemID="{726ECC11-8EF4-42B8-B9B7-B13B86BFFAF6}">
+  <ds:schemaRefs>
+    <ds:schemaRef ds:uri="http://schemas.microsoft.com/sharepoint/v3/contenttype/forms"/>
+  </ds:schemaRefs>
+</ds:datastoreItem>
+</file>
+
+<file path=customXml/itemProps2.xml><?xml version="1.0" encoding="utf-8"?>
 <ds:datastoreItem xmlns:ds="http://schemas.openxmlformats.org/officeDocument/2006/customXml" ds:itemID="{3E27DA02-E4CF-46D8-9B8D-27F2DD1EF37A}">
   <ds:schemaRefs>
     <ds:schemaRef ds:uri="http://schemas.microsoft.com/office/2006/metadata/contentType"/>
@@ -16481,14 +17597,6 @@
     <ds:schemaRef ds:uri="http://purl.org/dc/elements/1.1/"/>
     <ds:schemaRef ds:uri="http://purl.org/dc/terms/"/>
     <ds:schemaRef ds:uri="http://schemas.microsoft.com/internal/obd"/>
-  </ds:schemaRefs>
-</ds:datastoreItem>
-</file>
-
-<file path=customXml/itemProps2.xml><?xml version="1.0" encoding="utf-8"?>
-<ds:datastoreItem xmlns:ds="http://schemas.openxmlformats.org/officeDocument/2006/customXml" ds:itemID="{726ECC11-8EF4-42B8-B9B7-B13B86BFFAF6}">
-  <ds:schemaRefs>
-    <ds:schemaRef ds:uri="http://schemas.microsoft.com/sharepoint/v3/contenttype/forms"/>
   </ds:schemaRefs>
 </ds:datastoreItem>
 </file>
